--- a/docs/NPJohn.pptx
+++ b/docs/NPJohn.pptx
@@ -15,8 +15,6 @@
     <p:sldId id="262" r:id="rId10"/>
     <p:sldId id="263" r:id="rId11"/>
     <p:sldId id="264" r:id="rId12"/>
-    <p:sldId id="265" r:id="rId13"/>
-    <p:sldId id="266" r:id="rId14"/>
   </p:sldIdLst>
   <p:sldSz cx="12192000" cy="6858000"/>
   <p:notesSz cx="7559675" cy="10691812"/>
@@ -64,7 +62,7 @@
       </p:grpSpPr>
       <p:sp>
         <p:nvSpPr>
-          <p:cNvPr id="28" name="PlaceHolder 1"/>
+          <p:cNvPr id="25" name="PlaceHolder 1"/>
           <p:cNvSpPr>
             <a:spLocks noGrp="1"/>
           </p:cNvSpPr>
@@ -74,28 +72,28 @@
         </p:nvSpPr>
         <p:spPr>
           <a:xfrm>
-            <a:off x="1115640" y="548640"/>
-            <a:ext cx="10167840" cy="1179360"/>
-          </a:xfrm>
-          <a:prstGeom prst="rect">
-            <a:avLst/>
-          </a:prstGeom>
-        </p:spPr>
-        <p:txBody>
-          <a:bodyPr lIns="0" rIns="0" tIns="0" bIns="0" anchor="ctr"/>
-          <a:p>
-            <a:endParaRPr b="0" lang="it-IT" sz="1800" spc="-1" strike="noStrike">
-              <a:solidFill>
-                <a:srgbClr val="000000"/>
-              </a:solidFill>
-              <a:latin typeface="Avenir Next LT Pro"/>
-            </a:endParaRPr>
-          </a:p>
-        </p:txBody>
-      </p:sp>
-      <p:sp>
-        <p:nvSpPr>
-          <p:cNvPr id="29" name="PlaceHolder 2"/>
+            <a:off x="609480" y="273600"/>
+            <a:ext cx="10972440" cy="1144800"/>
+          </a:xfrm>
+          <a:prstGeom prst="rect">
+            <a:avLst/>
+          </a:prstGeom>
+        </p:spPr>
+        <p:txBody>
+          <a:bodyPr lIns="0" rIns="0" tIns="0" bIns="0" anchor="ctr">
+            <a:noAutofit/>
+          </a:bodyPr>
+          <a:p>
+            <a:pPr algn="ctr"/>
+            <a:endParaRPr b="0" lang="en-US" sz="4400" spc="-1" strike="noStrike">
+              <a:latin typeface="Arial"/>
+            </a:endParaRPr>
+          </a:p>
+        </p:txBody>
+      </p:sp>
+      <p:sp>
+        <p:nvSpPr>
+          <p:cNvPr id="26" name="PlaceHolder 2"/>
           <p:cNvSpPr>
             <a:spLocks noGrp="1"/>
           </p:cNvSpPr>
@@ -105,8 +103,8 @@
         </p:nvSpPr>
         <p:spPr>
           <a:xfrm>
-            <a:off x="1115640" y="2477880"/>
-            <a:ext cx="10167840" cy="1761840"/>
+            <a:off x="609480" y="1604520"/>
+            <a:ext cx="10972440" cy="1896840"/>
           </a:xfrm>
           <a:prstGeom prst="rect">
             <a:avLst/>
@@ -117,18 +115,15 @@
             <a:normAutofit/>
           </a:bodyPr>
           <a:p>
-            <a:endParaRPr b="0" lang="it-IT" sz="2800" spc="-1" strike="noStrike">
-              <a:solidFill>
-                <a:srgbClr val="000000"/>
-              </a:solidFill>
-              <a:latin typeface="Avenir Next LT Pro"/>
-            </a:endParaRPr>
-          </a:p>
-        </p:txBody>
-      </p:sp>
-      <p:sp>
-        <p:nvSpPr>
-          <p:cNvPr id="30" name="PlaceHolder 3"/>
+            <a:endParaRPr b="0" lang="en-US" sz="3200" spc="-1" strike="noStrike">
+              <a:latin typeface="Arial"/>
+            </a:endParaRPr>
+          </a:p>
+        </p:txBody>
+      </p:sp>
+      <p:sp>
+        <p:nvSpPr>
+          <p:cNvPr id="27" name="PlaceHolder 3"/>
           <p:cNvSpPr>
             <a:spLocks noGrp="1"/>
           </p:cNvSpPr>
@@ -138,8 +133,8 @@
         </p:nvSpPr>
         <p:spPr>
           <a:xfrm>
-            <a:off x="1115640" y="4407480"/>
-            <a:ext cx="10167840" cy="1761840"/>
+            <a:off x="609480" y="3682080"/>
+            <a:ext cx="10972440" cy="1896840"/>
           </a:xfrm>
           <a:prstGeom prst="rect">
             <a:avLst/>
@@ -150,11 +145,8 @@
             <a:normAutofit/>
           </a:bodyPr>
           <a:p>
-            <a:endParaRPr b="0" lang="it-IT" sz="2800" spc="-1" strike="noStrike">
-              <a:solidFill>
-                <a:srgbClr val="000000"/>
-              </a:solidFill>
-              <a:latin typeface="Avenir Next LT Pro"/>
+            <a:endParaRPr b="0" lang="en-US" sz="3200" spc="-1" strike="noStrike">
+              <a:latin typeface="Arial"/>
             </a:endParaRPr>
           </a:p>
         </p:txBody>
@@ -183,7 +175,7 @@
       </p:grpSpPr>
       <p:sp>
         <p:nvSpPr>
-          <p:cNvPr id="31" name="PlaceHolder 1"/>
+          <p:cNvPr id="28" name="PlaceHolder 1"/>
           <p:cNvSpPr>
             <a:spLocks noGrp="1"/>
           </p:cNvSpPr>
@@ -193,28 +185,28 @@
         </p:nvSpPr>
         <p:spPr>
           <a:xfrm>
-            <a:off x="1115640" y="548640"/>
-            <a:ext cx="10167840" cy="1179360"/>
-          </a:xfrm>
-          <a:prstGeom prst="rect">
-            <a:avLst/>
-          </a:prstGeom>
-        </p:spPr>
-        <p:txBody>
-          <a:bodyPr lIns="0" rIns="0" tIns="0" bIns="0" anchor="ctr"/>
-          <a:p>
-            <a:endParaRPr b="0" lang="it-IT" sz="1800" spc="-1" strike="noStrike">
-              <a:solidFill>
-                <a:srgbClr val="000000"/>
-              </a:solidFill>
-              <a:latin typeface="Avenir Next LT Pro"/>
-            </a:endParaRPr>
-          </a:p>
-        </p:txBody>
-      </p:sp>
-      <p:sp>
-        <p:nvSpPr>
-          <p:cNvPr id="32" name="PlaceHolder 2"/>
+            <a:off x="609480" y="273600"/>
+            <a:ext cx="10972440" cy="1144800"/>
+          </a:xfrm>
+          <a:prstGeom prst="rect">
+            <a:avLst/>
+          </a:prstGeom>
+        </p:spPr>
+        <p:txBody>
+          <a:bodyPr lIns="0" rIns="0" tIns="0" bIns="0" anchor="ctr">
+            <a:noAutofit/>
+          </a:bodyPr>
+          <a:p>
+            <a:pPr algn="ctr"/>
+            <a:endParaRPr b="0" lang="en-US" sz="4400" spc="-1" strike="noStrike">
+              <a:latin typeface="Arial"/>
+            </a:endParaRPr>
+          </a:p>
+        </p:txBody>
+      </p:sp>
+      <p:sp>
+        <p:nvSpPr>
+          <p:cNvPr id="29" name="PlaceHolder 2"/>
           <p:cNvSpPr>
             <a:spLocks noGrp="1"/>
           </p:cNvSpPr>
@@ -224,8 +216,8 @@
         </p:nvSpPr>
         <p:spPr>
           <a:xfrm>
-            <a:off x="1115640" y="2477880"/>
-            <a:ext cx="4961880" cy="1761840"/>
+            <a:off x="609480" y="1604520"/>
+            <a:ext cx="5354280" cy="1896840"/>
           </a:xfrm>
           <a:prstGeom prst="rect">
             <a:avLst/>
@@ -236,18 +228,15 @@
             <a:normAutofit/>
           </a:bodyPr>
           <a:p>
-            <a:endParaRPr b="0" lang="it-IT" sz="2800" spc="-1" strike="noStrike">
-              <a:solidFill>
-                <a:srgbClr val="000000"/>
-              </a:solidFill>
-              <a:latin typeface="Avenir Next LT Pro"/>
-            </a:endParaRPr>
-          </a:p>
-        </p:txBody>
-      </p:sp>
-      <p:sp>
-        <p:nvSpPr>
-          <p:cNvPr id="33" name="PlaceHolder 3"/>
+            <a:endParaRPr b="0" lang="en-US" sz="3200" spc="-1" strike="noStrike">
+              <a:latin typeface="Arial"/>
+            </a:endParaRPr>
+          </a:p>
+        </p:txBody>
+      </p:sp>
+      <p:sp>
+        <p:nvSpPr>
+          <p:cNvPr id="30" name="PlaceHolder 3"/>
           <p:cNvSpPr>
             <a:spLocks noGrp="1"/>
           </p:cNvSpPr>
@@ -257,8 +246,8 @@
         </p:nvSpPr>
         <p:spPr>
           <a:xfrm>
-            <a:off x="6325920" y="2477880"/>
-            <a:ext cx="4961880" cy="1761840"/>
+            <a:off x="6231960" y="1604520"/>
+            <a:ext cx="5354280" cy="1896840"/>
           </a:xfrm>
           <a:prstGeom prst="rect">
             <a:avLst/>
@@ -269,18 +258,15 @@
             <a:normAutofit/>
           </a:bodyPr>
           <a:p>
-            <a:endParaRPr b="0" lang="it-IT" sz="2800" spc="-1" strike="noStrike">
-              <a:solidFill>
-                <a:srgbClr val="000000"/>
-              </a:solidFill>
-              <a:latin typeface="Avenir Next LT Pro"/>
-            </a:endParaRPr>
-          </a:p>
-        </p:txBody>
-      </p:sp>
-      <p:sp>
-        <p:nvSpPr>
-          <p:cNvPr id="34" name="PlaceHolder 4"/>
+            <a:endParaRPr b="0" lang="en-US" sz="3200" spc="-1" strike="noStrike">
+              <a:latin typeface="Arial"/>
+            </a:endParaRPr>
+          </a:p>
+        </p:txBody>
+      </p:sp>
+      <p:sp>
+        <p:nvSpPr>
+          <p:cNvPr id="31" name="PlaceHolder 4"/>
           <p:cNvSpPr>
             <a:spLocks noGrp="1"/>
           </p:cNvSpPr>
@@ -290,8 +276,8 @@
         </p:nvSpPr>
         <p:spPr>
           <a:xfrm>
-            <a:off x="1115640" y="4407480"/>
-            <a:ext cx="4961880" cy="1761840"/>
+            <a:off x="609480" y="3682080"/>
+            <a:ext cx="5354280" cy="1896840"/>
           </a:xfrm>
           <a:prstGeom prst="rect">
             <a:avLst/>
@@ -302,18 +288,15 @@
             <a:normAutofit/>
           </a:bodyPr>
           <a:p>
-            <a:endParaRPr b="0" lang="it-IT" sz="2800" spc="-1" strike="noStrike">
-              <a:solidFill>
-                <a:srgbClr val="000000"/>
-              </a:solidFill>
-              <a:latin typeface="Avenir Next LT Pro"/>
-            </a:endParaRPr>
-          </a:p>
-        </p:txBody>
-      </p:sp>
-      <p:sp>
-        <p:nvSpPr>
-          <p:cNvPr id="35" name="PlaceHolder 5"/>
+            <a:endParaRPr b="0" lang="en-US" sz="3200" spc="-1" strike="noStrike">
+              <a:latin typeface="Arial"/>
+            </a:endParaRPr>
+          </a:p>
+        </p:txBody>
+      </p:sp>
+      <p:sp>
+        <p:nvSpPr>
+          <p:cNvPr id="32" name="PlaceHolder 5"/>
           <p:cNvSpPr>
             <a:spLocks noGrp="1"/>
           </p:cNvSpPr>
@@ -323,8 +306,8 @@
         </p:nvSpPr>
         <p:spPr>
           <a:xfrm>
-            <a:off x="6325920" y="4407480"/>
-            <a:ext cx="4961880" cy="1761840"/>
+            <a:off x="6231960" y="3682080"/>
+            <a:ext cx="5354280" cy="1896840"/>
           </a:xfrm>
           <a:prstGeom prst="rect">
             <a:avLst/>
@@ -335,11 +318,8 @@
             <a:normAutofit/>
           </a:bodyPr>
           <a:p>
-            <a:endParaRPr b="0" lang="it-IT" sz="2800" spc="-1" strike="noStrike">
-              <a:solidFill>
-                <a:srgbClr val="000000"/>
-              </a:solidFill>
-              <a:latin typeface="Avenir Next LT Pro"/>
+            <a:endParaRPr b="0" lang="en-US" sz="3200" spc="-1" strike="noStrike">
+              <a:latin typeface="Arial"/>
             </a:endParaRPr>
           </a:p>
         </p:txBody>
@@ -368,7 +348,7 @@
       </p:grpSpPr>
       <p:sp>
         <p:nvSpPr>
-          <p:cNvPr id="36" name="PlaceHolder 1"/>
+          <p:cNvPr id="33" name="PlaceHolder 1"/>
           <p:cNvSpPr>
             <a:spLocks noGrp="1"/>
           </p:cNvSpPr>
@@ -378,28 +358,28 @@
         </p:nvSpPr>
         <p:spPr>
           <a:xfrm>
-            <a:off x="1115640" y="548640"/>
-            <a:ext cx="10167840" cy="1179360"/>
-          </a:xfrm>
-          <a:prstGeom prst="rect">
-            <a:avLst/>
-          </a:prstGeom>
-        </p:spPr>
-        <p:txBody>
-          <a:bodyPr lIns="0" rIns="0" tIns="0" bIns="0" anchor="ctr"/>
-          <a:p>
-            <a:endParaRPr b="0" lang="it-IT" sz="1800" spc="-1" strike="noStrike">
-              <a:solidFill>
-                <a:srgbClr val="000000"/>
-              </a:solidFill>
-              <a:latin typeface="Avenir Next LT Pro"/>
-            </a:endParaRPr>
-          </a:p>
-        </p:txBody>
-      </p:sp>
-      <p:sp>
-        <p:nvSpPr>
-          <p:cNvPr id="37" name="PlaceHolder 2"/>
+            <a:off x="609480" y="273600"/>
+            <a:ext cx="10972440" cy="1144800"/>
+          </a:xfrm>
+          <a:prstGeom prst="rect">
+            <a:avLst/>
+          </a:prstGeom>
+        </p:spPr>
+        <p:txBody>
+          <a:bodyPr lIns="0" rIns="0" tIns="0" bIns="0" anchor="ctr">
+            <a:noAutofit/>
+          </a:bodyPr>
+          <a:p>
+            <a:pPr algn="ctr"/>
+            <a:endParaRPr b="0" lang="en-US" sz="4400" spc="-1" strike="noStrike">
+              <a:latin typeface="Arial"/>
+            </a:endParaRPr>
+          </a:p>
+        </p:txBody>
+      </p:sp>
+      <p:sp>
+        <p:nvSpPr>
+          <p:cNvPr id="34" name="PlaceHolder 2"/>
           <p:cNvSpPr>
             <a:spLocks noGrp="1"/>
           </p:cNvSpPr>
@@ -409,8 +389,8 @@
         </p:nvSpPr>
         <p:spPr>
           <a:xfrm>
-            <a:off x="1115640" y="2477880"/>
-            <a:ext cx="3273840" cy="1761840"/>
+            <a:off x="609480" y="1604520"/>
+            <a:ext cx="3533040" cy="1896840"/>
           </a:xfrm>
           <a:prstGeom prst="rect">
             <a:avLst/>
@@ -421,18 +401,15 @@
             <a:normAutofit/>
           </a:bodyPr>
           <a:p>
-            <a:endParaRPr b="0" lang="it-IT" sz="2800" spc="-1" strike="noStrike">
-              <a:solidFill>
-                <a:srgbClr val="000000"/>
-              </a:solidFill>
-              <a:latin typeface="Avenir Next LT Pro"/>
-            </a:endParaRPr>
-          </a:p>
-        </p:txBody>
-      </p:sp>
-      <p:sp>
-        <p:nvSpPr>
-          <p:cNvPr id="38" name="PlaceHolder 3"/>
+            <a:endParaRPr b="0" lang="en-US" sz="3200" spc="-1" strike="noStrike">
+              <a:latin typeface="Arial"/>
+            </a:endParaRPr>
+          </a:p>
+        </p:txBody>
+      </p:sp>
+      <p:sp>
+        <p:nvSpPr>
+          <p:cNvPr id="35" name="PlaceHolder 3"/>
           <p:cNvSpPr>
             <a:spLocks noGrp="1"/>
           </p:cNvSpPr>
@@ -442,8 +419,8 @@
         </p:nvSpPr>
         <p:spPr>
           <a:xfrm>
-            <a:off x="4553640" y="2477880"/>
-            <a:ext cx="3273840" cy="1761840"/>
+            <a:off x="4319640" y="1604520"/>
+            <a:ext cx="3533040" cy="1896840"/>
           </a:xfrm>
           <a:prstGeom prst="rect">
             <a:avLst/>
@@ -454,18 +431,15 @@
             <a:normAutofit/>
           </a:bodyPr>
           <a:p>
-            <a:endParaRPr b="0" lang="it-IT" sz="2800" spc="-1" strike="noStrike">
-              <a:solidFill>
-                <a:srgbClr val="000000"/>
-              </a:solidFill>
-              <a:latin typeface="Avenir Next LT Pro"/>
-            </a:endParaRPr>
-          </a:p>
-        </p:txBody>
-      </p:sp>
-      <p:sp>
-        <p:nvSpPr>
-          <p:cNvPr id="39" name="PlaceHolder 4"/>
+            <a:endParaRPr b="0" lang="en-US" sz="3200" spc="-1" strike="noStrike">
+              <a:latin typeface="Arial"/>
+            </a:endParaRPr>
+          </a:p>
+        </p:txBody>
+      </p:sp>
+      <p:sp>
+        <p:nvSpPr>
+          <p:cNvPr id="36" name="PlaceHolder 4"/>
           <p:cNvSpPr>
             <a:spLocks noGrp="1"/>
           </p:cNvSpPr>
@@ -475,8 +449,8 @@
         </p:nvSpPr>
         <p:spPr>
           <a:xfrm>
-            <a:off x="7991640" y="2477880"/>
-            <a:ext cx="3273840" cy="1761840"/>
+            <a:off x="8029800" y="1604520"/>
+            <a:ext cx="3533040" cy="1896840"/>
           </a:xfrm>
           <a:prstGeom prst="rect">
             <a:avLst/>
@@ -487,18 +461,15 @@
             <a:normAutofit/>
           </a:bodyPr>
           <a:p>
-            <a:endParaRPr b="0" lang="it-IT" sz="2800" spc="-1" strike="noStrike">
-              <a:solidFill>
-                <a:srgbClr val="000000"/>
-              </a:solidFill>
-              <a:latin typeface="Avenir Next LT Pro"/>
-            </a:endParaRPr>
-          </a:p>
-        </p:txBody>
-      </p:sp>
-      <p:sp>
-        <p:nvSpPr>
-          <p:cNvPr id="40" name="PlaceHolder 5"/>
+            <a:endParaRPr b="0" lang="en-US" sz="3200" spc="-1" strike="noStrike">
+              <a:latin typeface="Arial"/>
+            </a:endParaRPr>
+          </a:p>
+        </p:txBody>
+      </p:sp>
+      <p:sp>
+        <p:nvSpPr>
+          <p:cNvPr id="37" name="PlaceHolder 5"/>
           <p:cNvSpPr>
             <a:spLocks noGrp="1"/>
           </p:cNvSpPr>
@@ -508,8 +479,8 @@
         </p:nvSpPr>
         <p:spPr>
           <a:xfrm>
-            <a:off x="1115640" y="4407480"/>
-            <a:ext cx="3273840" cy="1761840"/>
+            <a:off x="609480" y="3682080"/>
+            <a:ext cx="3533040" cy="1896840"/>
           </a:xfrm>
           <a:prstGeom prst="rect">
             <a:avLst/>
@@ -520,18 +491,15 @@
             <a:normAutofit/>
           </a:bodyPr>
           <a:p>
-            <a:endParaRPr b="0" lang="it-IT" sz="2800" spc="-1" strike="noStrike">
-              <a:solidFill>
-                <a:srgbClr val="000000"/>
-              </a:solidFill>
-              <a:latin typeface="Avenir Next LT Pro"/>
-            </a:endParaRPr>
-          </a:p>
-        </p:txBody>
-      </p:sp>
-      <p:sp>
-        <p:nvSpPr>
-          <p:cNvPr id="41" name="PlaceHolder 6"/>
+            <a:endParaRPr b="0" lang="en-US" sz="3200" spc="-1" strike="noStrike">
+              <a:latin typeface="Arial"/>
+            </a:endParaRPr>
+          </a:p>
+        </p:txBody>
+      </p:sp>
+      <p:sp>
+        <p:nvSpPr>
+          <p:cNvPr id="38" name="PlaceHolder 6"/>
           <p:cNvSpPr>
             <a:spLocks noGrp="1"/>
           </p:cNvSpPr>
@@ -541,8 +509,8 @@
         </p:nvSpPr>
         <p:spPr>
           <a:xfrm>
-            <a:off x="4553640" y="4407480"/>
-            <a:ext cx="3273840" cy="1761840"/>
+            <a:off x="4319640" y="3682080"/>
+            <a:ext cx="3533040" cy="1896840"/>
           </a:xfrm>
           <a:prstGeom prst="rect">
             <a:avLst/>
@@ -553,18 +521,15 @@
             <a:normAutofit/>
           </a:bodyPr>
           <a:p>
-            <a:endParaRPr b="0" lang="it-IT" sz="2800" spc="-1" strike="noStrike">
-              <a:solidFill>
-                <a:srgbClr val="000000"/>
-              </a:solidFill>
-              <a:latin typeface="Avenir Next LT Pro"/>
-            </a:endParaRPr>
-          </a:p>
-        </p:txBody>
-      </p:sp>
-      <p:sp>
-        <p:nvSpPr>
-          <p:cNvPr id="42" name="PlaceHolder 7"/>
+            <a:endParaRPr b="0" lang="en-US" sz="3200" spc="-1" strike="noStrike">
+              <a:latin typeface="Arial"/>
+            </a:endParaRPr>
+          </a:p>
+        </p:txBody>
+      </p:sp>
+      <p:sp>
+        <p:nvSpPr>
+          <p:cNvPr id="39" name="PlaceHolder 7"/>
           <p:cNvSpPr>
             <a:spLocks noGrp="1"/>
           </p:cNvSpPr>
@@ -574,8 +539,8 @@
         </p:nvSpPr>
         <p:spPr>
           <a:xfrm>
-            <a:off x="7991640" y="4407480"/>
-            <a:ext cx="3273840" cy="1761840"/>
+            <a:off x="8029800" y="3682080"/>
+            <a:ext cx="3533040" cy="1896840"/>
           </a:xfrm>
           <a:prstGeom prst="rect">
             <a:avLst/>
@@ -586,11 +551,8 @@
             <a:normAutofit/>
           </a:bodyPr>
           <a:p>
-            <a:endParaRPr b="0" lang="it-IT" sz="2800" spc="-1" strike="noStrike">
-              <a:solidFill>
-                <a:srgbClr val="000000"/>
-              </a:solidFill>
-              <a:latin typeface="Avenir Next LT Pro"/>
+            <a:endParaRPr b="0" lang="en-US" sz="3200" spc="-1" strike="noStrike">
+              <a:latin typeface="Arial"/>
             </a:endParaRPr>
           </a:p>
         </p:txBody>
@@ -641,7 +603,7 @@
       </p:grpSpPr>
       <p:sp>
         <p:nvSpPr>
-          <p:cNvPr id="51" name="PlaceHolder 1"/>
+          <p:cNvPr id="45" name="PlaceHolder 1"/>
           <p:cNvSpPr>
             <a:spLocks noGrp="1"/>
           </p:cNvSpPr>
@@ -651,28 +613,28 @@
         </p:nvSpPr>
         <p:spPr>
           <a:xfrm>
-            <a:off x="1115640" y="548640"/>
-            <a:ext cx="10167840" cy="1179360"/>
-          </a:xfrm>
-          <a:prstGeom prst="rect">
-            <a:avLst/>
-          </a:prstGeom>
-        </p:spPr>
-        <p:txBody>
-          <a:bodyPr lIns="0" rIns="0" tIns="0" bIns="0" anchor="ctr"/>
-          <a:p>
-            <a:endParaRPr b="0" lang="it-IT" sz="1800" spc="-1" strike="noStrike">
-              <a:solidFill>
-                <a:srgbClr val="000000"/>
-              </a:solidFill>
-              <a:latin typeface="Avenir Next LT Pro"/>
-            </a:endParaRPr>
-          </a:p>
-        </p:txBody>
-      </p:sp>
-      <p:sp>
-        <p:nvSpPr>
-          <p:cNvPr id="52" name="PlaceHolder 2"/>
+            <a:off x="609480" y="273600"/>
+            <a:ext cx="10972440" cy="1144800"/>
+          </a:xfrm>
+          <a:prstGeom prst="rect">
+            <a:avLst/>
+          </a:prstGeom>
+        </p:spPr>
+        <p:txBody>
+          <a:bodyPr lIns="0" rIns="0" tIns="0" bIns="0" anchor="ctr">
+            <a:noAutofit/>
+          </a:bodyPr>
+          <a:p>
+            <a:pPr algn="ctr"/>
+            <a:endParaRPr b="0" lang="en-US" sz="4400" spc="-1" strike="noStrike">
+              <a:latin typeface="Arial"/>
+            </a:endParaRPr>
+          </a:p>
+        </p:txBody>
+      </p:sp>
+      <p:sp>
+        <p:nvSpPr>
+          <p:cNvPr id="46" name="PlaceHolder 2"/>
           <p:cNvSpPr>
             <a:spLocks noGrp="1"/>
           </p:cNvSpPr>
@@ -682,15 +644,17 @@
         </p:nvSpPr>
         <p:spPr>
           <a:xfrm>
-            <a:off x="1115640" y="2477880"/>
-            <a:ext cx="10167840" cy="3693960"/>
-          </a:xfrm>
-          <a:prstGeom prst="rect">
-            <a:avLst/>
-          </a:prstGeom>
-        </p:spPr>
-        <p:txBody>
-          <a:bodyPr lIns="0" rIns="0" tIns="0" bIns="0" anchor="ctr"/>
+            <a:off x="609480" y="1604520"/>
+            <a:ext cx="10972440" cy="3977280"/>
+          </a:xfrm>
+          <a:prstGeom prst="rect">
+            <a:avLst/>
+          </a:prstGeom>
+        </p:spPr>
+        <p:txBody>
+          <a:bodyPr lIns="0" rIns="0" tIns="0" bIns="0" anchor="ctr">
+            <a:noAutofit/>
+          </a:bodyPr>
           <a:p>
             <a:pPr algn="ctr"/>
             <a:endParaRPr b="0" lang="en-US" sz="3200" spc="-1" strike="noStrike">
@@ -723,7 +687,7 @@
       </p:grpSpPr>
       <p:sp>
         <p:nvSpPr>
-          <p:cNvPr id="53" name="PlaceHolder 1"/>
+          <p:cNvPr id="47" name="PlaceHolder 1"/>
           <p:cNvSpPr>
             <a:spLocks noGrp="1"/>
           </p:cNvSpPr>
@@ -733,28 +697,28 @@
         </p:nvSpPr>
         <p:spPr>
           <a:xfrm>
-            <a:off x="1115640" y="548640"/>
-            <a:ext cx="10167840" cy="1179360"/>
-          </a:xfrm>
-          <a:prstGeom prst="rect">
-            <a:avLst/>
-          </a:prstGeom>
-        </p:spPr>
-        <p:txBody>
-          <a:bodyPr lIns="0" rIns="0" tIns="0" bIns="0" anchor="ctr"/>
-          <a:p>
-            <a:endParaRPr b="0" lang="it-IT" sz="1800" spc="-1" strike="noStrike">
-              <a:solidFill>
-                <a:srgbClr val="000000"/>
-              </a:solidFill>
-              <a:latin typeface="Avenir Next LT Pro"/>
-            </a:endParaRPr>
-          </a:p>
-        </p:txBody>
-      </p:sp>
-      <p:sp>
-        <p:nvSpPr>
-          <p:cNvPr id="54" name="PlaceHolder 2"/>
+            <a:off x="609480" y="273600"/>
+            <a:ext cx="10972440" cy="1144800"/>
+          </a:xfrm>
+          <a:prstGeom prst="rect">
+            <a:avLst/>
+          </a:prstGeom>
+        </p:spPr>
+        <p:txBody>
+          <a:bodyPr lIns="0" rIns="0" tIns="0" bIns="0" anchor="ctr">
+            <a:noAutofit/>
+          </a:bodyPr>
+          <a:p>
+            <a:pPr algn="ctr"/>
+            <a:endParaRPr b="0" lang="en-US" sz="4400" spc="-1" strike="noStrike">
+              <a:latin typeface="Arial"/>
+            </a:endParaRPr>
+          </a:p>
+        </p:txBody>
+      </p:sp>
+      <p:sp>
+        <p:nvSpPr>
+          <p:cNvPr id="48" name="PlaceHolder 2"/>
           <p:cNvSpPr>
             <a:spLocks noGrp="1"/>
           </p:cNvSpPr>
@@ -764,8 +728,8 @@
         </p:nvSpPr>
         <p:spPr>
           <a:xfrm>
-            <a:off x="1115640" y="2477880"/>
-            <a:ext cx="10167840" cy="3693960"/>
+            <a:off x="609480" y="1604520"/>
+            <a:ext cx="10972440" cy="3977280"/>
           </a:xfrm>
           <a:prstGeom prst="rect">
             <a:avLst/>
@@ -776,11 +740,8 @@
             <a:normAutofit/>
           </a:bodyPr>
           <a:p>
-            <a:endParaRPr b="0" lang="it-IT" sz="2800" spc="-1" strike="noStrike">
-              <a:solidFill>
-                <a:srgbClr val="000000"/>
-              </a:solidFill>
-              <a:latin typeface="Avenir Next LT Pro"/>
+            <a:endParaRPr b="0" lang="en-US" sz="3200" spc="-1" strike="noStrike">
+              <a:latin typeface="Arial"/>
             </a:endParaRPr>
           </a:p>
         </p:txBody>
@@ -809,7 +770,7 @@
       </p:grpSpPr>
       <p:sp>
         <p:nvSpPr>
-          <p:cNvPr id="55" name="PlaceHolder 1"/>
+          <p:cNvPr id="49" name="PlaceHolder 1"/>
           <p:cNvSpPr>
             <a:spLocks noGrp="1"/>
           </p:cNvSpPr>
@@ -819,28 +780,28 @@
         </p:nvSpPr>
         <p:spPr>
           <a:xfrm>
-            <a:off x="1115640" y="548640"/>
-            <a:ext cx="10167840" cy="1179360"/>
-          </a:xfrm>
-          <a:prstGeom prst="rect">
-            <a:avLst/>
-          </a:prstGeom>
-        </p:spPr>
-        <p:txBody>
-          <a:bodyPr lIns="0" rIns="0" tIns="0" bIns="0" anchor="ctr"/>
-          <a:p>
-            <a:endParaRPr b="0" lang="it-IT" sz="1800" spc="-1" strike="noStrike">
-              <a:solidFill>
-                <a:srgbClr val="000000"/>
-              </a:solidFill>
-              <a:latin typeface="Avenir Next LT Pro"/>
-            </a:endParaRPr>
-          </a:p>
-        </p:txBody>
-      </p:sp>
-      <p:sp>
-        <p:nvSpPr>
-          <p:cNvPr id="56" name="PlaceHolder 2"/>
+            <a:off x="609480" y="273600"/>
+            <a:ext cx="10972440" cy="1144800"/>
+          </a:xfrm>
+          <a:prstGeom prst="rect">
+            <a:avLst/>
+          </a:prstGeom>
+        </p:spPr>
+        <p:txBody>
+          <a:bodyPr lIns="0" rIns="0" tIns="0" bIns="0" anchor="ctr">
+            <a:noAutofit/>
+          </a:bodyPr>
+          <a:p>
+            <a:pPr algn="ctr"/>
+            <a:endParaRPr b="0" lang="en-US" sz="4400" spc="-1" strike="noStrike">
+              <a:latin typeface="Arial"/>
+            </a:endParaRPr>
+          </a:p>
+        </p:txBody>
+      </p:sp>
+      <p:sp>
+        <p:nvSpPr>
+          <p:cNvPr id="50" name="PlaceHolder 2"/>
           <p:cNvSpPr>
             <a:spLocks noGrp="1"/>
           </p:cNvSpPr>
@@ -850,8 +811,8 @@
         </p:nvSpPr>
         <p:spPr>
           <a:xfrm>
-            <a:off x="1115640" y="2477880"/>
-            <a:ext cx="4961880" cy="3693960"/>
+            <a:off x="609480" y="1604520"/>
+            <a:ext cx="5354280" cy="3977280"/>
           </a:xfrm>
           <a:prstGeom prst="rect">
             <a:avLst/>
@@ -862,18 +823,15 @@
             <a:normAutofit/>
           </a:bodyPr>
           <a:p>
-            <a:endParaRPr b="0" lang="it-IT" sz="2800" spc="-1" strike="noStrike">
-              <a:solidFill>
-                <a:srgbClr val="000000"/>
-              </a:solidFill>
-              <a:latin typeface="Avenir Next LT Pro"/>
-            </a:endParaRPr>
-          </a:p>
-        </p:txBody>
-      </p:sp>
-      <p:sp>
-        <p:nvSpPr>
-          <p:cNvPr id="57" name="PlaceHolder 3"/>
+            <a:endParaRPr b="0" lang="en-US" sz="3200" spc="-1" strike="noStrike">
+              <a:latin typeface="Arial"/>
+            </a:endParaRPr>
+          </a:p>
+        </p:txBody>
+      </p:sp>
+      <p:sp>
+        <p:nvSpPr>
+          <p:cNvPr id="51" name="PlaceHolder 3"/>
           <p:cNvSpPr>
             <a:spLocks noGrp="1"/>
           </p:cNvSpPr>
@@ -883,8 +841,8 @@
         </p:nvSpPr>
         <p:spPr>
           <a:xfrm>
-            <a:off x="6325920" y="2477880"/>
-            <a:ext cx="4961880" cy="3693960"/>
+            <a:off x="6231960" y="1604520"/>
+            <a:ext cx="5354280" cy="3977280"/>
           </a:xfrm>
           <a:prstGeom prst="rect">
             <a:avLst/>
@@ -895,11 +853,8 @@
             <a:normAutofit/>
           </a:bodyPr>
           <a:p>
-            <a:endParaRPr b="0" lang="it-IT" sz="2800" spc="-1" strike="noStrike">
-              <a:solidFill>
-                <a:srgbClr val="000000"/>
-              </a:solidFill>
-              <a:latin typeface="Avenir Next LT Pro"/>
+            <a:endParaRPr b="0" lang="en-US" sz="3200" spc="-1" strike="noStrike">
+              <a:latin typeface="Arial"/>
             </a:endParaRPr>
           </a:p>
         </p:txBody>
@@ -928,7 +883,7 @@
       </p:grpSpPr>
       <p:sp>
         <p:nvSpPr>
-          <p:cNvPr id="58" name="PlaceHolder 1"/>
+          <p:cNvPr id="52" name="PlaceHolder 1"/>
           <p:cNvSpPr>
             <a:spLocks noGrp="1"/>
           </p:cNvSpPr>
@@ -938,21 +893,21 @@
         </p:nvSpPr>
         <p:spPr>
           <a:xfrm>
-            <a:off x="1115640" y="548640"/>
-            <a:ext cx="10167840" cy="1179360"/>
-          </a:xfrm>
-          <a:prstGeom prst="rect">
-            <a:avLst/>
-          </a:prstGeom>
-        </p:spPr>
-        <p:txBody>
-          <a:bodyPr lIns="0" rIns="0" tIns="0" bIns="0" anchor="ctr"/>
-          <a:p>
-            <a:endParaRPr b="0" lang="it-IT" sz="1800" spc="-1" strike="noStrike">
-              <a:solidFill>
-                <a:srgbClr val="000000"/>
-              </a:solidFill>
-              <a:latin typeface="Avenir Next LT Pro"/>
+            <a:off x="609480" y="273600"/>
+            <a:ext cx="10972440" cy="1144800"/>
+          </a:xfrm>
+          <a:prstGeom prst="rect">
+            <a:avLst/>
+          </a:prstGeom>
+        </p:spPr>
+        <p:txBody>
+          <a:bodyPr lIns="0" rIns="0" tIns="0" bIns="0" anchor="ctr">
+            <a:noAutofit/>
+          </a:bodyPr>
+          <a:p>
+            <a:pPr algn="ctr"/>
+            <a:endParaRPr b="0" lang="en-US" sz="4400" spc="-1" strike="noStrike">
+              <a:latin typeface="Arial"/>
             </a:endParaRPr>
           </a:p>
         </p:txBody>
@@ -981,7 +936,7 @@
       </p:grpSpPr>
       <p:sp>
         <p:nvSpPr>
-          <p:cNvPr id="59" name="PlaceHolder 1"/>
+          <p:cNvPr id="53" name="PlaceHolder 1"/>
           <p:cNvSpPr>
             <a:spLocks noGrp="1"/>
           </p:cNvSpPr>
@@ -991,15 +946,17 @@
         </p:nvSpPr>
         <p:spPr>
           <a:xfrm>
-            <a:off x="1115640" y="548640"/>
-            <a:ext cx="10167840" cy="5468040"/>
-          </a:xfrm>
-          <a:prstGeom prst="rect">
-            <a:avLst/>
-          </a:prstGeom>
-        </p:spPr>
-        <p:txBody>
-          <a:bodyPr lIns="0" rIns="0" tIns="0" bIns="0" anchor="ctr"/>
+            <a:off x="609480" y="273600"/>
+            <a:ext cx="10972440" cy="5307840"/>
+          </a:xfrm>
+          <a:prstGeom prst="rect">
+            <a:avLst/>
+          </a:prstGeom>
+        </p:spPr>
+        <p:txBody>
+          <a:bodyPr lIns="0" rIns="0" tIns="0" bIns="0" anchor="ctr">
+            <a:noAutofit/>
+          </a:bodyPr>
           <a:p>
             <a:pPr algn="ctr"/>
             <a:endParaRPr b="0" lang="en-US" sz="3200" spc="-1" strike="noStrike">
@@ -1032,7 +989,7 @@
       </p:grpSpPr>
       <p:sp>
         <p:nvSpPr>
-          <p:cNvPr id="60" name="PlaceHolder 1"/>
+          <p:cNvPr id="54" name="PlaceHolder 1"/>
           <p:cNvSpPr>
             <a:spLocks noGrp="1"/>
           </p:cNvSpPr>
@@ -1042,28 +999,28 @@
         </p:nvSpPr>
         <p:spPr>
           <a:xfrm>
-            <a:off x="1115640" y="548640"/>
-            <a:ext cx="10167840" cy="1179360"/>
-          </a:xfrm>
-          <a:prstGeom prst="rect">
-            <a:avLst/>
-          </a:prstGeom>
-        </p:spPr>
-        <p:txBody>
-          <a:bodyPr lIns="0" rIns="0" tIns="0" bIns="0" anchor="ctr"/>
-          <a:p>
-            <a:endParaRPr b="0" lang="it-IT" sz="1800" spc="-1" strike="noStrike">
-              <a:solidFill>
-                <a:srgbClr val="000000"/>
-              </a:solidFill>
-              <a:latin typeface="Avenir Next LT Pro"/>
-            </a:endParaRPr>
-          </a:p>
-        </p:txBody>
-      </p:sp>
-      <p:sp>
-        <p:nvSpPr>
-          <p:cNvPr id="61" name="PlaceHolder 2"/>
+            <a:off x="609480" y="273600"/>
+            <a:ext cx="10972440" cy="1144800"/>
+          </a:xfrm>
+          <a:prstGeom prst="rect">
+            <a:avLst/>
+          </a:prstGeom>
+        </p:spPr>
+        <p:txBody>
+          <a:bodyPr lIns="0" rIns="0" tIns="0" bIns="0" anchor="ctr">
+            <a:noAutofit/>
+          </a:bodyPr>
+          <a:p>
+            <a:pPr algn="ctr"/>
+            <a:endParaRPr b="0" lang="en-US" sz="4400" spc="-1" strike="noStrike">
+              <a:latin typeface="Arial"/>
+            </a:endParaRPr>
+          </a:p>
+        </p:txBody>
+      </p:sp>
+      <p:sp>
+        <p:nvSpPr>
+          <p:cNvPr id="55" name="PlaceHolder 2"/>
           <p:cNvSpPr>
             <a:spLocks noGrp="1"/>
           </p:cNvSpPr>
@@ -1073,8 +1030,8 @@
         </p:nvSpPr>
         <p:spPr>
           <a:xfrm>
-            <a:off x="1115640" y="2477880"/>
-            <a:ext cx="4961880" cy="1761840"/>
+            <a:off x="609480" y="1604520"/>
+            <a:ext cx="5354280" cy="1896840"/>
           </a:xfrm>
           <a:prstGeom prst="rect">
             <a:avLst/>
@@ -1085,18 +1042,15 @@
             <a:normAutofit/>
           </a:bodyPr>
           <a:p>
-            <a:endParaRPr b="0" lang="it-IT" sz="2800" spc="-1" strike="noStrike">
-              <a:solidFill>
-                <a:srgbClr val="000000"/>
-              </a:solidFill>
-              <a:latin typeface="Avenir Next LT Pro"/>
-            </a:endParaRPr>
-          </a:p>
-        </p:txBody>
-      </p:sp>
-      <p:sp>
-        <p:nvSpPr>
-          <p:cNvPr id="62" name="PlaceHolder 3"/>
+            <a:endParaRPr b="0" lang="en-US" sz="3200" spc="-1" strike="noStrike">
+              <a:latin typeface="Arial"/>
+            </a:endParaRPr>
+          </a:p>
+        </p:txBody>
+      </p:sp>
+      <p:sp>
+        <p:nvSpPr>
+          <p:cNvPr id="56" name="PlaceHolder 3"/>
           <p:cNvSpPr>
             <a:spLocks noGrp="1"/>
           </p:cNvSpPr>
@@ -1106,8 +1060,8 @@
         </p:nvSpPr>
         <p:spPr>
           <a:xfrm>
-            <a:off x="6325920" y="2477880"/>
-            <a:ext cx="4961880" cy="3693960"/>
+            <a:off x="6231960" y="1604520"/>
+            <a:ext cx="5354280" cy="3977280"/>
           </a:xfrm>
           <a:prstGeom prst="rect">
             <a:avLst/>
@@ -1118,18 +1072,15 @@
             <a:normAutofit/>
           </a:bodyPr>
           <a:p>
-            <a:endParaRPr b="0" lang="it-IT" sz="2800" spc="-1" strike="noStrike">
-              <a:solidFill>
-                <a:srgbClr val="000000"/>
-              </a:solidFill>
-              <a:latin typeface="Avenir Next LT Pro"/>
-            </a:endParaRPr>
-          </a:p>
-        </p:txBody>
-      </p:sp>
-      <p:sp>
-        <p:nvSpPr>
-          <p:cNvPr id="63" name="PlaceHolder 4"/>
+            <a:endParaRPr b="0" lang="en-US" sz="3200" spc="-1" strike="noStrike">
+              <a:latin typeface="Arial"/>
+            </a:endParaRPr>
+          </a:p>
+        </p:txBody>
+      </p:sp>
+      <p:sp>
+        <p:nvSpPr>
+          <p:cNvPr id="57" name="PlaceHolder 4"/>
           <p:cNvSpPr>
             <a:spLocks noGrp="1"/>
           </p:cNvSpPr>
@@ -1139,8 +1090,8 @@
         </p:nvSpPr>
         <p:spPr>
           <a:xfrm>
-            <a:off x="1115640" y="4407480"/>
-            <a:ext cx="4961880" cy="1761840"/>
+            <a:off x="609480" y="3682080"/>
+            <a:ext cx="5354280" cy="1896840"/>
           </a:xfrm>
           <a:prstGeom prst="rect">
             <a:avLst/>
@@ -1151,11 +1102,8 @@
             <a:normAutofit/>
           </a:bodyPr>
           <a:p>
-            <a:endParaRPr b="0" lang="it-IT" sz="2800" spc="-1" strike="noStrike">
-              <a:solidFill>
-                <a:srgbClr val="000000"/>
-              </a:solidFill>
-              <a:latin typeface="Avenir Next LT Pro"/>
+            <a:endParaRPr b="0" lang="en-US" sz="3200" spc="-1" strike="noStrike">
+              <a:latin typeface="Arial"/>
             </a:endParaRPr>
           </a:p>
         </p:txBody>
@@ -1184,7 +1132,7 @@
       </p:grpSpPr>
       <p:sp>
         <p:nvSpPr>
-          <p:cNvPr id="7" name="PlaceHolder 1"/>
+          <p:cNvPr id="4" name="PlaceHolder 1"/>
           <p:cNvSpPr>
             <a:spLocks noGrp="1"/>
           </p:cNvSpPr>
@@ -1194,28 +1142,28 @@
         </p:nvSpPr>
         <p:spPr>
           <a:xfrm>
-            <a:off x="1115640" y="548640"/>
-            <a:ext cx="10167840" cy="1179360"/>
-          </a:xfrm>
-          <a:prstGeom prst="rect">
-            <a:avLst/>
-          </a:prstGeom>
-        </p:spPr>
-        <p:txBody>
-          <a:bodyPr lIns="0" rIns="0" tIns="0" bIns="0" anchor="ctr"/>
-          <a:p>
-            <a:endParaRPr b="0" lang="it-IT" sz="1800" spc="-1" strike="noStrike">
-              <a:solidFill>
-                <a:srgbClr val="000000"/>
-              </a:solidFill>
-              <a:latin typeface="Avenir Next LT Pro"/>
-            </a:endParaRPr>
-          </a:p>
-        </p:txBody>
-      </p:sp>
-      <p:sp>
-        <p:nvSpPr>
-          <p:cNvPr id="8" name="PlaceHolder 2"/>
+            <a:off x="609480" y="273600"/>
+            <a:ext cx="10972440" cy="1144800"/>
+          </a:xfrm>
+          <a:prstGeom prst="rect">
+            <a:avLst/>
+          </a:prstGeom>
+        </p:spPr>
+        <p:txBody>
+          <a:bodyPr lIns="0" rIns="0" tIns="0" bIns="0" anchor="ctr">
+            <a:noAutofit/>
+          </a:bodyPr>
+          <a:p>
+            <a:pPr algn="ctr"/>
+            <a:endParaRPr b="0" lang="en-US" sz="4400" spc="-1" strike="noStrike">
+              <a:latin typeface="Arial"/>
+            </a:endParaRPr>
+          </a:p>
+        </p:txBody>
+      </p:sp>
+      <p:sp>
+        <p:nvSpPr>
+          <p:cNvPr id="5" name="PlaceHolder 2"/>
           <p:cNvSpPr>
             <a:spLocks noGrp="1"/>
           </p:cNvSpPr>
@@ -1225,15 +1173,17 @@
         </p:nvSpPr>
         <p:spPr>
           <a:xfrm>
-            <a:off x="1115640" y="2477880"/>
-            <a:ext cx="10167840" cy="3693960"/>
-          </a:xfrm>
-          <a:prstGeom prst="rect">
-            <a:avLst/>
-          </a:prstGeom>
-        </p:spPr>
-        <p:txBody>
-          <a:bodyPr lIns="0" rIns="0" tIns="0" bIns="0" anchor="ctr"/>
+            <a:off x="609480" y="1604520"/>
+            <a:ext cx="10972440" cy="3977280"/>
+          </a:xfrm>
+          <a:prstGeom prst="rect">
+            <a:avLst/>
+          </a:prstGeom>
+        </p:spPr>
+        <p:txBody>
+          <a:bodyPr lIns="0" rIns="0" tIns="0" bIns="0" anchor="ctr">
+            <a:noAutofit/>
+          </a:bodyPr>
           <a:p>
             <a:pPr algn="ctr"/>
             <a:endParaRPr b="0" lang="en-US" sz="3200" spc="-1" strike="noStrike">
@@ -1266,7 +1216,7 @@
       </p:grpSpPr>
       <p:sp>
         <p:nvSpPr>
-          <p:cNvPr id="64" name="PlaceHolder 1"/>
+          <p:cNvPr id="58" name="PlaceHolder 1"/>
           <p:cNvSpPr>
             <a:spLocks noGrp="1"/>
           </p:cNvSpPr>
@@ -1276,28 +1226,28 @@
         </p:nvSpPr>
         <p:spPr>
           <a:xfrm>
-            <a:off x="1115640" y="548640"/>
-            <a:ext cx="10167840" cy="1179360"/>
-          </a:xfrm>
-          <a:prstGeom prst="rect">
-            <a:avLst/>
-          </a:prstGeom>
-        </p:spPr>
-        <p:txBody>
-          <a:bodyPr lIns="0" rIns="0" tIns="0" bIns="0" anchor="ctr"/>
-          <a:p>
-            <a:endParaRPr b="0" lang="it-IT" sz="1800" spc="-1" strike="noStrike">
-              <a:solidFill>
-                <a:srgbClr val="000000"/>
-              </a:solidFill>
-              <a:latin typeface="Avenir Next LT Pro"/>
-            </a:endParaRPr>
-          </a:p>
-        </p:txBody>
-      </p:sp>
-      <p:sp>
-        <p:nvSpPr>
-          <p:cNvPr id="65" name="PlaceHolder 2"/>
+            <a:off x="609480" y="273600"/>
+            <a:ext cx="10972440" cy="1144800"/>
+          </a:xfrm>
+          <a:prstGeom prst="rect">
+            <a:avLst/>
+          </a:prstGeom>
+        </p:spPr>
+        <p:txBody>
+          <a:bodyPr lIns="0" rIns="0" tIns="0" bIns="0" anchor="ctr">
+            <a:noAutofit/>
+          </a:bodyPr>
+          <a:p>
+            <a:pPr algn="ctr"/>
+            <a:endParaRPr b="0" lang="en-US" sz="4400" spc="-1" strike="noStrike">
+              <a:latin typeface="Arial"/>
+            </a:endParaRPr>
+          </a:p>
+        </p:txBody>
+      </p:sp>
+      <p:sp>
+        <p:nvSpPr>
+          <p:cNvPr id="59" name="PlaceHolder 2"/>
           <p:cNvSpPr>
             <a:spLocks noGrp="1"/>
           </p:cNvSpPr>
@@ -1307,8 +1257,8 @@
         </p:nvSpPr>
         <p:spPr>
           <a:xfrm>
-            <a:off x="1115640" y="2477880"/>
-            <a:ext cx="4961880" cy="3693960"/>
+            <a:off x="609480" y="1604520"/>
+            <a:ext cx="5354280" cy="3977280"/>
           </a:xfrm>
           <a:prstGeom prst="rect">
             <a:avLst/>
@@ -1319,18 +1269,15 @@
             <a:normAutofit/>
           </a:bodyPr>
           <a:p>
-            <a:endParaRPr b="0" lang="it-IT" sz="2800" spc="-1" strike="noStrike">
-              <a:solidFill>
-                <a:srgbClr val="000000"/>
-              </a:solidFill>
-              <a:latin typeface="Avenir Next LT Pro"/>
-            </a:endParaRPr>
-          </a:p>
-        </p:txBody>
-      </p:sp>
-      <p:sp>
-        <p:nvSpPr>
-          <p:cNvPr id="66" name="PlaceHolder 3"/>
+            <a:endParaRPr b="0" lang="en-US" sz="3200" spc="-1" strike="noStrike">
+              <a:latin typeface="Arial"/>
+            </a:endParaRPr>
+          </a:p>
+        </p:txBody>
+      </p:sp>
+      <p:sp>
+        <p:nvSpPr>
+          <p:cNvPr id="60" name="PlaceHolder 3"/>
           <p:cNvSpPr>
             <a:spLocks noGrp="1"/>
           </p:cNvSpPr>
@@ -1340,8 +1287,8 @@
         </p:nvSpPr>
         <p:spPr>
           <a:xfrm>
-            <a:off x="6325920" y="2477880"/>
-            <a:ext cx="4961880" cy="1761840"/>
+            <a:off x="6231960" y="1604520"/>
+            <a:ext cx="5354280" cy="1896840"/>
           </a:xfrm>
           <a:prstGeom prst="rect">
             <a:avLst/>
@@ -1352,18 +1299,15 @@
             <a:normAutofit/>
           </a:bodyPr>
           <a:p>
-            <a:endParaRPr b="0" lang="it-IT" sz="2800" spc="-1" strike="noStrike">
-              <a:solidFill>
-                <a:srgbClr val="000000"/>
-              </a:solidFill>
-              <a:latin typeface="Avenir Next LT Pro"/>
-            </a:endParaRPr>
-          </a:p>
-        </p:txBody>
-      </p:sp>
-      <p:sp>
-        <p:nvSpPr>
-          <p:cNvPr id="67" name="PlaceHolder 4"/>
+            <a:endParaRPr b="0" lang="en-US" sz="3200" spc="-1" strike="noStrike">
+              <a:latin typeface="Arial"/>
+            </a:endParaRPr>
+          </a:p>
+        </p:txBody>
+      </p:sp>
+      <p:sp>
+        <p:nvSpPr>
+          <p:cNvPr id="61" name="PlaceHolder 4"/>
           <p:cNvSpPr>
             <a:spLocks noGrp="1"/>
           </p:cNvSpPr>
@@ -1373,8 +1317,8 @@
         </p:nvSpPr>
         <p:spPr>
           <a:xfrm>
-            <a:off x="6325920" y="4407480"/>
-            <a:ext cx="4961880" cy="1761840"/>
+            <a:off x="6231960" y="3682080"/>
+            <a:ext cx="5354280" cy="1896840"/>
           </a:xfrm>
           <a:prstGeom prst="rect">
             <a:avLst/>
@@ -1385,11 +1329,8 @@
             <a:normAutofit/>
           </a:bodyPr>
           <a:p>
-            <a:endParaRPr b="0" lang="it-IT" sz="2800" spc="-1" strike="noStrike">
-              <a:solidFill>
-                <a:srgbClr val="000000"/>
-              </a:solidFill>
-              <a:latin typeface="Avenir Next LT Pro"/>
+            <a:endParaRPr b="0" lang="en-US" sz="3200" spc="-1" strike="noStrike">
+              <a:latin typeface="Arial"/>
             </a:endParaRPr>
           </a:p>
         </p:txBody>
@@ -1418,7 +1359,7 @@
       </p:grpSpPr>
       <p:sp>
         <p:nvSpPr>
-          <p:cNvPr id="68" name="PlaceHolder 1"/>
+          <p:cNvPr id="62" name="PlaceHolder 1"/>
           <p:cNvSpPr>
             <a:spLocks noGrp="1"/>
           </p:cNvSpPr>
@@ -1428,28 +1369,28 @@
         </p:nvSpPr>
         <p:spPr>
           <a:xfrm>
-            <a:off x="1115640" y="548640"/>
-            <a:ext cx="10167840" cy="1179360"/>
-          </a:xfrm>
-          <a:prstGeom prst="rect">
-            <a:avLst/>
-          </a:prstGeom>
-        </p:spPr>
-        <p:txBody>
-          <a:bodyPr lIns="0" rIns="0" tIns="0" bIns="0" anchor="ctr"/>
-          <a:p>
-            <a:endParaRPr b="0" lang="it-IT" sz="1800" spc="-1" strike="noStrike">
-              <a:solidFill>
-                <a:srgbClr val="000000"/>
-              </a:solidFill>
-              <a:latin typeface="Avenir Next LT Pro"/>
-            </a:endParaRPr>
-          </a:p>
-        </p:txBody>
-      </p:sp>
-      <p:sp>
-        <p:nvSpPr>
-          <p:cNvPr id="69" name="PlaceHolder 2"/>
+            <a:off x="609480" y="273600"/>
+            <a:ext cx="10972440" cy="1144800"/>
+          </a:xfrm>
+          <a:prstGeom prst="rect">
+            <a:avLst/>
+          </a:prstGeom>
+        </p:spPr>
+        <p:txBody>
+          <a:bodyPr lIns="0" rIns="0" tIns="0" bIns="0" anchor="ctr">
+            <a:noAutofit/>
+          </a:bodyPr>
+          <a:p>
+            <a:pPr algn="ctr"/>
+            <a:endParaRPr b="0" lang="en-US" sz="4400" spc="-1" strike="noStrike">
+              <a:latin typeface="Arial"/>
+            </a:endParaRPr>
+          </a:p>
+        </p:txBody>
+      </p:sp>
+      <p:sp>
+        <p:nvSpPr>
+          <p:cNvPr id="63" name="PlaceHolder 2"/>
           <p:cNvSpPr>
             <a:spLocks noGrp="1"/>
           </p:cNvSpPr>
@@ -1459,8 +1400,8 @@
         </p:nvSpPr>
         <p:spPr>
           <a:xfrm>
-            <a:off x="1115640" y="2477880"/>
-            <a:ext cx="4961880" cy="1761840"/>
+            <a:off x="609480" y="1604520"/>
+            <a:ext cx="5354280" cy="1896840"/>
           </a:xfrm>
           <a:prstGeom prst="rect">
             <a:avLst/>
@@ -1471,18 +1412,15 @@
             <a:normAutofit/>
           </a:bodyPr>
           <a:p>
-            <a:endParaRPr b="0" lang="it-IT" sz="2800" spc="-1" strike="noStrike">
-              <a:solidFill>
-                <a:srgbClr val="000000"/>
-              </a:solidFill>
-              <a:latin typeface="Avenir Next LT Pro"/>
-            </a:endParaRPr>
-          </a:p>
-        </p:txBody>
-      </p:sp>
-      <p:sp>
-        <p:nvSpPr>
-          <p:cNvPr id="70" name="PlaceHolder 3"/>
+            <a:endParaRPr b="0" lang="en-US" sz="3200" spc="-1" strike="noStrike">
+              <a:latin typeface="Arial"/>
+            </a:endParaRPr>
+          </a:p>
+        </p:txBody>
+      </p:sp>
+      <p:sp>
+        <p:nvSpPr>
+          <p:cNvPr id="64" name="PlaceHolder 3"/>
           <p:cNvSpPr>
             <a:spLocks noGrp="1"/>
           </p:cNvSpPr>
@@ -1492,8 +1430,8 @@
         </p:nvSpPr>
         <p:spPr>
           <a:xfrm>
-            <a:off x="6325920" y="2477880"/>
-            <a:ext cx="4961880" cy="1761840"/>
+            <a:off x="6231960" y="1604520"/>
+            <a:ext cx="5354280" cy="1896840"/>
           </a:xfrm>
           <a:prstGeom prst="rect">
             <a:avLst/>
@@ -1504,18 +1442,15 @@
             <a:normAutofit/>
           </a:bodyPr>
           <a:p>
-            <a:endParaRPr b="0" lang="it-IT" sz="2800" spc="-1" strike="noStrike">
-              <a:solidFill>
-                <a:srgbClr val="000000"/>
-              </a:solidFill>
-              <a:latin typeface="Avenir Next LT Pro"/>
-            </a:endParaRPr>
-          </a:p>
-        </p:txBody>
-      </p:sp>
-      <p:sp>
-        <p:nvSpPr>
-          <p:cNvPr id="71" name="PlaceHolder 4"/>
+            <a:endParaRPr b="0" lang="en-US" sz="3200" spc="-1" strike="noStrike">
+              <a:latin typeface="Arial"/>
+            </a:endParaRPr>
+          </a:p>
+        </p:txBody>
+      </p:sp>
+      <p:sp>
+        <p:nvSpPr>
+          <p:cNvPr id="65" name="PlaceHolder 4"/>
           <p:cNvSpPr>
             <a:spLocks noGrp="1"/>
           </p:cNvSpPr>
@@ -1525,8 +1460,8 @@
         </p:nvSpPr>
         <p:spPr>
           <a:xfrm>
-            <a:off x="1115640" y="4407480"/>
-            <a:ext cx="10167840" cy="1761840"/>
+            <a:off x="609480" y="3682080"/>
+            <a:ext cx="10972440" cy="1896840"/>
           </a:xfrm>
           <a:prstGeom prst="rect">
             <a:avLst/>
@@ -1537,11 +1472,8 @@
             <a:normAutofit/>
           </a:bodyPr>
           <a:p>
-            <a:endParaRPr b="0" lang="it-IT" sz="2800" spc="-1" strike="noStrike">
-              <a:solidFill>
-                <a:srgbClr val="000000"/>
-              </a:solidFill>
-              <a:latin typeface="Avenir Next LT Pro"/>
+            <a:endParaRPr b="0" lang="en-US" sz="3200" spc="-1" strike="noStrike">
+              <a:latin typeface="Arial"/>
             </a:endParaRPr>
           </a:p>
         </p:txBody>
@@ -1570,7 +1502,7 @@
       </p:grpSpPr>
       <p:sp>
         <p:nvSpPr>
-          <p:cNvPr id="72" name="PlaceHolder 1"/>
+          <p:cNvPr id="66" name="PlaceHolder 1"/>
           <p:cNvSpPr>
             <a:spLocks noGrp="1"/>
           </p:cNvSpPr>
@@ -1580,28 +1512,28 @@
         </p:nvSpPr>
         <p:spPr>
           <a:xfrm>
-            <a:off x="1115640" y="548640"/>
-            <a:ext cx="10167840" cy="1179360"/>
-          </a:xfrm>
-          <a:prstGeom prst="rect">
-            <a:avLst/>
-          </a:prstGeom>
-        </p:spPr>
-        <p:txBody>
-          <a:bodyPr lIns="0" rIns="0" tIns="0" bIns="0" anchor="ctr"/>
-          <a:p>
-            <a:endParaRPr b="0" lang="it-IT" sz="1800" spc="-1" strike="noStrike">
-              <a:solidFill>
-                <a:srgbClr val="000000"/>
-              </a:solidFill>
-              <a:latin typeface="Avenir Next LT Pro"/>
-            </a:endParaRPr>
-          </a:p>
-        </p:txBody>
-      </p:sp>
-      <p:sp>
-        <p:nvSpPr>
-          <p:cNvPr id="73" name="PlaceHolder 2"/>
+            <a:off x="609480" y="273600"/>
+            <a:ext cx="10972440" cy="1144800"/>
+          </a:xfrm>
+          <a:prstGeom prst="rect">
+            <a:avLst/>
+          </a:prstGeom>
+        </p:spPr>
+        <p:txBody>
+          <a:bodyPr lIns="0" rIns="0" tIns="0" bIns="0" anchor="ctr">
+            <a:noAutofit/>
+          </a:bodyPr>
+          <a:p>
+            <a:pPr algn="ctr"/>
+            <a:endParaRPr b="0" lang="en-US" sz="4400" spc="-1" strike="noStrike">
+              <a:latin typeface="Arial"/>
+            </a:endParaRPr>
+          </a:p>
+        </p:txBody>
+      </p:sp>
+      <p:sp>
+        <p:nvSpPr>
+          <p:cNvPr id="67" name="PlaceHolder 2"/>
           <p:cNvSpPr>
             <a:spLocks noGrp="1"/>
           </p:cNvSpPr>
@@ -1611,8 +1543,8 @@
         </p:nvSpPr>
         <p:spPr>
           <a:xfrm>
-            <a:off x="1115640" y="2477880"/>
-            <a:ext cx="10167840" cy="1761840"/>
+            <a:off x="609480" y="1604520"/>
+            <a:ext cx="10972440" cy="1896840"/>
           </a:xfrm>
           <a:prstGeom prst="rect">
             <a:avLst/>
@@ -1623,18 +1555,15 @@
             <a:normAutofit/>
           </a:bodyPr>
           <a:p>
-            <a:endParaRPr b="0" lang="it-IT" sz="2800" spc="-1" strike="noStrike">
-              <a:solidFill>
-                <a:srgbClr val="000000"/>
-              </a:solidFill>
-              <a:latin typeface="Avenir Next LT Pro"/>
-            </a:endParaRPr>
-          </a:p>
-        </p:txBody>
-      </p:sp>
-      <p:sp>
-        <p:nvSpPr>
-          <p:cNvPr id="74" name="PlaceHolder 3"/>
+            <a:endParaRPr b="0" lang="en-US" sz="3200" spc="-1" strike="noStrike">
+              <a:latin typeface="Arial"/>
+            </a:endParaRPr>
+          </a:p>
+        </p:txBody>
+      </p:sp>
+      <p:sp>
+        <p:nvSpPr>
+          <p:cNvPr id="68" name="PlaceHolder 3"/>
           <p:cNvSpPr>
             <a:spLocks noGrp="1"/>
           </p:cNvSpPr>
@@ -1644,8 +1573,8 @@
         </p:nvSpPr>
         <p:spPr>
           <a:xfrm>
-            <a:off x="1115640" y="4407480"/>
-            <a:ext cx="10167840" cy="1761840"/>
+            <a:off x="609480" y="3682080"/>
+            <a:ext cx="10972440" cy="1896840"/>
           </a:xfrm>
           <a:prstGeom prst="rect">
             <a:avLst/>
@@ -1656,11 +1585,8 @@
             <a:normAutofit/>
           </a:bodyPr>
           <a:p>
-            <a:endParaRPr b="0" lang="it-IT" sz="2800" spc="-1" strike="noStrike">
-              <a:solidFill>
-                <a:srgbClr val="000000"/>
-              </a:solidFill>
-              <a:latin typeface="Avenir Next LT Pro"/>
+            <a:endParaRPr b="0" lang="en-US" sz="3200" spc="-1" strike="noStrike">
+              <a:latin typeface="Arial"/>
             </a:endParaRPr>
           </a:p>
         </p:txBody>
@@ -1689,7 +1615,7 @@
       </p:grpSpPr>
       <p:sp>
         <p:nvSpPr>
-          <p:cNvPr id="75" name="PlaceHolder 1"/>
+          <p:cNvPr id="69" name="PlaceHolder 1"/>
           <p:cNvSpPr>
             <a:spLocks noGrp="1"/>
           </p:cNvSpPr>
@@ -1699,28 +1625,28 @@
         </p:nvSpPr>
         <p:spPr>
           <a:xfrm>
-            <a:off x="1115640" y="548640"/>
-            <a:ext cx="10167840" cy="1179360"/>
-          </a:xfrm>
-          <a:prstGeom prst="rect">
-            <a:avLst/>
-          </a:prstGeom>
-        </p:spPr>
-        <p:txBody>
-          <a:bodyPr lIns="0" rIns="0" tIns="0" bIns="0" anchor="ctr"/>
-          <a:p>
-            <a:endParaRPr b="0" lang="it-IT" sz="1800" spc="-1" strike="noStrike">
-              <a:solidFill>
-                <a:srgbClr val="000000"/>
-              </a:solidFill>
-              <a:latin typeface="Avenir Next LT Pro"/>
-            </a:endParaRPr>
-          </a:p>
-        </p:txBody>
-      </p:sp>
-      <p:sp>
-        <p:nvSpPr>
-          <p:cNvPr id="76" name="PlaceHolder 2"/>
+            <a:off x="609480" y="273600"/>
+            <a:ext cx="10972440" cy="1144800"/>
+          </a:xfrm>
+          <a:prstGeom prst="rect">
+            <a:avLst/>
+          </a:prstGeom>
+        </p:spPr>
+        <p:txBody>
+          <a:bodyPr lIns="0" rIns="0" tIns="0" bIns="0" anchor="ctr">
+            <a:noAutofit/>
+          </a:bodyPr>
+          <a:p>
+            <a:pPr algn="ctr"/>
+            <a:endParaRPr b="0" lang="en-US" sz="4400" spc="-1" strike="noStrike">
+              <a:latin typeface="Arial"/>
+            </a:endParaRPr>
+          </a:p>
+        </p:txBody>
+      </p:sp>
+      <p:sp>
+        <p:nvSpPr>
+          <p:cNvPr id="70" name="PlaceHolder 2"/>
           <p:cNvSpPr>
             <a:spLocks noGrp="1"/>
           </p:cNvSpPr>
@@ -1730,8 +1656,8 @@
         </p:nvSpPr>
         <p:spPr>
           <a:xfrm>
-            <a:off x="1115640" y="2477880"/>
-            <a:ext cx="4961880" cy="1761840"/>
+            <a:off x="609480" y="1604520"/>
+            <a:ext cx="5354280" cy="1896840"/>
           </a:xfrm>
           <a:prstGeom prst="rect">
             <a:avLst/>
@@ -1742,18 +1668,15 @@
             <a:normAutofit/>
           </a:bodyPr>
           <a:p>
-            <a:endParaRPr b="0" lang="it-IT" sz="2800" spc="-1" strike="noStrike">
-              <a:solidFill>
-                <a:srgbClr val="000000"/>
-              </a:solidFill>
-              <a:latin typeface="Avenir Next LT Pro"/>
-            </a:endParaRPr>
-          </a:p>
-        </p:txBody>
-      </p:sp>
-      <p:sp>
-        <p:nvSpPr>
-          <p:cNvPr id="77" name="PlaceHolder 3"/>
+            <a:endParaRPr b="0" lang="en-US" sz="3200" spc="-1" strike="noStrike">
+              <a:latin typeface="Arial"/>
+            </a:endParaRPr>
+          </a:p>
+        </p:txBody>
+      </p:sp>
+      <p:sp>
+        <p:nvSpPr>
+          <p:cNvPr id="71" name="PlaceHolder 3"/>
           <p:cNvSpPr>
             <a:spLocks noGrp="1"/>
           </p:cNvSpPr>
@@ -1763,8 +1686,8 @@
         </p:nvSpPr>
         <p:spPr>
           <a:xfrm>
-            <a:off x="6325920" y="2477880"/>
-            <a:ext cx="4961880" cy="1761840"/>
+            <a:off x="6231960" y="1604520"/>
+            <a:ext cx="5354280" cy="1896840"/>
           </a:xfrm>
           <a:prstGeom prst="rect">
             <a:avLst/>
@@ -1775,18 +1698,15 @@
             <a:normAutofit/>
           </a:bodyPr>
           <a:p>
-            <a:endParaRPr b="0" lang="it-IT" sz="2800" spc="-1" strike="noStrike">
-              <a:solidFill>
-                <a:srgbClr val="000000"/>
-              </a:solidFill>
-              <a:latin typeface="Avenir Next LT Pro"/>
-            </a:endParaRPr>
-          </a:p>
-        </p:txBody>
-      </p:sp>
-      <p:sp>
-        <p:nvSpPr>
-          <p:cNvPr id="78" name="PlaceHolder 4"/>
+            <a:endParaRPr b="0" lang="en-US" sz="3200" spc="-1" strike="noStrike">
+              <a:latin typeface="Arial"/>
+            </a:endParaRPr>
+          </a:p>
+        </p:txBody>
+      </p:sp>
+      <p:sp>
+        <p:nvSpPr>
+          <p:cNvPr id="72" name="PlaceHolder 4"/>
           <p:cNvSpPr>
             <a:spLocks noGrp="1"/>
           </p:cNvSpPr>
@@ -1796,8 +1716,8 @@
         </p:nvSpPr>
         <p:spPr>
           <a:xfrm>
-            <a:off x="1115640" y="4407480"/>
-            <a:ext cx="4961880" cy="1761840"/>
+            <a:off x="609480" y="3682080"/>
+            <a:ext cx="5354280" cy="1896840"/>
           </a:xfrm>
           <a:prstGeom prst="rect">
             <a:avLst/>
@@ -1808,18 +1728,15 @@
             <a:normAutofit/>
           </a:bodyPr>
           <a:p>
-            <a:endParaRPr b="0" lang="it-IT" sz="2800" spc="-1" strike="noStrike">
-              <a:solidFill>
-                <a:srgbClr val="000000"/>
-              </a:solidFill>
-              <a:latin typeface="Avenir Next LT Pro"/>
-            </a:endParaRPr>
-          </a:p>
-        </p:txBody>
-      </p:sp>
-      <p:sp>
-        <p:nvSpPr>
-          <p:cNvPr id="79" name="PlaceHolder 5"/>
+            <a:endParaRPr b="0" lang="en-US" sz="3200" spc="-1" strike="noStrike">
+              <a:latin typeface="Arial"/>
+            </a:endParaRPr>
+          </a:p>
+        </p:txBody>
+      </p:sp>
+      <p:sp>
+        <p:nvSpPr>
+          <p:cNvPr id="73" name="PlaceHolder 5"/>
           <p:cNvSpPr>
             <a:spLocks noGrp="1"/>
           </p:cNvSpPr>
@@ -1829,8 +1746,8 @@
         </p:nvSpPr>
         <p:spPr>
           <a:xfrm>
-            <a:off x="6325920" y="4407480"/>
-            <a:ext cx="4961880" cy="1761840"/>
+            <a:off x="6231960" y="3682080"/>
+            <a:ext cx="5354280" cy="1896840"/>
           </a:xfrm>
           <a:prstGeom prst="rect">
             <a:avLst/>
@@ -1841,11 +1758,8 @@
             <a:normAutofit/>
           </a:bodyPr>
           <a:p>
-            <a:endParaRPr b="0" lang="it-IT" sz="2800" spc="-1" strike="noStrike">
-              <a:solidFill>
-                <a:srgbClr val="000000"/>
-              </a:solidFill>
-              <a:latin typeface="Avenir Next LT Pro"/>
+            <a:endParaRPr b="0" lang="en-US" sz="3200" spc="-1" strike="noStrike">
+              <a:latin typeface="Arial"/>
             </a:endParaRPr>
           </a:p>
         </p:txBody>
@@ -1874,7 +1788,7 @@
       </p:grpSpPr>
       <p:sp>
         <p:nvSpPr>
-          <p:cNvPr id="80" name="PlaceHolder 1"/>
+          <p:cNvPr id="74" name="PlaceHolder 1"/>
           <p:cNvSpPr>
             <a:spLocks noGrp="1"/>
           </p:cNvSpPr>
@@ -1884,28 +1798,28 @@
         </p:nvSpPr>
         <p:spPr>
           <a:xfrm>
-            <a:off x="1115640" y="548640"/>
-            <a:ext cx="10167840" cy="1179360"/>
-          </a:xfrm>
-          <a:prstGeom prst="rect">
-            <a:avLst/>
-          </a:prstGeom>
-        </p:spPr>
-        <p:txBody>
-          <a:bodyPr lIns="0" rIns="0" tIns="0" bIns="0" anchor="ctr"/>
-          <a:p>
-            <a:endParaRPr b="0" lang="it-IT" sz="1800" spc="-1" strike="noStrike">
-              <a:solidFill>
-                <a:srgbClr val="000000"/>
-              </a:solidFill>
-              <a:latin typeface="Avenir Next LT Pro"/>
-            </a:endParaRPr>
-          </a:p>
-        </p:txBody>
-      </p:sp>
-      <p:sp>
-        <p:nvSpPr>
-          <p:cNvPr id="81" name="PlaceHolder 2"/>
+            <a:off x="609480" y="273600"/>
+            <a:ext cx="10972440" cy="1144800"/>
+          </a:xfrm>
+          <a:prstGeom prst="rect">
+            <a:avLst/>
+          </a:prstGeom>
+        </p:spPr>
+        <p:txBody>
+          <a:bodyPr lIns="0" rIns="0" tIns="0" bIns="0" anchor="ctr">
+            <a:noAutofit/>
+          </a:bodyPr>
+          <a:p>
+            <a:pPr algn="ctr"/>
+            <a:endParaRPr b="0" lang="en-US" sz="4400" spc="-1" strike="noStrike">
+              <a:latin typeface="Arial"/>
+            </a:endParaRPr>
+          </a:p>
+        </p:txBody>
+      </p:sp>
+      <p:sp>
+        <p:nvSpPr>
+          <p:cNvPr id="75" name="PlaceHolder 2"/>
           <p:cNvSpPr>
             <a:spLocks noGrp="1"/>
           </p:cNvSpPr>
@@ -1915,8 +1829,8 @@
         </p:nvSpPr>
         <p:spPr>
           <a:xfrm>
-            <a:off x="1115640" y="2477880"/>
-            <a:ext cx="3273840" cy="1761840"/>
+            <a:off x="609480" y="1604520"/>
+            <a:ext cx="3533040" cy="1896840"/>
           </a:xfrm>
           <a:prstGeom prst="rect">
             <a:avLst/>
@@ -1927,18 +1841,15 @@
             <a:normAutofit/>
           </a:bodyPr>
           <a:p>
-            <a:endParaRPr b="0" lang="it-IT" sz="2800" spc="-1" strike="noStrike">
-              <a:solidFill>
-                <a:srgbClr val="000000"/>
-              </a:solidFill>
-              <a:latin typeface="Avenir Next LT Pro"/>
-            </a:endParaRPr>
-          </a:p>
-        </p:txBody>
-      </p:sp>
-      <p:sp>
-        <p:nvSpPr>
-          <p:cNvPr id="82" name="PlaceHolder 3"/>
+            <a:endParaRPr b="0" lang="en-US" sz="3200" spc="-1" strike="noStrike">
+              <a:latin typeface="Arial"/>
+            </a:endParaRPr>
+          </a:p>
+        </p:txBody>
+      </p:sp>
+      <p:sp>
+        <p:nvSpPr>
+          <p:cNvPr id="76" name="PlaceHolder 3"/>
           <p:cNvSpPr>
             <a:spLocks noGrp="1"/>
           </p:cNvSpPr>
@@ -1948,8 +1859,8 @@
         </p:nvSpPr>
         <p:spPr>
           <a:xfrm>
-            <a:off x="4553640" y="2477880"/>
-            <a:ext cx="3273840" cy="1761840"/>
+            <a:off x="4319640" y="1604520"/>
+            <a:ext cx="3533040" cy="1896840"/>
           </a:xfrm>
           <a:prstGeom prst="rect">
             <a:avLst/>
@@ -1960,18 +1871,15 @@
             <a:normAutofit/>
           </a:bodyPr>
           <a:p>
-            <a:endParaRPr b="0" lang="it-IT" sz="2800" spc="-1" strike="noStrike">
-              <a:solidFill>
-                <a:srgbClr val="000000"/>
-              </a:solidFill>
-              <a:latin typeface="Avenir Next LT Pro"/>
-            </a:endParaRPr>
-          </a:p>
-        </p:txBody>
-      </p:sp>
-      <p:sp>
-        <p:nvSpPr>
-          <p:cNvPr id="83" name="PlaceHolder 4"/>
+            <a:endParaRPr b="0" lang="en-US" sz="3200" spc="-1" strike="noStrike">
+              <a:latin typeface="Arial"/>
+            </a:endParaRPr>
+          </a:p>
+        </p:txBody>
+      </p:sp>
+      <p:sp>
+        <p:nvSpPr>
+          <p:cNvPr id="77" name="PlaceHolder 4"/>
           <p:cNvSpPr>
             <a:spLocks noGrp="1"/>
           </p:cNvSpPr>
@@ -1981,8 +1889,8 @@
         </p:nvSpPr>
         <p:spPr>
           <a:xfrm>
-            <a:off x="7991640" y="2477880"/>
-            <a:ext cx="3273840" cy="1761840"/>
+            <a:off x="8029800" y="1604520"/>
+            <a:ext cx="3533040" cy="1896840"/>
           </a:xfrm>
           <a:prstGeom prst="rect">
             <a:avLst/>
@@ -1993,18 +1901,15 @@
             <a:normAutofit/>
           </a:bodyPr>
           <a:p>
-            <a:endParaRPr b="0" lang="it-IT" sz="2800" spc="-1" strike="noStrike">
-              <a:solidFill>
-                <a:srgbClr val="000000"/>
-              </a:solidFill>
-              <a:latin typeface="Avenir Next LT Pro"/>
-            </a:endParaRPr>
-          </a:p>
-        </p:txBody>
-      </p:sp>
-      <p:sp>
-        <p:nvSpPr>
-          <p:cNvPr id="84" name="PlaceHolder 5"/>
+            <a:endParaRPr b="0" lang="en-US" sz="3200" spc="-1" strike="noStrike">
+              <a:latin typeface="Arial"/>
+            </a:endParaRPr>
+          </a:p>
+        </p:txBody>
+      </p:sp>
+      <p:sp>
+        <p:nvSpPr>
+          <p:cNvPr id="78" name="PlaceHolder 5"/>
           <p:cNvSpPr>
             <a:spLocks noGrp="1"/>
           </p:cNvSpPr>
@@ -2014,8 +1919,8 @@
         </p:nvSpPr>
         <p:spPr>
           <a:xfrm>
-            <a:off x="1115640" y="4407480"/>
-            <a:ext cx="3273840" cy="1761840"/>
+            <a:off x="609480" y="3682080"/>
+            <a:ext cx="3533040" cy="1896840"/>
           </a:xfrm>
           <a:prstGeom prst="rect">
             <a:avLst/>
@@ -2026,18 +1931,15 @@
             <a:normAutofit/>
           </a:bodyPr>
           <a:p>
-            <a:endParaRPr b="0" lang="it-IT" sz="2800" spc="-1" strike="noStrike">
-              <a:solidFill>
-                <a:srgbClr val="000000"/>
-              </a:solidFill>
-              <a:latin typeface="Avenir Next LT Pro"/>
-            </a:endParaRPr>
-          </a:p>
-        </p:txBody>
-      </p:sp>
-      <p:sp>
-        <p:nvSpPr>
-          <p:cNvPr id="85" name="PlaceHolder 6"/>
+            <a:endParaRPr b="0" lang="en-US" sz="3200" spc="-1" strike="noStrike">
+              <a:latin typeface="Arial"/>
+            </a:endParaRPr>
+          </a:p>
+        </p:txBody>
+      </p:sp>
+      <p:sp>
+        <p:nvSpPr>
+          <p:cNvPr id="79" name="PlaceHolder 6"/>
           <p:cNvSpPr>
             <a:spLocks noGrp="1"/>
           </p:cNvSpPr>
@@ -2047,8 +1949,8 @@
         </p:nvSpPr>
         <p:spPr>
           <a:xfrm>
-            <a:off x="4553640" y="4407480"/>
-            <a:ext cx="3273840" cy="1761840"/>
+            <a:off x="4319640" y="3682080"/>
+            <a:ext cx="3533040" cy="1896840"/>
           </a:xfrm>
           <a:prstGeom prst="rect">
             <a:avLst/>
@@ -2059,18 +1961,15 @@
             <a:normAutofit/>
           </a:bodyPr>
           <a:p>
-            <a:endParaRPr b="0" lang="it-IT" sz="2800" spc="-1" strike="noStrike">
-              <a:solidFill>
-                <a:srgbClr val="000000"/>
-              </a:solidFill>
-              <a:latin typeface="Avenir Next LT Pro"/>
-            </a:endParaRPr>
-          </a:p>
-        </p:txBody>
-      </p:sp>
-      <p:sp>
-        <p:nvSpPr>
-          <p:cNvPr id="86" name="PlaceHolder 7"/>
+            <a:endParaRPr b="0" lang="en-US" sz="3200" spc="-1" strike="noStrike">
+              <a:latin typeface="Arial"/>
+            </a:endParaRPr>
+          </a:p>
+        </p:txBody>
+      </p:sp>
+      <p:sp>
+        <p:nvSpPr>
+          <p:cNvPr id="80" name="PlaceHolder 7"/>
           <p:cNvSpPr>
             <a:spLocks noGrp="1"/>
           </p:cNvSpPr>
@@ -2080,8 +1979,8 @@
         </p:nvSpPr>
         <p:spPr>
           <a:xfrm>
-            <a:off x="7991640" y="4407480"/>
-            <a:ext cx="3273840" cy="1761840"/>
+            <a:off x="8029800" y="3682080"/>
+            <a:ext cx="3533040" cy="1896840"/>
           </a:xfrm>
           <a:prstGeom prst="rect">
             <a:avLst/>
@@ -2092,11 +1991,8 @@
             <a:normAutofit/>
           </a:bodyPr>
           <a:p>
-            <a:endParaRPr b="0" lang="it-IT" sz="2800" spc="-1" strike="noStrike">
-              <a:solidFill>
-                <a:srgbClr val="000000"/>
-              </a:solidFill>
-              <a:latin typeface="Avenir Next LT Pro"/>
+            <a:endParaRPr b="0" lang="en-US" sz="3200" spc="-1" strike="noStrike">
+              <a:latin typeface="Arial"/>
             </a:endParaRPr>
           </a:p>
         </p:txBody>
@@ -2125,7 +2021,7 @@
       </p:grpSpPr>
       <p:sp>
         <p:nvSpPr>
-          <p:cNvPr id="9" name="PlaceHolder 1"/>
+          <p:cNvPr id="6" name="PlaceHolder 1"/>
           <p:cNvSpPr>
             <a:spLocks noGrp="1"/>
           </p:cNvSpPr>
@@ -2135,28 +2031,28 @@
         </p:nvSpPr>
         <p:spPr>
           <a:xfrm>
-            <a:off x="1115640" y="548640"/>
-            <a:ext cx="10167840" cy="1179360"/>
-          </a:xfrm>
-          <a:prstGeom prst="rect">
-            <a:avLst/>
-          </a:prstGeom>
-        </p:spPr>
-        <p:txBody>
-          <a:bodyPr lIns="0" rIns="0" tIns="0" bIns="0" anchor="ctr"/>
-          <a:p>
-            <a:endParaRPr b="0" lang="it-IT" sz="1800" spc="-1" strike="noStrike">
-              <a:solidFill>
-                <a:srgbClr val="000000"/>
-              </a:solidFill>
-              <a:latin typeface="Avenir Next LT Pro"/>
-            </a:endParaRPr>
-          </a:p>
-        </p:txBody>
-      </p:sp>
-      <p:sp>
-        <p:nvSpPr>
-          <p:cNvPr id="10" name="PlaceHolder 2"/>
+            <a:off x="609480" y="273600"/>
+            <a:ext cx="10972440" cy="1144800"/>
+          </a:xfrm>
+          <a:prstGeom prst="rect">
+            <a:avLst/>
+          </a:prstGeom>
+        </p:spPr>
+        <p:txBody>
+          <a:bodyPr lIns="0" rIns="0" tIns="0" bIns="0" anchor="ctr">
+            <a:noAutofit/>
+          </a:bodyPr>
+          <a:p>
+            <a:pPr algn="ctr"/>
+            <a:endParaRPr b="0" lang="en-US" sz="4400" spc="-1" strike="noStrike">
+              <a:latin typeface="Arial"/>
+            </a:endParaRPr>
+          </a:p>
+        </p:txBody>
+      </p:sp>
+      <p:sp>
+        <p:nvSpPr>
+          <p:cNvPr id="7" name="PlaceHolder 2"/>
           <p:cNvSpPr>
             <a:spLocks noGrp="1"/>
           </p:cNvSpPr>
@@ -2166,8 +2062,8 @@
         </p:nvSpPr>
         <p:spPr>
           <a:xfrm>
-            <a:off x="1115640" y="2477880"/>
-            <a:ext cx="10167840" cy="3693960"/>
+            <a:off x="609480" y="1604520"/>
+            <a:ext cx="10972440" cy="3977280"/>
           </a:xfrm>
           <a:prstGeom prst="rect">
             <a:avLst/>
@@ -2178,11 +2074,8 @@
             <a:normAutofit/>
           </a:bodyPr>
           <a:p>
-            <a:endParaRPr b="0" lang="it-IT" sz="2800" spc="-1" strike="noStrike">
-              <a:solidFill>
-                <a:srgbClr val="000000"/>
-              </a:solidFill>
-              <a:latin typeface="Avenir Next LT Pro"/>
+            <a:endParaRPr b="0" lang="en-US" sz="3200" spc="-1" strike="noStrike">
+              <a:latin typeface="Arial"/>
             </a:endParaRPr>
           </a:p>
         </p:txBody>
@@ -2211,7 +2104,7 @@
       </p:grpSpPr>
       <p:sp>
         <p:nvSpPr>
-          <p:cNvPr id="11" name="PlaceHolder 1"/>
+          <p:cNvPr id="8" name="PlaceHolder 1"/>
           <p:cNvSpPr>
             <a:spLocks noGrp="1"/>
           </p:cNvSpPr>
@@ -2221,28 +2114,28 @@
         </p:nvSpPr>
         <p:spPr>
           <a:xfrm>
-            <a:off x="1115640" y="548640"/>
-            <a:ext cx="10167840" cy="1179360"/>
-          </a:xfrm>
-          <a:prstGeom prst="rect">
-            <a:avLst/>
-          </a:prstGeom>
-        </p:spPr>
-        <p:txBody>
-          <a:bodyPr lIns="0" rIns="0" tIns="0" bIns="0" anchor="ctr"/>
-          <a:p>
-            <a:endParaRPr b="0" lang="it-IT" sz="1800" spc="-1" strike="noStrike">
-              <a:solidFill>
-                <a:srgbClr val="000000"/>
-              </a:solidFill>
-              <a:latin typeface="Avenir Next LT Pro"/>
-            </a:endParaRPr>
-          </a:p>
-        </p:txBody>
-      </p:sp>
-      <p:sp>
-        <p:nvSpPr>
-          <p:cNvPr id="12" name="PlaceHolder 2"/>
+            <a:off x="609480" y="273600"/>
+            <a:ext cx="10972440" cy="1144800"/>
+          </a:xfrm>
+          <a:prstGeom prst="rect">
+            <a:avLst/>
+          </a:prstGeom>
+        </p:spPr>
+        <p:txBody>
+          <a:bodyPr lIns="0" rIns="0" tIns="0" bIns="0" anchor="ctr">
+            <a:noAutofit/>
+          </a:bodyPr>
+          <a:p>
+            <a:pPr algn="ctr"/>
+            <a:endParaRPr b="0" lang="en-US" sz="4400" spc="-1" strike="noStrike">
+              <a:latin typeface="Arial"/>
+            </a:endParaRPr>
+          </a:p>
+        </p:txBody>
+      </p:sp>
+      <p:sp>
+        <p:nvSpPr>
+          <p:cNvPr id="9" name="PlaceHolder 2"/>
           <p:cNvSpPr>
             <a:spLocks noGrp="1"/>
           </p:cNvSpPr>
@@ -2252,8 +2145,8 @@
         </p:nvSpPr>
         <p:spPr>
           <a:xfrm>
-            <a:off x="1115640" y="2477880"/>
-            <a:ext cx="4961880" cy="3693960"/>
+            <a:off x="609480" y="1604520"/>
+            <a:ext cx="5354280" cy="3977280"/>
           </a:xfrm>
           <a:prstGeom prst="rect">
             <a:avLst/>
@@ -2264,18 +2157,15 @@
             <a:normAutofit/>
           </a:bodyPr>
           <a:p>
-            <a:endParaRPr b="0" lang="it-IT" sz="2800" spc="-1" strike="noStrike">
-              <a:solidFill>
-                <a:srgbClr val="000000"/>
-              </a:solidFill>
-              <a:latin typeface="Avenir Next LT Pro"/>
-            </a:endParaRPr>
-          </a:p>
-        </p:txBody>
-      </p:sp>
-      <p:sp>
-        <p:nvSpPr>
-          <p:cNvPr id="13" name="PlaceHolder 3"/>
+            <a:endParaRPr b="0" lang="en-US" sz="3200" spc="-1" strike="noStrike">
+              <a:latin typeface="Arial"/>
+            </a:endParaRPr>
+          </a:p>
+        </p:txBody>
+      </p:sp>
+      <p:sp>
+        <p:nvSpPr>
+          <p:cNvPr id="10" name="PlaceHolder 3"/>
           <p:cNvSpPr>
             <a:spLocks noGrp="1"/>
           </p:cNvSpPr>
@@ -2285,8 +2175,8 @@
         </p:nvSpPr>
         <p:spPr>
           <a:xfrm>
-            <a:off x="6325920" y="2477880"/>
-            <a:ext cx="4961880" cy="3693960"/>
+            <a:off x="6231960" y="1604520"/>
+            <a:ext cx="5354280" cy="3977280"/>
           </a:xfrm>
           <a:prstGeom prst="rect">
             <a:avLst/>
@@ -2297,11 +2187,8 @@
             <a:normAutofit/>
           </a:bodyPr>
           <a:p>
-            <a:endParaRPr b="0" lang="it-IT" sz="2800" spc="-1" strike="noStrike">
-              <a:solidFill>
-                <a:srgbClr val="000000"/>
-              </a:solidFill>
-              <a:latin typeface="Avenir Next LT Pro"/>
+            <a:endParaRPr b="0" lang="en-US" sz="3200" spc="-1" strike="noStrike">
+              <a:latin typeface="Arial"/>
             </a:endParaRPr>
           </a:p>
         </p:txBody>
@@ -2330,7 +2217,7 @@
       </p:grpSpPr>
       <p:sp>
         <p:nvSpPr>
-          <p:cNvPr id="14" name="PlaceHolder 1"/>
+          <p:cNvPr id="11" name="PlaceHolder 1"/>
           <p:cNvSpPr>
             <a:spLocks noGrp="1"/>
           </p:cNvSpPr>
@@ -2340,21 +2227,21 @@
         </p:nvSpPr>
         <p:spPr>
           <a:xfrm>
-            <a:off x="1115640" y="548640"/>
-            <a:ext cx="10167840" cy="1179360"/>
-          </a:xfrm>
-          <a:prstGeom prst="rect">
-            <a:avLst/>
-          </a:prstGeom>
-        </p:spPr>
-        <p:txBody>
-          <a:bodyPr lIns="0" rIns="0" tIns="0" bIns="0" anchor="ctr"/>
-          <a:p>
-            <a:endParaRPr b="0" lang="it-IT" sz="1800" spc="-1" strike="noStrike">
-              <a:solidFill>
-                <a:srgbClr val="000000"/>
-              </a:solidFill>
-              <a:latin typeface="Avenir Next LT Pro"/>
+            <a:off x="609480" y="273600"/>
+            <a:ext cx="10972440" cy="1144800"/>
+          </a:xfrm>
+          <a:prstGeom prst="rect">
+            <a:avLst/>
+          </a:prstGeom>
+        </p:spPr>
+        <p:txBody>
+          <a:bodyPr lIns="0" rIns="0" tIns="0" bIns="0" anchor="ctr">
+            <a:noAutofit/>
+          </a:bodyPr>
+          <a:p>
+            <a:pPr algn="ctr"/>
+            <a:endParaRPr b="0" lang="en-US" sz="4400" spc="-1" strike="noStrike">
+              <a:latin typeface="Arial"/>
             </a:endParaRPr>
           </a:p>
         </p:txBody>
@@ -2383,7 +2270,7 @@
       </p:grpSpPr>
       <p:sp>
         <p:nvSpPr>
-          <p:cNvPr id="15" name="PlaceHolder 1"/>
+          <p:cNvPr id="12" name="PlaceHolder 1"/>
           <p:cNvSpPr>
             <a:spLocks noGrp="1"/>
           </p:cNvSpPr>
@@ -2393,15 +2280,17 @@
         </p:nvSpPr>
         <p:spPr>
           <a:xfrm>
-            <a:off x="1115640" y="548640"/>
-            <a:ext cx="10167840" cy="5468040"/>
-          </a:xfrm>
-          <a:prstGeom prst="rect">
-            <a:avLst/>
-          </a:prstGeom>
-        </p:spPr>
-        <p:txBody>
-          <a:bodyPr lIns="0" rIns="0" tIns="0" bIns="0" anchor="ctr"/>
+            <a:off x="609480" y="273600"/>
+            <a:ext cx="10972440" cy="5307840"/>
+          </a:xfrm>
+          <a:prstGeom prst="rect">
+            <a:avLst/>
+          </a:prstGeom>
+        </p:spPr>
+        <p:txBody>
+          <a:bodyPr lIns="0" rIns="0" tIns="0" bIns="0" anchor="ctr">
+            <a:noAutofit/>
+          </a:bodyPr>
           <a:p>
             <a:pPr algn="ctr"/>
             <a:endParaRPr b="0" lang="en-US" sz="3200" spc="-1" strike="noStrike">
@@ -2434,7 +2323,7 @@
       </p:grpSpPr>
       <p:sp>
         <p:nvSpPr>
-          <p:cNvPr id="16" name="PlaceHolder 1"/>
+          <p:cNvPr id="13" name="PlaceHolder 1"/>
           <p:cNvSpPr>
             <a:spLocks noGrp="1"/>
           </p:cNvSpPr>
@@ -2444,28 +2333,28 @@
         </p:nvSpPr>
         <p:spPr>
           <a:xfrm>
-            <a:off x="1115640" y="548640"/>
-            <a:ext cx="10167840" cy="1179360"/>
-          </a:xfrm>
-          <a:prstGeom prst="rect">
-            <a:avLst/>
-          </a:prstGeom>
-        </p:spPr>
-        <p:txBody>
-          <a:bodyPr lIns="0" rIns="0" tIns="0" bIns="0" anchor="ctr"/>
-          <a:p>
-            <a:endParaRPr b="0" lang="it-IT" sz="1800" spc="-1" strike="noStrike">
-              <a:solidFill>
-                <a:srgbClr val="000000"/>
-              </a:solidFill>
-              <a:latin typeface="Avenir Next LT Pro"/>
-            </a:endParaRPr>
-          </a:p>
-        </p:txBody>
-      </p:sp>
-      <p:sp>
-        <p:nvSpPr>
-          <p:cNvPr id="17" name="PlaceHolder 2"/>
+            <a:off x="609480" y="273600"/>
+            <a:ext cx="10972440" cy="1144800"/>
+          </a:xfrm>
+          <a:prstGeom prst="rect">
+            <a:avLst/>
+          </a:prstGeom>
+        </p:spPr>
+        <p:txBody>
+          <a:bodyPr lIns="0" rIns="0" tIns="0" bIns="0" anchor="ctr">
+            <a:noAutofit/>
+          </a:bodyPr>
+          <a:p>
+            <a:pPr algn="ctr"/>
+            <a:endParaRPr b="0" lang="en-US" sz="4400" spc="-1" strike="noStrike">
+              <a:latin typeface="Arial"/>
+            </a:endParaRPr>
+          </a:p>
+        </p:txBody>
+      </p:sp>
+      <p:sp>
+        <p:nvSpPr>
+          <p:cNvPr id="14" name="PlaceHolder 2"/>
           <p:cNvSpPr>
             <a:spLocks noGrp="1"/>
           </p:cNvSpPr>
@@ -2475,8 +2364,8 @@
         </p:nvSpPr>
         <p:spPr>
           <a:xfrm>
-            <a:off x="1115640" y="2477880"/>
-            <a:ext cx="4961880" cy="1761840"/>
+            <a:off x="609480" y="1604520"/>
+            <a:ext cx="5354280" cy="1896840"/>
           </a:xfrm>
           <a:prstGeom prst="rect">
             <a:avLst/>
@@ -2487,18 +2376,15 @@
             <a:normAutofit/>
           </a:bodyPr>
           <a:p>
-            <a:endParaRPr b="0" lang="it-IT" sz="2800" spc="-1" strike="noStrike">
-              <a:solidFill>
-                <a:srgbClr val="000000"/>
-              </a:solidFill>
-              <a:latin typeface="Avenir Next LT Pro"/>
-            </a:endParaRPr>
-          </a:p>
-        </p:txBody>
-      </p:sp>
-      <p:sp>
-        <p:nvSpPr>
-          <p:cNvPr id="18" name="PlaceHolder 3"/>
+            <a:endParaRPr b="0" lang="en-US" sz="3200" spc="-1" strike="noStrike">
+              <a:latin typeface="Arial"/>
+            </a:endParaRPr>
+          </a:p>
+        </p:txBody>
+      </p:sp>
+      <p:sp>
+        <p:nvSpPr>
+          <p:cNvPr id="15" name="PlaceHolder 3"/>
           <p:cNvSpPr>
             <a:spLocks noGrp="1"/>
           </p:cNvSpPr>
@@ -2508,8 +2394,8 @@
         </p:nvSpPr>
         <p:spPr>
           <a:xfrm>
-            <a:off x="6325920" y="2477880"/>
-            <a:ext cx="4961880" cy="3693960"/>
+            <a:off x="6231960" y="1604520"/>
+            <a:ext cx="5354280" cy="3977280"/>
           </a:xfrm>
           <a:prstGeom prst="rect">
             <a:avLst/>
@@ -2520,18 +2406,15 @@
             <a:normAutofit/>
           </a:bodyPr>
           <a:p>
-            <a:endParaRPr b="0" lang="it-IT" sz="2800" spc="-1" strike="noStrike">
-              <a:solidFill>
-                <a:srgbClr val="000000"/>
-              </a:solidFill>
-              <a:latin typeface="Avenir Next LT Pro"/>
-            </a:endParaRPr>
-          </a:p>
-        </p:txBody>
-      </p:sp>
-      <p:sp>
-        <p:nvSpPr>
-          <p:cNvPr id="19" name="PlaceHolder 4"/>
+            <a:endParaRPr b="0" lang="en-US" sz="3200" spc="-1" strike="noStrike">
+              <a:latin typeface="Arial"/>
+            </a:endParaRPr>
+          </a:p>
+        </p:txBody>
+      </p:sp>
+      <p:sp>
+        <p:nvSpPr>
+          <p:cNvPr id="16" name="PlaceHolder 4"/>
           <p:cNvSpPr>
             <a:spLocks noGrp="1"/>
           </p:cNvSpPr>
@@ -2541,8 +2424,8 @@
         </p:nvSpPr>
         <p:spPr>
           <a:xfrm>
-            <a:off x="1115640" y="4407480"/>
-            <a:ext cx="4961880" cy="1761840"/>
+            <a:off x="609480" y="3682080"/>
+            <a:ext cx="5354280" cy="1896840"/>
           </a:xfrm>
           <a:prstGeom prst="rect">
             <a:avLst/>
@@ -2553,11 +2436,8 @@
             <a:normAutofit/>
           </a:bodyPr>
           <a:p>
-            <a:endParaRPr b="0" lang="it-IT" sz="2800" spc="-1" strike="noStrike">
-              <a:solidFill>
-                <a:srgbClr val="000000"/>
-              </a:solidFill>
-              <a:latin typeface="Avenir Next LT Pro"/>
+            <a:endParaRPr b="0" lang="en-US" sz="3200" spc="-1" strike="noStrike">
+              <a:latin typeface="Arial"/>
             </a:endParaRPr>
           </a:p>
         </p:txBody>
@@ -2586,7 +2466,7 @@
       </p:grpSpPr>
       <p:sp>
         <p:nvSpPr>
-          <p:cNvPr id="20" name="PlaceHolder 1"/>
+          <p:cNvPr id="17" name="PlaceHolder 1"/>
           <p:cNvSpPr>
             <a:spLocks noGrp="1"/>
           </p:cNvSpPr>
@@ -2596,28 +2476,28 @@
         </p:nvSpPr>
         <p:spPr>
           <a:xfrm>
-            <a:off x="1115640" y="548640"/>
-            <a:ext cx="10167840" cy="1179360"/>
-          </a:xfrm>
-          <a:prstGeom prst="rect">
-            <a:avLst/>
-          </a:prstGeom>
-        </p:spPr>
-        <p:txBody>
-          <a:bodyPr lIns="0" rIns="0" tIns="0" bIns="0" anchor="ctr"/>
-          <a:p>
-            <a:endParaRPr b="0" lang="it-IT" sz="1800" spc="-1" strike="noStrike">
-              <a:solidFill>
-                <a:srgbClr val="000000"/>
-              </a:solidFill>
-              <a:latin typeface="Avenir Next LT Pro"/>
-            </a:endParaRPr>
-          </a:p>
-        </p:txBody>
-      </p:sp>
-      <p:sp>
-        <p:nvSpPr>
-          <p:cNvPr id="21" name="PlaceHolder 2"/>
+            <a:off x="609480" y="273600"/>
+            <a:ext cx="10972440" cy="1144800"/>
+          </a:xfrm>
+          <a:prstGeom prst="rect">
+            <a:avLst/>
+          </a:prstGeom>
+        </p:spPr>
+        <p:txBody>
+          <a:bodyPr lIns="0" rIns="0" tIns="0" bIns="0" anchor="ctr">
+            <a:noAutofit/>
+          </a:bodyPr>
+          <a:p>
+            <a:pPr algn="ctr"/>
+            <a:endParaRPr b="0" lang="en-US" sz="4400" spc="-1" strike="noStrike">
+              <a:latin typeface="Arial"/>
+            </a:endParaRPr>
+          </a:p>
+        </p:txBody>
+      </p:sp>
+      <p:sp>
+        <p:nvSpPr>
+          <p:cNvPr id="18" name="PlaceHolder 2"/>
           <p:cNvSpPr>
             <a:spLocks noGrp="1"/>
           </p:cNvSpPr>
@@ -2627,8 +2507,8 @@
         </p:nvSpPr>
         <p:spPr>
           <a:xfrm>
-            <a:off x="1115640" y="2477880"/>
-            <a:ext cx="4961880" cy="3693960"/>
+            <a:off x="609480" y="1604520"/>
+            <a:ext cx="5354280" cy="3977280"/>
           </a:xfrm>
           <a:prstGeom prst="rect">
             <a:avLst/>
@@ -2639,18 +2519,15 @@
             <a:normAutofit/>
           </a:bodyPr>
           <a:p>
-            <a:endParaRPr b="0" lang="it-IT" sz="2800" spc="-1" strike="noStrike">
-              <a:solidFill>
-                <a:srgbClr val="000000"/>
-              </a:solidFill>
-              <a:latin typeface="Avenir Next LT Pro"/>
-            </a:endParaRPr>
-          </a:p>
-        </p:txBody>
-      </p:sp>
-      <p:sp>
-        <p:nvSpPr>
-          <p:cNvPr id="22" name="PlaceHolder 3"/>
+            <a:endParaRPr b="0" lang="en-US" sz="3200" spc="-1" strike="noStrike">
+              <a:latin typeface="Arial"/>
+            </a:endParaRPr>
+          </a:p>
+        </p:txBody>
+      </p:sp>
+      <p:sp>
+        <p:nvSpPr>
+          <p:cNvPr id="19" name="PlaceHolder 3"/>
           <p:cNvSpPr>
             <a:spLocks noGrp="1"/>
           </p:cNvSpPr>
@@ -2660,8 +2537,8 @@
         </p:nvSpPr>
         <p:spPr>
           <a:xfrm>
-            <a:off x="6325920" y="2477880"/>
-            <a:ext cx="4961880" cy="1761840"/>
+            <a:off x="6231960" y="1604520"/>
+            <a:ext cx="5354280" cy="1896840"/>
           </a:xfrm>
           <a:prstGeom prst="rect">
             <a:avLst/>
@@ -2672,18 +2549,15 @@
             <a:normAutofit/>
           </a:bodyPr>
           <a:p>
-            <a:endParaRPr b="0" lang="it-IT" sz="2800" spc="-1" strike="noStrike">
-              <a:solidFill>
-                <a:srgbClr val="000000"/>
-              </a:solidFill>
-              <a:latin typeface="Avenir Next LT Pro"/>
-            </a:endParaRPr>
-          </a:p>
-        </p:txBody>
-      </p:sp>
-      <p:sp>
-        <p:nvSpPr>
-          <p:cNvPr id="23" name="PlaceHolder 4"/>
+            <a:endParaRPr b="0" lang="en-US" sz="3200" spc="-1" strike="noStrike">
+              <a:latin typeface="Arial"/>
+            </a:endParaRPr>
+          </a:p>
+        </p:txBody>
+      </p:sp>
+      <p:sp>
+        <p:nvSpPr>
+          <p:cNvPr id="20" name="PlaceHolder 4"/>
           <p:cNvSpPr>
             <a:spLocks noGrp="1"/>
           </p:cNvSpPr>
@@ -2693,8 +2567,8 @@
         </p:nvSpPr>
         <p:spPr>
           <a:xfrm>
-            <a:off x="6325920" y="4407480"/>
-            <a:ext cx="4961880" cy="1761840"/>
+            <a:off x="6231960" y="3682080"/>
+            <a:ext cx="5354280" cy="1896840"/>
           </a:xfrm>
           <a:prstGeom prst="rect">
             <a:avLst/>
@@ -2705,11 +2579,8 @@
             <a:normAutofit/>
           </a:bodyPr>
           <a:p>
-            <a:endParaRPr b="0" lang="it-IT" sz="2800" spc="-1" strike="noStrike">
-              <a:solidFill>
-                <a:srgbClr val="000000"/>
-              </a:solidFill>
-              <a:latin typeface="Avenir Next LT Pro"/>
+            <a:endParaRPr b="0" lang="en-US" sz="3200" spc="-1" strike="noStrike">
+              <a:latin typeface="Arial"/>
             </a:endParaRPr>
           </a:p>
         </p:txBody>
@@ -2738,7 +2609,7 @@
       </p:grpSpPr>
       <p:sp>
         <p:nvSpPr>
-          <p:cNvPr id="24" name="PlaceHolder 1"/>
+          <p:cNvPr id="21" name="PlaceHolder 1"/>
           <p:cNvSpPr>
             <a:spLocks noGrp="1"/>
           </p:cNvSpPr>
@@ -2748,28 +2619,28 @@
         </p:nvSpPr>
         <p:spPr>
           <a:xfrm>
-            <a:off x="1115640" y="548640"/>
-            <a:ext cx="10167840" cy="1179360"/>
-          </a:xfrm>
-          <a:prstGeom prst="rect">
-            <a:avLst/>
-          </a:prstGeom>
-        </p:spPr>
-        <p:txBody>
-          <a:bodyPr lIns="0" rIns="0" tIns="0" bIns="0" anchor="ctr"/>
-          <a:p>
-            <a:endParaRPr b="0" lang="it-IT" sz="1800" spc="-1" strike="noStrike">
-              <a:solidFill>
-                <a:srgbClr val="000000"/>
-              </a:solidFill>
-              <a:latin typeface="Avenir Next LT Pro"/>
-            </a:endParaRPr>
-          </a:p>
-        </p:txBody>
-      </p:sp>
-      <p:sp>
-        <p:nvSpPr>
-          <p:cNvPr id="25" name="PlaceHolder 2"/>
+            <a:off x="609480" y="273600"/>
+            <a:ext cx="10972440" cy="1144800"/>
+          </a:xfrm>
+          <a:prstGeom prst="rect">
+            <a:avLst/>
+          </a:prstGeom>
+        </p:spPr>
+        <p:txBody>
+          <a:bodyPr lIns="0" rIns="0" tIns="0" bIns="0" anchor="ctr">
+            <a:noAutofit/>
+          </a:bodyPr>
+          <a:p>
+            <a:pPr algn="ctr"/>
+            <a:endParaRPr b="0" lang="en-US" sz="4400" spc="-1" strike="noStrike">
+              <a:latin typeface="Arial"/>
+            </a:endParaRPr>
+          </a:p>
+        </p:txBody>
+      </p:sp>
+      <p:sp>
+        <p:nvSpPr>
+          <p:cNvPr id="22" name="PlaceHolder 2"/>
           <p:cNvSpPr>
             <a:spLocks noGrp="1"/>
           </p:cNvSpPr>
@@ -2779,8 +2650,8 @@
         </p:nvSpPr>
         <p:spPr>
           <a:xfrm>
-            <a:off x="1115640" y="2477880"/>
-            <a:ext cx="4961880" cy="1761840"/>
+            <a:off x="609480" y="1604520"/>
+            <a:ext cx="5354280" cy="1896840"/>
           </a:xfrm>
           <a:prstGeom prst="rect">
             <a:avLst/>
@@ -2791,18 +2662,15 @@
             <a:normAutofit/>
           </a:bodyPr>
           <a:p>
-            <a:endParaRPr b="0" lang="it-IT" sz="2800" spc="-1" strike="noStrike">
-              <a:solidFill>
-                <a:srgbClr val="000000"/>
-              </a:solidFill>
-              <a:latin typeface="Avenir Next LT Pro"/>
-            </a:endParaRPr>
-          </a:p>
-        </p:txBody>
-      </p:sp>
-      <p:sp>
-        <p:nvSpPr>
-          <p:cNvPr id="26" name="PlaceHolder 3"/>
+            <a:endParaRPr b="0" lang="en-US" sz="3200" spc="-1" strike="noStrike">
+              <a:latin typeface="Arial"/>
+            </a:endParaRPr>
+          </a:p>
+        </p:txBody>
+      </p:sp>
+      <p:sp>
+        <p:nvSpPr>
+          <p:cNvPr id="23" name="PlaceHolder 3"/>
           <p:cNvSpPr>
             <a:spLocks noGrp="1"/>
           </p:cNvSpPr>
@@ -2812,8 +2680,8 @@
         </p:nvSpPr>
         <p:spPr>
           <a:xfrm>
-            <a:off x="6325920" y="2477880"/>
-            <a:ext cx="4961880" cy="1761840"/>
+            <a:off x="6231960" y="1604520"/>
+            <a:ext cx="5354280" cy="1896840"/>
           </a:xfrm>
           <a:prstGeom prst="rect">
             <a:avLst/>
@@ -2824,18 +2692,15 @@
             <a:normAutofit/>
           </a:bodyPr>
           <a:p>
-            <a:endParaRPr b="0" lang="it-IT" sz="2800" spc="-1" strike="noStrike">
-              <a:solidFill>
-                <a:srgbClr val="000000"/>
-              </a:solidFill>
-              <a:latin typeface="Avenir Next LT Pro"/>
-            </a:endParaRPr>
-          </a:p>
-        </p:txBody>
-      </p:sp>
-      <p:sp>
-        <p:nvSpPr>
-          <p:cNvPr id="27" name="PlaceHolder 4"/>
+            <a:endParaRPr b="0" lang="en-US" sz="3200" spc="-1" strike="noStrike">
+              <a:latin typeface="Arial"/>
+            </a:endParaRPr>
+          </a:p>
+        </p:txBody>
+      </p:sp>
+      <p:sp>
+        <p:nvSpPr>
+          <p:cNvPr id="24" name="PlaceHolder 4"/>
           <p:cNvSpPr>
             <a:spLocks noGrp="1"/>
           </p:cNvSpPr>
@@ -2845,8 +2710,8 @@
         </p:nvSpPr>
         <p:spPr>
           <a:xfrm>
-            <a:off x="1115640" y="4407480"/>
-            <a:ext cx="10167840" cy="1761840"/>
+            <a:off x="609480" y="3682080"/>
+            <a:ext cx="10972440" cy="1896840"/>
           </a:xfrm>
           <a:prstGeom prst="rect">
             <a:avLst/>
@@ -2857,11 +2722,8 @@
             <a:normAutofit/>
           </a:bodyPr>
           <a:p>
-            <a:endParaRPr b="0" lang="it-IT" sz="2800" spc="-1" strike="noStrike">
-              <a:solidFill>
-                <a:srgbClr val="000000"/>
-              </a:solidFill>
-              <a:latin typeface="Avenir Next LT Pro"/>
+            <a:endParaRPr b="0" lang="en-US" sz="3200" spc="-1" strike="noStrike">
+              <a:latin typeface="Arial"/>
             </a:endParaRPr>
           </a:p>
         </p:txBody>
@@ -2897,182 +2759,14 @@
       </p:grpSpPr>
       <p:sp>
         <p:nvSpPr>
-          <p:cNvPr id="0" name="PlaceHolder 1"/>
-          <p:cNvSpPr>
-            <a:spLocks noGrp="1"/>
-          </p:cNvSpPr>
-          <p:nvPr>
-            <p:ph type="title"/>
-          </p:nvPr>
-        </p:nvSpPr>
-        <p:spPr>
-          <a:xfrm>
-            <a:off x="576000" y="1124640"/>
-            <a:ext cx="11036520" cy="3172680"/>
-          </a:xfrm>
-          <a:prstGeom prst="rect">
-            <a:avLst/>
-          </a:prstGeom>
-        </p:spPr>
-        <p:txBody>
-          <a:bodyPr anchor="b">
-            <a:normAutofit/>
-          </a:bodyPr>
-          <a:p>
-            <a:pPr>
-              <a:lnSpc>
-                <a:spcPct val="90000"/>
-              </a:lnSpc>
-            </a:pPr>
-            <a:r>
-              <a:rPr b="0" lang="it-IT" sz="8000" spc="-1" strike="noStrike">
-                <a:solidFill>
-                  <a:srgbClr val="000000"/>
-                </a:solidFill>
-                <a:latin typeface="Avenir Next LT Pro"/>
-              </a:rPr>
-              <a:t>Click to edit Master </a:t>
-            </a:r>
-            <a:r>
-              <a:rPr b="0" lang="it-IT" sz="8000" spc="-1" strike="noStrike">
-                <a:solidFill>
-                  <a:srgbClr val="000000"/>
-                </a:solidFill>
-                <a:latin typeface="Avenir Next LT Pro"/>
-              </a:rPr>
-              <a:t>title style</a:t>
-            </a:r>
-            <a:endParaRPr b="0" lang="it-IT" sz="8000" spc="-1" strike="noStrike">
-              <a:solidFill>
-                <a:srgbClr val="000000"/>
-              </a:solidFill>
-              <a:latin typeface="Avenir Next LT Pro"/>
-            </a:endParaRPr>
-          </a:p>
-        </p:txBody>
-      </p:sp>
-      <p:sp>
-        <p:nvSpPr>
-          <p:cNvPr id="1" name="PlaceHolder 2"/>
-          <p:cNvSpPr>
-            <a:spLocks noGrp="1"/>
-          </p:cNvSpPr>
-          <p:nvPr>
-            <p:ph type="dt"/>
-          </p:nvPr>
-        </p:nvSpPr>
-        <p:spPr>
-          <a:xfrm>
-            <a:off x="576000" y="6356520"/>
-            <a:ext cx="2742840" cy="364680"/>
-          </a:xfrm>
-          <a:prstGeom prst="rect">
-            <a:avLst/>
-          </a:prstGeom>
-        </p:spPr>
-        <p:txBody>
-          <a:bodyPr anchor="ctr"/>
-          <a:p>
-            <a:pPr>
-              <a:lnSpc>
-                <a:spcPct val="100000"/>
-              </a:lnSpc>
-            </a:pPr>
-            <a:fld id="{D6DB73F8-E558-411C-B00B-FA6F3949D542}" type="datetime">
-              <a:rPr b="0" lang="en-US" sz="1200" spc="-1" strike="noStrike">
-                <a:solidFill>
-                  <a:srgbClr val="8b8b8b"/>
-                </a:solidFill>
-                <a:latin typeface="Avenir Next LT Pro"/>
-              </a:rPr>
-              <a:t>1/22/20</a:t>
-            </a:fld>
-            <a:endParaRPr b="0" lang="en-US" sz="1200" spc="-1" strike="noStrike">
-              <a:latin typeface="Times New Roman"/>
-            </a:endParaRPr>
-          </a:p>
-        </p:txBody>
-      </p:sp>
-      <p:sp>
-        <p:nvSpPr>
-          <p:cNvPr id="2" name="PlaceHolder 3"/>
-          <p:cNvSpPr>
-            <a:spLocks noGrp="1"/>
-          </p:cNvSpPr>
-          <p:nvPr>
-            <p:ph type="ftr"/>
-          </p:nvPr>
-        </p:nvSpPr>
-        <p:spPr>
-          <a:xfrm>
-            <a:off x="4038480" y="6356520"/>
-            <a:ext cx="4114440" cy="364680"/>
-          </a:xfrm>
-          <a:prstGeom prst="rect">
-            <a:avLst/>
-          </a:prstGeom>
-        </p:spPr>
-        <p:txBody>
-          <a:bodyPr anchor="ctr"/>
-          <a:p>
-            <a:endParaRPr b="0" lang="en-US" sz="2400" spc="-1" strike="noStrike">
-              <a:latin typeface="Times New Roman"/>
-            </a:endParaRPr>
-          </a:p>
-        </p:txBody>
-      </p:sp>
-      <p:sp>
-        <p:nvSpPr>
-          <p:cNvPr id="3" name="PlaceHolder 4"/>
-          <p:cNvSpPr>
-            <a:spLocks noGrp="1"/>
-          </p:cNvSpPr>
-          <p:nvPr>
-            <p:ph type="sldNum"/>
-          </p:nvPr>
-        </p:nvSpPr>
-        <p:spPr>
-          <a:xfrm>
-            <a:off x="8869680" y="6356520"/>
-            <a:ext cx="2742840" cy="364680"/>
-          </a:xfrm>
-          <a:prstGeom prst="rect">
-            <a:avLst/>
-          </a:prstGeom>
-        </p:spPr>
-        <p:txBody>
-          <a:bodyPr anchor="ctr"/>
-          <a:p>
-            <a:pPr algn="r">
-              <a:lnSpc>
-                <a:spcPct val="100000"/>
-              </a:lnSpc>
-            </a:pPr>
-            <a:fld id="{EAB3E48D-E317-4C31-AF3F-A67BE6381C61}" type="slidenum">
-              <a:rPr b="0" lang="en-US" sz="1200" spc="-1" strike="noStrike">
-                <a:solidFill>
-                  <a:srgbClr val="8b8b8b"/>
-                </a:solidFill>
-                <a:latin typeface="Avenir Next LT Pro"/>
-              </a:rPr>
-              <a:t>&lt;number&gt;</a:t>
-            </a:fld>
-            <a:endParaRPr b="0" lang="en-US" sz="1200" spc="-1" strike="noStrike">
-              <a:latin typeface="Times New Roman"/>
-            </a:endParaRPr>
-          </a:p>
-        </p:txBody>
-      </p:sp>
-      <p:sp>
-        <p:nvSpPr>
-          <p:cNvPr id="4" name="CustomShape 5"/>
+          <p:cNvPr id="0" name="CustomShape 1"/>
           <p:cNvSpPr/>
           <p:nvPr/>
         </p:nvSpPr>
         <p:spPr>
           <a:xfrm rot="5400000">
-            <a:off x="857880" y="346320"/>
-            <a:ext cx="145800" cy="703800"/>
+            <a:off x="858240" y="345960"/>
+            <a:ext cx="145440" cy="703440"/>
           </a:xfrm>
           <a:prstGeom prst="rect">
             <a:avLst/>
@@ -3101,14 +2795,14 @@
       </p:sp>
       <p:sp>
         <p:nvSpPr>
-          <p:cNvPr id="5" name="CustomShape 6"/>
+          <p:cNvPr id="1" name="CustomShape 2"/>
           <p:cNvSpPr/>
           <p:nvPr/>
         </p:nvSpPr>
         <p:spPr>
           <a:xfrm flipV="1">
-            <a:off x="578520" y="4501080"/>
-            <a:ext cx="11034360" cy="18000"/>
+            <a:off x="578520" y="4499640"/>
+            <a:ext cx="11034000" cy="17640"/>
           </a:xfrm>
           <a:prstGeom prst="rect">
             <a:avLst/>
@@ -3140,7 +2834,43 @@
       </p:sp>
       <p:sp>
         <p:nvSpPr>
-          <p:cNvPr id="6" name="PlaceHolder 7"/>
+          <p:cNvPr id="2" name="PlaceHolder 3"/>
+          <p:cNvSpPr>
+            <a:spLocks noGrp="1"/>
+          </p:cNvSpPr>
+          <p:nvPr>
+            <p:ph type="title"/>
+          </p:nvPr>
+        </p:nvSpPr>
+        <p:spPr>
+          <a:xfrm>
+            <a:off x="1115640" y="548640"/>
+            <a:ext cx="10167480" cy="1179000"/>
+          </a:xfrm>
+          <a:prstGeom prst="rect">
+            <a:avLst/>
+          </a:prstGeom>
+        </p:spPr>
+        <p:txBody>
+          <a:bodyPr lIns="0" rIns="0" tIns="0" bIns="0" anchor="ctr">
+            <a:noAutofit/>
+          </a:bodyPr>
+          <a:p>
+            <a:r>
+              <a:rPr b="0" lang="en-US" sz="1800" spc="-1" strike="noStrike">
+                <a:latin typeface="Arial"/>
+              </a:rPr>
+              <a:t>Click to edit the title text format</a:t>
+            </a:r>
+            <a:endParaRPr b="0" lang="en-US" sz="1800" spc="-1" strike="noStrike">
+              <a:latin typeface="Arial"/>
+            </a:endParaRPr>
+          </a:p>
+        </p:txBody>
+      </p:sp>
+      <p:sp>
+        <p:nvSpPr>
+          <p:cNvPr id="3" name="PlaceHolder 4"/>
           <p:cNvSpPr>
             <a:spLocks noGrp="1"/>
           </p:cNvSpPr>
@@ -3174,19 +2904,13 @@
               <a:buChar char=""/>
             </a:pPr>
             <a:r>
-              <a:rPr b="0" lang="it-IT" sz="2800" spc="-1" strike="noStrike">
-                <a:solidFill>
-                  <a:srgbClr val="000000"/>
-                </a:solidFill>
-                <a:latin typeface="Avenir Next LT Pro"/>
+              <a:rPr b="0" lang="en-US" sz="3200" spc="-1" strike="noStrike">
+                <a:latin typeface="Arial"/>
               </a:rPr>
               <a:t>Click to edit the outline text format</a:t>
             </a:r>
-            <a:endParaRPr b="0" lang="it-IT" sz="2800" spc="-1" strike="noStrike">
-              <a:solidFill>
-                <a:srgbClr val="000000"/>
-              </a:solidFill>
-              <a:latin typeface="Avenir Next LT Pro"/>
+            <a:endParaRPr b="0" lang="en-US" sz="3200" spc="-1" strike="noStrike">
+              <a:latin typeface="Arial"/>
             </a:endParaRPr>
           </a:p>
           <a:p>
@@ -3202,19 +2926,13 @@
               <a:buChar char=""/>
             </a:pPr>
             <a:r>
-              <a:rPr b="0" lang="it-IT" sz="2000" spc="-1" strike="noStrike">
-                <a:solidFill>
-                  <a:srgbClr val="000000"/>
-                </a:solidFill>
-                <a:latin typeface="Avenir Next LT Pro"/>
+              <a:rPr b="0" lang="en-US" sz="2800" spc="-1" strike="noStrike">
+                <a:latin typeface="Arial"/>
               </a:rPr>
               <a:t>Second Outline Level</a:t>
             </a:r>
-            <a:endParaRPr b="0" lang="it-IT" sz="2000" spc="-1" strike="noStrike">
-              <a:solidFill>
-                <a:srgbClr val="000000"/>
-              </a:solidFill>
-              <a:latin typeface="Avenir Next LT Pro"/>
+            <a:endParaRPr b="0" lang="en-US" sz="2800" spc="-1" strike="noStrike">
+              <a:latin typeface="Arial"/>
             </a:endParaRPr>
           </a:p>
           <a:p>
@@ -3230,19 +2948,13 @@
               <a:buChar char=""/>
             </a:pPr>
             <a:r>
-              <a:rPr b="0" lang="it-IT" sz="1800" spc="-1" strike="noStrike">
-                <a:solidFill>
-                  <a:srgbClr val="000000"/>
-                </a:solidFill>
-                <a:latin typeface="Avenir Next LT Pro"/>
+              <a:rPr b="0" lang="en-US" sz="2400" spc="-1" strike="noStrike">
+                <a:latin typeface="Arial"/>
               </a:rPr>
               <a:t>Third Outline Level</a:t>
             </a:r>
-            <a:endParaRPr b="0" lang="it-IT" sz="1800" spc="-1" strike="noStrike">
-              <a:solidFill>
-                <a:srgbClr val="000000"/>
-              </a:solidFill>
-              <a:latin typeface="Avenir Next LT Pro"/>
+            <a:endParaRPr b="0" lang="en-US" sz="2400" spc="-1" strike="noStrike">
+              <a:latin typeface="Arial"/>
             </a:endParaRPr>
           </a:p>
           <a:p>
@@ -3258,19 +2970,13 @@
               <a:buChar char=""/>
             </a:pPr>
             <a:r>
-              <a:rPr b="0" lang="it-IT" sz="1800" spc="-1" strike="noStrike">
-                <a:solidFill>
-                  <a:srgbClr val="000000"/>
-                </a:solidFill>
-                <a:latin typeface="Avenir Next LT Pro"/>
+              <a:rPr b="0" lang="en-US" sz="2000" spc="-1" strike="noStrike">
+                <a:latin typeface="Arial"/>
               </a:rPr>
               <a:t>Fourth Outline Level</a:t>
             </a:r>
-            <a:endParaRPr b="0" lang="it-IT" sz="1800" spc="-1" strike="noStrike">
-              <a:solidFill>
-                <a:srgbClr val="000000"/>
-              </a:solidFill>
-              <a:latin typeface="Avenir Next LT Pro"/>
+            <a:endParaRPr b="0" lang="en-US" sz="2000" spc="-1" strike="noStrike">
+              <a:latin typeface="Arial"/>
             </a:endParaRPr>
           </a:p>
           <a:p>
@@ -3286,19 +2992,13 @@
               <a:buChar char=""/>
             </a:pPr>
             <a:r>
-              <a:rPr b="0" lang="it-IT" sz="2000" spc="-1" strike="noStrike">
-                <a:solidFill>
-                  <a:srgbClr val="000000"/>
-                </a:solidFill>
-                <a:latin typeface="Avenir Next LT Pro"/>
+              <a:rPr b="0" lang="en-US" sz="2000" spc="-1" strike="noStrike">
+                <a:latin typeface="Arial"/>
               </a:rPr>
               <a:t>Fifth Outline Level</a:t>
             </a:r>
-            <a:endParaRPr b="0" lang="it-IT" sz="2000" spc="-1" strike="noStrike">
-              <a:solidFill>
-                <a:srgbClr val="000000"/>
-              </a:solidFill>
-              <a:latin typeface="Avenir Next LT Pro"/>
+            <a:endParaRPr b="0" lang="en-US" sz="2000" spc="-1" strike="noStrike">
+              <a:latin typeface="Arial"/>
             </a:endParaRPr>
           </a:p>
           <a:p>
@@ -3314,19 +3014,13 @@
               <a:buChar char=""/>
             </a:pPr>
             <a:r>
-              <a:rPr b="0" lang="it-IT" sz="2000" spc="-1" strike="noStrike">
-                <a:solidFill>
-                  <a:srgbClr val="000000"/>
-                </a:solidFill>
-                <a:latin typeface="Avenir Next LT Pro"/>
+              <a:rPr b="0" lang="en-US" sz="2000" spc="-1" strike="noStrike">
+                <a:latin typeface="Arial"/>
               </a:rPr>
               <a:t>Sixth Outline Level</a:t>
             </a:r>
-            <a:endParaRPr b="0" lang="it-IT" sz="2000" spc="-1" strike="noStrike">
-              <a:solidFill>
-                <a:srgbClr val="000000"/>
-              </a:solidFill>
-              <a:latin typeface="Avenir Next LT Pro"/>
+            <a:endParaRPr b="0" lang="en-US" sz="2000" spc="-1" strike="noStrike">
+              <a:latin typeface="Arial"/>
             </a:endParaRPr>
           </a:p>
           <a:p>
@@ -3342,19 +3036,13 @@
               <a:buChar char=""/>
             </a:pPr>
             <a:r>
-              <a:rPr b="0" lang="it-IT" sz="2000" spc="-1" strike="noStrike">
-                <a:solidFill>
-                  <a:srgbClr val="000000"/>
-                </a:solidFill>
-                <a:latin typeface="Avenir Next LT Pro"/>
+              <a:rPr b="0" lang="en-US" sz="2000" spc="-1" strike="noStrike">
+                <a:latin typeface="Arial"/>
               </a:rPr>
               <a:t>Seventh Outline Level</a:t>
             </a:r>
-            <a:endParaRPr b="0" lang="it-IT" sz="2000" spc="-1" strike="noStrike">
-              <a:solidFill>
-                <a:srgbClr val="000000"/>
-              </a:solidFill>
-              <a:latin typeface="Avenir Next LT Pro"/>
+            <a:endParaRPr b="0" lang="en-US" sz="2000" spc="-1" strike="noStrike">
+              <a:latin typeface="Arial"/>
             </a:endParaRPr>
           </a:p>
         </p:txBody>
@@ -3405,18 +3093,21 @@
       </p:grpSpPr>
       <p:sp>
         <p:nvSpPr>
-          <p:cNvPr id="43" name="CustomShape 1"/>
+          <p:cNvPr id="40" name="CustomShape 1"/>
           <p:cNvSpPr/>
           <p:nvPr/>
         </p:nvSpPr>
         <p:spPr>
           <a:xfrm>
             <a:off x="558360" y="0"/>
-            <a:ext cx="11167200" cy="2018520"/>
-          </a:xfrm>
-          <a:prstGeom prst="rect">
-            <a:avLst/>
-          </a:prstGeom>
+            <a:ext cx="11166840" cy="2018160"/>
+          </a:xfrm>
+          <a:prstGeom prst="rect">
+            <a:avLst/>
+          </a:prstGeom>
+          <a:solidFill>
+            <a:srgbClr val="ffffff"/>
+          </a:solidFill>
           <a:ln w="9360">
             <a:solidFill>
               <a:schemeClr val="tx2">
@@ -3426,7 +3117,7 @@
             </a:solidFill>
           </a:ln>
           <a:effectLst>
-            <a:outerShdw algn="tl" blurRad="50800" dir="2700000" dist="38100" rotWithShape="0">
+            <a:outerShdw algn="tl" blurRad="50800" dir="2700000" dist="37674" rotWithShape="0">
               <a:schemeClr val="bg1">
                 <a:lumMod val="85000"/>
                 <a:alpha val="30000"/>
@@ -3451,18 +3142,21 @@
       </p:sp>
       <p:sp>
         <p:nvSpPr>
-          <p:cNvPr id="44" name="CustomShape 2"/>
+          <p:cNvPr id="41" name="CustomShape 2"/>
           <p:cNvSpPr/>
           <p:nvPr/>
         </p:nvSpPr>
         <p:spPr>
           <a:xfrm>
             <a:off x="567000" y="0"/>
-            <a:ext cx="11155320" cy="2011320"/>
-          </a:xfrm>
-          <a:prstGeom prst="rect">
-            <a:avLst/>
-          </a:prstGeom>
+            <a:ext cx="11154960" cy="2010960"/>
+          </a:xfrm>
+          <a:prstGeom prst="rect">
+            <a:avLst/>
+          </a:prstGeom>
+          <a:solidFill>
+            <a:srgbClr val="ffffff"/>
+          </a:solidFill>
           <a:ln w="9360">
             <a:noFill/>
           </a:ln>
@@ -3484,14 +3178,14 @@
       </p:sp>
       <p:sp>
         <p:nvSpPr>
-          <p:cNvPr id="45" name="CustomShape 3"/>
+          <p:cNvPr id="42" name="CustomShape 3"/>
           <p:cNvSpPr/>
           <p:nvPr/>
         </p:nvSpPr>
         <p:spPr>
           <a:xfrm>
             <a:off x="498960" y="787320"/>
-            <a:ext cx="127800" cy="703800"/>
+            <a:ext cx="127440" cy="703440"/>
           </a:xfrm>
           <a:prstGeom prst="rect">
             <a:avLst/>
@@ -3520,7 +3214,7 @@
       </p:sp>
       <p:sp>
         <p:nvSpPr>
-          <p:cNvPr id="46" name="PlaceHolder 4"/>
+          <p:cNvPr id="43" name="PlaceHolder 4"/>
           <p:cNvSpPr>
             <a:spLocks noGrp="1"/>
           </p:cNvSpPr>
@@ -3530,322 +3224,206 @@
         </p:nvSpPr>
         <p:spPr>
           <a:xfrm>
-            <a:off x="1115640" y="548640"/>
-            <a:ext cx="10167840" cy="1179360"/>
-          </a:xfrm>
-          <a:prstGeom prst="rect">
-            <a:avLst/>
-          </a:prstGeom>
-        </p:spPr>
-        <p:txBody>
-          <a:bodyPr anchor="ctr">
+            <a:off x="609480" y="273600"/>
+            <a:ext cx="10972440" cy="1144800"/>
+          </a:xfrm>
+          <a:prstGeom prst="rect">
+            <a:avLst/>
+          </a:prstGeom>
+        </p:spPr>
+        <p:txBody>
+          <a:bodyPr lIns="0" rIns="0" tIns="0" bIns="0" anchor="ctr">
+            <a:noAutofit/>
+          </a:bodyPr>
+          <a:p>
+            <a:pPr algn="ctr"/>
+            <a:r>
+              <a:rPr b="0" lang="en-US" sz="4400" spc="-1" strike="noStrike">
+                <a:latin typeface="Arial"/>
+              </a:rPr>
+              <a:t>Click to edit the title text format</a:t>
+            </a:r>
+            <a:endParaRPr b="0" lang="en-US" sz="4400" spc="-1" strike="noStrike">
+              <a:latin typeface="Arial"/>
+            </a:endParaRPr>
+          </a:p>
+        </p:txBody>
+      </p:sp>
+      <p:sp>
+        <p:nvSpPr>
+          <p:cNvPr id="44" name="PlaceHolder 5"/>
+          <p:cNvSpPr>
+            <a:spLocks noGrp="1"/>
+          </p:cNvSpPr>
+          <p:nvPr>
+            <p:ph type="body"/>
+          </p:nvPr>
+        </p:nvSpPr>
+        <p:spPr>
+          <a:xfrm>
+            <a:off x="609480" y="1604520"/>
+            <a:ext cx="10972440" cy="3977280"/>
+          </a:xfrm>
+          <a:prstGeom prst="rect">
+            <a:avLst/>
+          </a:prstGeom>
+        </p:spPr>
+        <p:txBody>
+          <a:bodyPr lIns="0" rIns="0" tIns="0" bIns="0">
             <a:normAutofit/>
           </a:bodyPr>
           <a:p>
-            <a:pPr>
-              <a:lnSpc>
-                <a:spcPct val="90000"/>
-              </a:lnSpc>
-            </a:pPr>
-            <a:r>
-              <a:rPr b="0" lang="it-IT" sz="4000" spc="-1" strike="noStrike">
-                <a:solidFill>
-                  <a:srgbClr val="000000"/>
-                </a:solidFill>
-                <a:latin typeface="Avenir Next LT Pro"/>
-              </a:rPr>
-              <a:t>Click to edit Master title style</a:t>
-            </a:r>
-            <a:endParaRPr b="0" lang="it-IT" sz="4000" spc="-1" strike="noStrike">
-              <a:solidFill>
-                <a:srgbClr val="000000"/>
-              </a:solidFill>
-              <a:latin typeface="Avenir Next LT Pro"/>
-            </a:endParaRPr>
-          </a:p>
-        </p:txBody>
-      </p:sp>
-      <p:sp>
-        <p:nvSpPr>
-          <p:cNvPr id="47" name="PlaceHolder 5"/>
-          <p:cNvSpPr>
-            <a:spLocks noGrp="1"/>
-          </p:cNvSpPr>
-          <p:nvPr>
-            <p:ph type="body"/>
-          </p:nvPr>
-        </p:nvSpPr>
-        <p:spPr>
-          <a:xfrm>
-            <a:off x="1115640" y="2477880"/>
-            <a:ext cx="10167840" cy="3693960"/>
-          </a:xfrm>
-          <a:prstGeom prst="rect">
-            <a:avLst/>
-          </a:prstGeom>
-        </p:spPr>
-        <p:txBody>
-          <a:bodyPr/>
-          <a:p>
-            <a:pPr marL="228600" indent="-228240">
-              <a:lnSpc>
-                <a:spcPct val="110000"/>
-              </a:lnSpc>
+            <a:pPr marL="432000" indent="-324000">
               <a:spcBef>
-                <a:spcPts val="1001"/>
+                <a:spcPts val="1417"/>
               </a:spcBef>
               <a:buClr>
                 <a:srgbClr val="000000"/>
               </a:buClr>
-              <a:buFont typeface="Arial"/>
-              <a:buChar char="•"/>
+              <a:buSzPct val="45000"/>
+              <a:buFont typeface="Wingdings" charset="2"/>
+              <a:buChar char=""/>
             </a:pPr>
             <a:r>
-              <a:rPr b="0" lang="it-IT" sz="2800" spc="-1" strike="noStrike">
-                <a:solidFill>
-                  <a:srgbClr val="000000"/>
-                </a:solidFill>
-                <a:latin typeface="Avenir Next LT Pro"/>
+              <a:rPr b="0" lang="en-US" sz="3200" spc="-1" strike="noStrike">
+                <a:latin typeface="Arial"/>
               </a:rPr>
-              <a:t>Click to edit Master text styles</a:t>
+              <a:t>Click to edit the outline text format</a:t>
             </a:r>
-            <a:endParaRPr b="0" lang="it-IT" sz="2800" spc="-1" strike="noStrike">
-              <a:solidFill>
-                <a:srgbClr val="000000"/>
-              </a:solidFill>
-              <a:latin typeface="Avenir Next LT Pro"/>
-            </a:endParaRPr>
-          </a:p>
-          <a:p>
-            <a:pPr lvl="1" marL="685800" indent="-228240">
-              <a:lnSpc>
-                <a:spcPct val="110000"/>
-              </a:lnSpc>
+            <a:endParaRPr b="0" lang="en-US" sz="3200" spc="-1" strike="noStrike">
+              <a:latin typeface="Arial"/>
+            </a:endParaRPr>
+          </a:p>
+          <a:p>
+            <a:pPr lvl="1" marL="864000" indent="-324000">
               <a:spcBef>
-                <a:spcPts val="499"/>
+                <a:spcPts val="1134"/>
               </a:spcBef>
               <a:buClr>
                 <a:srgbClr val="000000"/>
               </a:buClr>
-              <a:buFont typeface="Arial"/>
-              <a:buChar char="•"/>
+              <a:buSzPct val="75000"/>
+              <a:buFont typeface="Symbol" charset="2"/>
+              <a:buChar char=""/>
             </a:pPr>
             <a:r>
-              <a:rPr b="0" lang="it-IT" sz="2400" spc="-1" strike="noStrike">
-                <a:solidFill>
-                  <a:srgbClr val="000000"/>
-                </a:solidFill>
-                <a:latin typeface="Avenir Next LT Pro"/>
+              <a:rPr b="0" lang="en-US" sz="2800" spc="-1" strike="noStrike">
+                <a:latin typeface="Arial"/>
               </a:rPr>
-              <a:t>Second level</a:t>
+              <a:t>Second Outline Level</a:t>
             </a:r>
-            <a:endParaRPr b="0" lang="it-IT" sz="2400" spc="-1" strike="noStrike">
-              <a:solidFill>
-                <a:srgbClr val="000000"/>
-              </a:solidFill>
-              <a:latin typeface="Avenir Next LT Pro"/>
-            </a:endParaRPr>
-          </a:p>
-          <a:p>
-            <a:pPr lvl="2" marL="1143000" indent="-228240">
-              <a:lnSpc>
-                <a:spcPct val="110000"/>
-              </a:lnSpc>
+            <a:endParaRPr b="0" lang="en-US" sz="2800" spc="-1" strike="noStrike">
+              <a:latin typeface="Arial"/>
+            </a:endParaRPr>
+          </a:p>
+          <a:p>
+            <a:pPr lvl="2" marL="1296000" indent="-288000">
               <a:spcBef>
-                <a:spcPts val="499"/>
+                <a:spcPts val="850"/>
               </a:spcBef>
               <a:buClr>
                 <a:srgbClr val="000000"/>
               </a:buClr>
-              <a:buFont typeface="Arial"/>
-              <a:buChar char="•"/>
+              <a:buSzPct val="45000"/>
+              <a:buFont typeface="Wingdings" charset="2"/>
+              <a:buChar char=""/>
             </a:pPr>
             <a:r>
-              <a:rPr b="0" lang="it-IT" sz="2000" spc="-1" strike="noStrike">
-                <a:solidFill>
-                  <a:srgbClr val="000000"/>
-                </a:solidFill>
-                <a:latin typeface="Avenir Next LT Pro"/>
+              <a:rPr b="0" lang="en-US" sz="2400" spc="-1" strike="noStrike">
+                <a:latin typeface="Arial"/>
               </a:rPr>
-              <a:t>Third level</a:t>
+              <a:t>Third Outline Level</a:t>
             </a:r>
-            <a:endParaRPr b="0" lang="it-IT" sz="2000" spc="-1" strike="noStrike">
-              <a:solidFill>
-                <a:srgbClr val="000000"/>
-              </a:solidFill>
-              <a:latin typeface="Avenir Next LT Pro"/>
-            </a:endParaRPr>
-          </a:p>
-          <a:p>
-            <a:pPr lvl="3" marL="1600200" indent="-228240">
-              <a:lnSpc>
-                <a:spcPct val="110000"/>
-              </a:lnSpc>
+            <a:endParaRPr b="0" lang="en-US" sz="2400" spc="-1" strike="noStrike">
+              <a:latin typeface="Arial"/>
+            </a:endParaRPr>
+          </a:p>
+          <a:p>
+            <a:pPr lvl="3" marL="1728000" indent="-216000">
               <a:spcBef>
-                <a:spcPts val="499"/>
+                <a:spcPts val="567"/>
               </a:spcBef>
               <a:buClr>
                 <a:srgbClr val="000000"/>
               </a:buClr>
-              <a:buFont typeface="Arial"/>
-              <a:buChar char="•"/>
+              <a:buSzPct val="75000"/>
+              <a:buFont typeface="Symbol" charset="2"/>
+              <a:buChar char=""/>
             </a:pPr>
             <a:r>
-              <a:rPr b="0" lang="it-IT" sz="1800" spc="-1" strike="noStrike">
-                <a:solidFill>
-                  <a:srgbClr val="000000"/>
-                </a:solidFill>
-                <a:latin typeface="Avenir Next LT Pro"/>
+              <a:rPr b="0" lang="en-US" sz="2000" spc="-1" strike="noStrike">
+                <a:latin typeface="Arial"/>
               </a:rPr>
-              <a:t>Fourth level</a:t>
+              <a:t>Fourth Outline Level</a:t>
             </a:r>
-            <a:endParaRPr b="0" lang="it-IT" sz="1800" spc="-1" strike="noStrike">
-              <a:solidFill>
-                <a:srgbClr val="000000"/>
-              </a:solidFill>
-              <a:latin typeface="Avenir Next LT Pro"/>
-            </a:endParaRPr>
-          </a:p>
-          <a:p>
-            <a:pPr lvl="4" marL="2057400" indent="-228240">
-              <a:lnSpc>
-                <a:spcPct val="110000"/>
-              </a:lnSpc>
+            <a:endParaRPr b="0" lang="en-US" sz="2000" spc="-1" strike="noStrike">
+              <a:latin typeface="Arial"/>
+            </a:endParaRPr>
+          </a:p>
+          <a:p>
+            <a:pPr lvl="4" marL="2160000" indent="-216000">
               <a:spcBef>
-                <a:spcPts val="499"/>
+                <a:spcPts val="283"/>
               </a:spcBef>
               <a:buClr>
                 <a:srgbClr val="000000"/>
               </a:buClr>
-              <a:buFont typeface="Arial"/>
-              <a:buChar char="•"/>
+              <a:buSzPct val="45000"/>
+              <a:buFont typeface="Wingdings" charset="2"/>
+              <a:buChar char=""/>
             </a:pPr>
             <a:r>
-              <a:rPr b="0" lang="it-IT" sz="1800" spc="-1" strike="noStrike">
-                <a:solidFill>
-                  <a:srgbClr val="000000"/>
-                </a:solidFill>
-                <a:latin typeface="Avenir Next LT Pro"/>
+              <a:rPr b="0" lang="en-US" sz="2000" spc="-1" strike="noStrike">
+                <a:latin typeface="Arial"/>
               </a:rPr>
-              <a:t>Fifth level</a:t>
+              <a:t>Fifth Outline Level</a:t>
             </a:r>
-            <a:endParaRPr b="0" lang="it-IT" sz="1800" spc="-1" strike="noStrike">
-              <a:solidFill>
+            <a:endParaRPr b="0" lang="en-US" sz="2000" spc="-1" strike="noStrike">
+              <a:latin typeface="Arial"/>
+            </a:endParaRPr>
+          </a:p>
+          <a:p>
+            <a:pPr lvl="5" marL="2592000" indent="-216000">
+              <a:spcBef>
+                <a:spcPts val="283"/>
+              </a:spcBef>
+              <a:buClr>
                 <a:srgbClr val="000000"/>
-              </a:solidFill>
-              <a:latin typeface="Avenir Next LT Pro"/>
-            </a:endParaRPr>
-          </a:p>
-        </p:txBody>
-      </p:sp>
-      <p:sp>
-        <p:nvSpPr>
-          <p:cNvPr id="48" name="PlaceHolder 6"/>
-          <p:cNvSpPr>
-            <a:spLocks noGrp="1"/>
-          </p:cNvSpPr>
-          <p:nvPr>
-            <p:ph type="dt"/>
-          </p:nvPr>
-        </p:nvSpPr>
-        <p:spPr>
-          <a:xfrm>
-            <a:off x="1115640" y="6356520"/>
-            <a:ext cx="2742840" cy="364680"/>
-          </a:xfrm>
-          <a:prstGeom prst="rect">
-            <a:avLst/>
-          </a:prstGeom>
-        </p:spPr>
-        <p:txBody>
-          <a:bodyPr anchor="ctr"/>
-          <a:p>
-            <a:pPr>
-              <a:lnSpc>
-                <a:spcPct val="100000"/>
-              </a:lnSpc>
+              </a:buClr>
+              <a:buSzPct val="45000"/>
+              <a:buFont typeface="Wingdings" charset="2"/>
+              <a:buChar char=""/>
             </a:pPr>
-            <a:fld id="{C00AB855-2292-4F2D-A39D-68866508893E}" type="datetime">
-              <a:rPr b="0" lang="en-US" sz="1200" spc="-1" strike="noStrike">
-                <a:solidFill>
-                  <a:srgbClr val="8b8b8b"/>
-                </a:solidFill>
-                <a:latin typeface="Avenir Next LT Pro"/>
+            <a:r>
+              <a:rPr b="0" lang="en-US" sz="2000" spc="-1" strike="noStrike">
+                <a:latin typeface="Arial"/>
               </a:rPr>
-              <a:t>1/22/20</a:t>
-            </a:fld>
-            <a:endParaRPr b="0" lang="en-US" sz="1200" spc="-1" strike="noStrike">
-              <a:latin typeface="Times New Roman"/>
-            </a:endParaRPr>
-          </a:p>
-        </p:txBody>
-      </p:sp>
-      <p:sp>
-        <p:nvSpPr>
-          <p:cNvPr id="49" name="PlaceHolder 7"/>
-          <p:cNvSpPr>
-            <a:spLocks noGrp="1"/>
-          </p:cNvSpPr>
-          <p:nvPr>
-            <p:ph type="ftr"/>
-          </p:nvPr>
-        </p:nvSpPr>
-        <p:spPr>
-          <a:xfrm>
-            <a:off x="4038480" y="6356520"/>
-            <a:ext cx="4114440" cy="364680"/>
-          </a:xfrm>
-          <a:prstGeom prst="rect">
-            <a:avLst/>
-          </a:prstGeom>
-        </p:spPr>
-        <p:txBody>
-          <a:bodyPr anchor="ctr"/>
-          <a:p>
-            <a:endParaRPr b="0" lang="en-US" sz="2400" spc="-1" strike="noStrike">
-              <a:latin typeface="Times New Roman"/>
-            </a:endParaRPr>
-          </a:p>
-        </p:txBody>
-      </p:sp>
-      <p:sp>
-        <p:nvSpPr>
-          <p:cNvPr id="50" name="PlaceHolder 8"/>
-          <p:cNvSpPr>
-            <a:spLocks noGrp="1"/>
-          </p:cNvSpPr>
-          <p:nvPr>
-            <p:ph type="sldNum"/>
-          </p:nvPr>
-        </p:nvSpPr>
-        <p:spPr>
-          <a:xfrm>
-            <a:off x="8540640" y="6356520"/>
-            <a:ext cx="2742840" cy="364680"/>
-          </a:xfrm>
-          <a:prstGeom prst="rect">
-            <a:avLst/>
-          </a:prstGeom>
-        </p:spPr>
-        <p:txBody>
-          <a:bodyPr anchor="ctr"/>
-          <a:p>
-            <a:pPr algn="r">
-              <a:lnSpc>
-                <a:spcPct val="100000"/>
-              </a:lnSpc>
+              <a:t>Sixth Outline Level</a:t>
+            </a:r>
+            <a:endParaRPr b="0" lang="en-US" sz="2000" spc="-1" strike="noStrike">
+              <a:latin typeface="Arial"/>
+            </a:endParaRPr>
+          </a:p>
+          <a:p>
+            <a:pPr lvl="6" marL="3024000" indent="-216000">
+              <a:spcBef>
+                <a:spcPts val="283"/>
+              </a:spcBef>
+              <a:buClr>
+                <a:srgbClr val="000000"/>
+              </a:buClr>
+              <a:buSzPct val="45000"/>
+              <a:buFont typeface="Wingdings" charset="2"/>
+              <a:buChar char=""/>
             </a:pPr>
-            <a:fld id="{0F3BB88A-F3E8-49E8-B064-968923F1AAC1}" type="slidenum">
-              <a:rPr b="0" lang="en-US" sz="1200" spc="-1" strike="noStrike">
-                <a:solidFill>
-                  <a:srgbClr val="8b8b8b"/>
-                </a:solidFill>
-                <a:latin typeface="Avenir Next LT Pro"/>
+            <a:r>
+              <a:rPr b="0" lang="en-US" sz="2000" spc="-1" strike="noStrike">
+                <a:latin typeface="Arial"/>
               </a:rPr>
-              <a:t>1</a:t>
-            </a:fld>
-            <a:endParaRPr b="0" lang="en-US" sz="1200" spc="-1" strike="noStrike">
-              <a:latin typeface="Times New Roman"/>
+              <a:t>Seventh Outline Level</a:t>
+            </a:r>
+            <a:endParaRPr b="0" lang="en-US" sz="2000" spc="-1" strike="noStrike">
+              <a:latin typeface="Arial"/>
             </a:endParaRPr>
           </a:p>
         </p:txBody>
@@ -3896,14 +3474,14 @@
       </p:grpSpPr>
       <p:sp>
         <p:nvSpPr>
-          <p:cNvPr id="87" name="CustomShape 1"/>
+          <p:cNvPr id="81" name="CustomShape 1"/>
           <p:cNvSpPr/>
           <p:nvPr/>
         </p:nvSpPr>
         <p:spPr>
           <a:xfrm>
             <a:off x="0" y="0"/>
-            <a:ext cx="12191760" cy="6857640"/>
+            <a:ext cx="12191400" cy="6857280"/>
           </a:xfrm>
           <a:prstGeom prst="rect">
             <a:avLst/>
@@ -3932,7 +3510,7 @@
       </p:sp>
       <p:pic>
         <p:nvPicPr>
-          <p:cNvPr id="88" name="Picture 3" descr=""/>
+          <p:cNvPr id="82" name="Picture 3" descr=""/>
           <p:cNvPicPr/>
           <p:nvPr/>
         </p:nvPicPr>
@@ -3944,7 +3522,7 @@
         <p:spPr>
           <a:xfrm>
             <a:off x="4110120" y="0"/>
-            <a:ext cx="8081640" cy="6857640"/>
+            <a:ext cx="8081280" cy="6857280"/>
           </a:xfrm>
           <a:prstGeom prst="rect">
             <a:avLst/>
@@ -3956,14 +3534,14 @@
       </p:pic>
       <p:sp>
         <p:nvSpPr>
-          <p:cNvPr id="89" name="CustomShape 2"/>
+          <p:cNvPr id="83" name="CustomShape 2"/>
           <p:cNvSpPr/>
           <p:nvPr/>
         </p:nvSpPr>
         <p:spPr>
           <a:xfrm>
             <a:off x="0" y="0"/>
-            <a:ext cx="4958640" cy="6857640"/>
+            <a:ext cx="4958280" cy="6857280"/>
           </a:xfrm>
           <a:custGeom>
             <a:avLst/>
@@ -4013,7 +3591,7 @@
             </a:solidFill>
           </a:ln>
           <a:effectLst>
-            <a:outerShdw algn="l" blurRad="50800" dist="38100" rotWithShape="0">
+            <a:outerShdw algn="l" blurRad="50800" dist="38160" rotWithShape="0">
               <a:schemeClr val="bg1">
                 <a:lumMod val="85000"/>
                 <a:alpha val="30000"/>
@@ -4038,14 +3616,14 @@
       </p:sp>
       <p:sp>
         <p:nvSpPr>
-          <p:cNvPr id="90" name="CustomShape 3"/>
+          <p:cNvPr id="84" name="CustomShape 3"/>
           <p:cNvSpPr/>
           <p:nvPr/>
         </p:nvSpPr>
         <p:spPr>
           <a:xfrm>
             <a:off x="0" y="0"/>
-            <a:ext cx="4948560" cy="6857640"/>
+            <a:ext cx="4948200" cy="6857280"/>
           </a:xfrm>
           <a:custGeom>
             <a:avLst/>
@@ -4107,14 +3685,14 @@
       </p:sp>
       <p:sp>
         <p:nvSpPr>
-          <p:cNvPr id="91" name="TextShape 4"/>
-          <p:cNvSpPr txBox="1"/>
+          <p:cNvPr id="85" name="CustomShape 4"/>
+          <p:cNvSpPr/>
           <p:nvPr/>
         </p:nvSpPr>
         <p:spPr>
           <a:xfrm>
             <a:off x="478080" y="1122480"/>
-            <a:ext cx="4023000" cy="3203640"/>
+            <a:ext cx="4022640" cy="3203280"/>
           </a:xfrm>
           <a:prstGeom prst="rect">
             <a:avLst/>
@@ -4124,8 +3702,14 @@
             <a:noFill/>
           </a:ln>
         </p:spPr>
-        <p:txBody>
-          <a:bodyPr anchor="b">
+        <p:style>
+          <a:lnRef idx="0"/>
+          <a:fillRef idx="0"/>
+          <a:effectRef idx="0"/>
+          <a:fontRef idx="minor"/>
+        </p:style>
+        <p:txBody>
+          <a:bodyPr lIns="90000" rIns="90000" tIns="45000" bIns="45000" anchor="b">
             <a:normAutofit/>
           </a:bodyPr>
           <a:p>
@@ -4135,7 +3719,7 @@
               </a:lnSpc>
             </a:pPr>
             <a:r>
-              <a:rPr b="0" lang="it-IT" sz="4800" spc="-1" strike="noStrike">
+              <a:rPr b="0" lang="en-US" sz="4800" spc="-1" strike="noStrike">
                 <a:solidFill>
                   <a:srgbClr val="000000"/>
                 </a:solidFill>
@@ -4143,25 +3727,22 @@
               </a:rPr>
               <a:t>NPJohn</a:t>
             </a:r>
-            <a:endParaRPr b="0" lang="it-IT" sz="4800" spc="-1" strike="noStrike">
-              <a:solidFill>
-                <a:srgbClr val="000000"/>
-              </a:solidFill>
-              <a:latin typeface="Avenir Next LT Pro"/>
-            </a:endParaRPr>
-          </a:p>
-        </p:txBody>
-      </p:sp>
-      <p:sp>
-        <p:nvSpPr>
-          <p:cNvPr id="92" name="TextShape 5"/>
-          <p:cNvSpPr txBox="1"/>
+            <a:endParaRPr b="0" lang="en-US" sz="4800" spc="-1" strike="noStrike">
+              <a:latin typeface="Arial"/>
+            </a:endParaRPr>
+          </a:p>
+        </p:txBody>
+      </p:sp>
+      <p:sp>
+        <p:nvSpPr>
+          <p:cNvPr id="86" name="CustomShape 5"/>
+          <p:cNvSpPr/>
           <p:nvPr/>
         </p:nvSpPr>
         <p:spPr>
           <a:xfrm>
             <a:off x="478080" y="4872960"/>
-            <a:ext cx="3933000" cy="1207800"/>
+            <a:ext cx="3932640" cy="1207440"/>
           </a:xfrm>
           <a:prstGeom prst="rect">
             <a:avLst/>
@@ -4171,8 +3752,14 @@
             <a:noFill/>
           </a:ln>
         </p:spPr>
-        <p:txBody>
-          <a:bodyPr>
+        <p:style>
+          <a:lnRef idx="0"/>
+          <a:fillRef idx="0"/>
+          <a:effectRef idx="0"/>
+          <a:fontRef idx="minor"/>
+        </p:style>
+        <p:txBody>
+          <a:bodyPr lIns="90000" rIns="90000" tIns="45000" bIns="45000">
             <a:normAutofit/>
           </a:bodyPr>
           <a:p>
@@ -4201,14 +3788,14 @@
       </p:sp>
       <p:sp>
         <p:nvSpPr>
-          <p:cNvPr id="93" name="CustomShape 6"/>
+          <p:cNvPr id="87" name="CustomShape 6"/>
           <p:cNvSpPr/>
           <p:nvPr/>
         </p:nvSpPr>
         <p:spPr>
           <a:xfrm rot="5400000">
-            <a:off x="760320" y="346320"/>
-            <a:ext cx="145800" cy="703800"/>
+            <a:off x="760680" y="345960"/>
+            <a:ext cx="145440" cy="703440"/>
           </a:xfrm>
           <a:prstGeom prst="rect">
             <a:avLst/>
@@ -4237,14 +3824,14 @@
       </p:sp>
       <p:sp>
         <p:nvSpPr>
-          <p:cNvPr id="94" name="CustomShape 7"/>
+          <p:cNvPr id="88" name="CustomShape 7"/>
           <p:cNvSpPr/>
           <p:nvPr/>
         </p:nvSpPr>
         <p:spPr>
           <a:xfrm>
             <a:off x="480960" y="4546800"/>
-            <a:ext cx="4023000" cy="18000"/>
+            <a:ext cx="4022640" cy="17640"/>
           </a:xfrm>
           <a:prstGeom prst="rect">
             <a:avLst/>
@@ -4276,411 +3863,14 @@
       </p:sp>
     </p:spTree>
   </p:cSld>
-  <p:timing>
-    <p:tnLst>
-      <p:par>
-        <p:cTn id="1" dur="indefinite" restart="never" nodeType="tmRoot">
-          <p:childTnLst>
-            <p:seq>
-              <p:cTn id="2" dur="indefinite" nodeType="mainSeq"/>
-              <p:prevCondLst>
-                <p:cond delay="0" evt="onPrev">
-                  <p:tgtEl>
-                    <p:sldTgt/>
-                  </p:tgtEl>
-                </p:cond>
-              </p:prevCondLst>
-              <p:nextCondLst>
-                <p:cond delay="0" evt="onNext">
-                  <p:tgtEl>
-                    <p:sldTgt/>
-                  </p:tgtEl>
-                </p:cond>
-              </p:nextCondLst>
-            </p:seq>
-          </p:childTnLst>
-        </p:cTn>
-      </p:par>
-    </p:tnLst>
-  </p:timing>
-</p:sld>
-</file>
-
-<file path=ppt/slides/slide10.xml><?xml version="1.0" encoding="utf-8"?>
-<p:sld xmlns:a="http://schemas.openxmlformats.org/drawingml/2006/main" xmlns:p="http://schemas.openxmlformats.org/presentationml/2006/main" xmlns:r="http://schemas.openxmlformats.org/officeDocument/2006/relationships" xmlns:p14="http://schemas.microsoft.com/office/powerpoint/2010/main" xmlns:p15="http://schemas.microsoft.com/office/powerpoint/2012/main" xmlns:mc="http://schemas.openxmlformats.org/markup-compatibility/2006">
-  <p:cSld>
-    <p:spTree>
-      <p:nvGrpSpPr>
-        <p:cNvPr id="1" name=""/>
-        <p:cNvGrpSpPr/>
-        <p:nvPr/>
-      </p:nvGrpSpPr>
-      <p:grpSpPr>
-        <a:xfrm>
-          <a:off x="0" y="0"/>
-          <a:ext cx="0" cy="0"/>
-          <a:chOff x="0" y="0"/>
-          <a:chExt cx="0" cy="0"/>
-        </a:xfrm>
-      </p:grpSpPr>
-      <p:sp>
-        <p:nvSpPr>
-          <p:cNvPr id="111" name="TextShape 1"/>
-          <p:cNvSpPr txBox="1"/>
-          <p:nvPr/>
-        </p:nvSpPr>
-        <p:spPr>
-          <a:xfrm>
-            <a:off x="1115640" y="548640"/>
-            <a:ext cx="10167840" cy="1179360"/>
-          </a:xfrm>
-          <a:prstGeom prst="rect">
-            <a:avLst/>
-          </a:prstGeom>
-          <a:noFill/>
-          <a:ln>
-            <a:noFill/>
-          </a:ln>
-        </p:spPr>
-        <p:txBody>
-          <a:bodyPr anchor="ctr"/>
-          <a:p>
-            <a:pPr>
-              <a:lnSpc>
-                <a:spcPct val="90000"/>
-              </a:lnSpc>
-            </a:pPr>
-            <a:r>
-              <a:rPr b="0" lang="it-IT" sz="4000" spc="-1" strike="noStrike">
-                <a:solidFill>
-                  <a:srgbClr val="000000"/>
-                </a:solidFill>
-                <a:latin typeface="Avenir Next LT Pro"/>
-              </a:rPr>
-              <a:t>Flusso di Esecuzione</a:t>
-            </a:r>
-            <a:endParaRPr b="0" lang="it-IT" sz="4000" spc="-1" strike="noStrike">
-              <a:solidFill>
-                <a:srgbClr val="000000"/>
-              </a:solidFill>
-              <a:latin typeface="Avenir Next LT Pro"/>
-            </a:endParaRPr>
-          </a:p>
-        </p:txBody>
-      </p:sp>
-      <p:sp>
-        <p:nvSpPr>
-          <p:cNvPr id="112" name="CustomShape 2"/>
-          <p:cNvSpPr/>
-          <p:nvPr/>
-        </p:nvSpPr>
-        <p:spPr>
-          <a:xfrm>
-            <a:off x="4206240" y="3931920"/>
-            <a:ext cx="3657600" cy="822960"/>
-          </a:xfrm>
-          <a:prstGeom prst="rect">
-            <a:avLst/>
-          </a:prstGeom>
-          <a:solidFill>
-            <a:srgbClr val="729fcf"/>
-          </a:solidFill>
-          <a:ln>
-            <a:solidFill>
-              <a:srgbClr val="3465a4"/>
-            </a:solidFill>
-          </a:ln>
-        </p:spPr>
-        <p:style>
-          <a:lnRef idx="0"/>
-          <a:fillRef idx="0"/>
-          <a:effectRef idx="0"/>
-          <a:fontRef idx="minor"/>
-        </p:style>
-        <p:txBody>
-          <a:bodyPr wrap="none" lIns="90000" rIns="90000" tIns="45000" bIns="45000" anchor="ctr"/>
-          <a:p>
-            <a:pPr algn="ctr"/>
-            <a:r>
-              <a:rPr b="0" lang="en-US" sz="1800" spc="-1" strike="noStrike">
-                <a:latin typeface="Arial"/>
-              </a:rPr>
-              <a:t>Open Diagram</a:t>
-            </a:r>
-            <a:endParaRPr b="0" lang="en-US" sz="1800" spc="-1" strike="noStrike">
-              <a:latin typeface="Arial"/>
-            </a:endParaRPr>
-          </a:p>
-        </p:txBody>
-      </p:sp>
-    </p:spTree>
-  </p:cSld>
-  <p:timing>
-    <p:tnLst>
-      <p:par>
-        <p:cTn id="19" dur="indefinite" restart="never" nodeType="tmRoot">
-          <p:childTnLst>
-            <p:seq>
-              <p:cTn id="20" dur="indefinite" nodeType="mainSeq"/>
-              <p:prevCondLst>
-                <p:cond delay="0" evt="onPrev">
-                  <p:tgtEl>
-                    <p:sldTgt/>
-                  </p:tgtEl>
-                </p:cond>
-              </p:prevCondLst>
-              <p:nextCondLst>
-                <p:cond delay="0" evt="onNext">
-                  <p:tgtEl>
-                    <p:sldTgt/>
-                  </p:tgtEl>
-                </p:cond>
-              </p:nextCondLst>
-            </p:seq>
-          </p:childTnLst>
-        </p:cTn>
-      </p:par>
-    </p:tnLst>
-  </p:timing>
-</p:sld>
-</file>
-
-<file path=ppt/slides/slide11.xml><?xml version="1.0" encoding="utf-8"?>
-<p:sld xmlns:a="http://schemas.openxmlformats.org/drawingml/2006/main" xmlns:p="http://schemas.openxmlformats.org/presentationml/2006/main" xmlns:r="http://schemas.openxmlformats.org/officeDocument/2006/relationships" xmlns:p14="http://schemas.microsoft.com/office/powerpoint/2010/main" xmlns:p15="http://schemas.microsoft.com/office/powerpoint/2012/main" xmlns:mc="http://schemas.openxmlformats.org/markup-compatibility/2006">
-  <p:cSld>
-    <p:spTree>
-      <p:nvGrpSpPr>
-        <p:cNvPr id="1" name=""/>
-        <p:cNvGrpSpPr/>
-        <p:nvPr/>
-      </p:nvGrpSpPr>
-      <p:grpSpPr>
-        <a:xfrm>
-          <a:off x="0" y="0"/>
-          <a:ext cx="0" cy="0"/>
-          <a:chOff x="0" y="0"/>
-          <a:chExt cx="0" cy="0"/>
-        </a:xfrm>
-      </p:grpSpPr>
-      <p:sp>
-        <p:nvSpPr>
-          <p:cNvPr id="113" name="TextShape 1"/>
-          <p:cNvSpPr txBox="1"/>
-          <p:nvPr/>
-        </p:nvSpPr>
-        <p:spPr>
-          <a:xfrm>
-            <a:off x="1115640" y="548640"/>
-            <a:ext cx="10167840" cy="1179360"/>
-          </a:xfrm>
-          <a:prstGeom prst="rect">
-            <a:avLst/>
-          </a:prstGeom>
-          <a:noFill/>
-          <a:ln>
-            <a:noFill/>
-          </a:ln>
-        </p:spPr>
-        <p:txBody>
-          <a:bodyPr anchor="ctr"/>
-          <a:p>
-            <a:pPr>
-              <a:lnSpc>
-                <a:spcPct val="90000"/>
-              </a:lnSpc>
-            </a:pPr>
-            <a:r>
-              <a:rPr b="0" lang="it-IT" sz="4000" spc="-1" strike="noStrike">
-                <a:solidFill>
-                  <a:srgbClr val="000000"/>
-                </a:solidFill>
-                <a:latin typeface="Avenir Next LT Pro"/>
-              </a:rPr>
-              <a:t>Problematiche</a:t>
-            </a:r>
-            <a:r>
-              <a:rPr b="0" lang="it-IT" sz="4000" spc="-1" strike="noStrike">
-                <a:solidFill>
-                  <a:srgbClr val="000000"/>
-                </a:solidFill>
-                <a:latin typeface="Avenir Next LT Pro"/>
-              </a:rPr>
-              <a:t>	</a:t>
-            </a:r>
-            <a:endParaRPr b="0" lang="it-IT" sz="4000" spc="-1" strike="noStrike">
-              <a:solidFill>
-                <a:srgbClr val="000000"/>
-              </a:solidFill>
-              <a:latin typeface="Avenir Next LT Pro"/>
-            </a:endParaRPr>
-          </a:p>
-        </p:txBody>
-      </p:sp>
-      <p:sp>
-        <p:nvSpPr>
-          <p:cNvPr id="114" name="TextShape 2"/>
-          <p:cNvSpPr txBox="1"/>
-          <p:nvPr/>
-        </p:nvSpPr>
-        <p:spPr>
-          <a:xfrm>
-            <a:off x="1115640" y="2477880"/>
-            <a:ext cx="10167840" cy="3693960"/>
-          </a:xfrm>
-          <a:prstGeom prst="rect">
-            <a:avLst/>
-          </a:prstGeom>
-          <a:noFill/>
-          <a:ln>
-            <a:noFill/>
-          </a:ln>
-        </p:spPr>
-        <p:txBody>
-          <a:bodyPr anchor="ctr"/>
-          <a:p>
-            <a:pPr marL="216000" indent="-216000">
-              <a:lnSpc>
-                <a:spcPct val="110000"/>
-              </a:lnSpc>
-              <a:spcBef>
-                <a:spcPts val="1001"/>
-              </a:spcBef>
-              <a:buClr>
-                <a:srgbClr val="000000"/>
-              </a:buClr>
-              <a:buSzPct val="45000"/>
-              <a:buFont typeface="Wingdings" charset="2"/>
-              <a:buChar char=""/>
-            </a:pPr>
-            <a:r>
-              <a:rPr b="0" lang="it-IT" sz="2800" spc="-1" strike="noStrike">
-                <a:solidFill>
-                  <a:srgbClr val="000000"/>
-                </a:solidFill>
-                <a:latin typeface="Avenir Next LT Pro"/>
-              </a:rPr>
-              <a:t>LAN setup</a:t>
-            </a:r>
-            <a:br/>
-            <a:r>
-              <a:rPr b="0" lang="it-IT" sz="2800" spc="-1" strike="noStrike">
-                <a:solidFill>
-                  <a:srgbClr val="000000"/>
-                </a:solidFill>
-                <a:latin typeface="Avenir Next LT Pro"/>
-              </a:rPr>
-              <a:t> </a:t>
-            </a:r>
-            <a:endParaRPr b="0" lang="it-IT" sz="2800" spc="-1" strike="noStrike">
-              <a:solidFill>
-                <a:srgbClr val="000000"/>
-              </a:solidFill>
-              <a:latin typeface="Avenir Next LT Pro"/>
-            </a:endParaRPr>
-          </a:p>
-          <a:p>
-            <a:pPr marL="216000" indent="-216000">
-              <a:lnSpc>
-                <a:spcPct val="110000"/>
-              </a:lnSpc>
-              <a:spcBef>
-                <a:spcPts val="1001"/>
-              </a:spcBef>
-              <a:buClr>
-                <a:srgbClr val="000000"/>
-              </a:buClr>
-              <a:buSzPct val="45000"/>
-              <a:buFont typeface="Wingdings" charset="2"/>
-              <a:buChar char=""/>
-            </a:pPr>
-            <a:r>
-              <a:rPr b="0" lang="it-IT" sz="2800" spc="-1" strike="noStrike">
-                <a:solidFill>
-                  <a:srgbClr val="000000"/>
-                </a:solidFill>
-                <a:latin typeface="Avenir Next LT Pro"/>
-              </a:rPr>
-              <a:t>Distribuzione del carico</a:t>
-            </a:r>
-            <a:br/>
-            <a:r>
-              <a:rPr b="0" lang="it-IT" sz="2800" spc="-1" strike="noStrike">
-                <a:solidFill>
-                  <a:srgbClr val="000000"/>
-                </a:solidFill>
-                <a:latin typeface="Avenir Next LT Pro"/>
-              </a:rPr>
-              <a:t> </a:t>
-            </a:r>
-            <a:endParaRPr b="0" lang="it-IT" sz="2800" spc="-1" strike="noStrike">
-              <a:solidFill>
-                <a:srgbClr val="000000"/>
-              </a:solidFill>
-              <a:latin typeface="Avenir Next LT Pro"/>
-            </a:endParaRPr>
-          </a:p>
-          <a:p>
-            <a:pPr marL="216000" indent="-216000">
-              <a:lnSpc>
-                <a:spcPct val="110000"/>
-              </a:lnSpc>
-              <a:spcBef>
-                <a:spcPts val="1001"/>
-              </a:spcBef>
-              <a:buClr>
-                <a:srgbClr val="000000"/>
-              </a:buClr>
-              <a:buSzPct val="45000"/>
-              <a:buFont typeface="Wingdings" charset="2"/>
-              <a:buChar char=""/>
-            </a:pPr>
-            <a:r>
-              <a:rPr b="0" lang="it-IT" sz="2800" spc="-1" strike="noStrike">
-                <a:solidFill>
-                  <a:srgbClr val="000000"/>
-                </a:solidFill>
-                <a:latin typeface="Avenir Next LT Pro"/>
-              </a:rPr>
-              <a:t>Passaggio di messaggi</a:t>
-            </a:r>
-            <a:endParaRPr b="0" lang="it-IT" sz="2800" spc="-1" strike="noStrike">
-              <a:solidFill>
-                <a:srgbClr val="000000"/>
-              </a:solidFill>
-              <a:latin typeface="Avenir Next LT Pro"/>
-            </a:endParaRPr>
-          </a:p>
-        </p:txBody>
-      </p:sp>
-    </p:spTree>
-  </p:cSld>
-  <p:timing>
-    <p:tnLst>
-      <p:par>
-        <p:cTn id="21" dur="indefinite" restart="never" nodeType="tmRoot">
-          <p:childTnLst>
-            <p:seq>
-              <p:cTn id="22" dur="indefinite" nodeType="mainSeq"/>
-              <p:prevCondLst>
-                <p:cond delay="0" evt="onPrev">
-                  <p:tgtEl>
-                    <p:sldTgt/>
-                  </p:tgtEl>
-                </p:cond>
-              </p:prevCondLst>
-              <p:nextCondLst>
-                <p:cond delay="0" evt="onNext">
-                  <p:tgtEl>
-                    <p:sldTgt/>
-                  </p:tgtEl>
-                </p:cond>
-              </p:nextCondLst>
-            </p:seq>
-          </p:childTnLst>
-        </p:cTn>
-      </p:par>
-    </p:tnLst>
-  </p:timing>
+  <mc:AlternateContent>
+    <mc:Choice Requires="p14">
+      <p:transition spd="slow" p14:dur="2000"/>
+    </mc:Choice>
+    <mc:Fallback>
+      <p:transition spd="slow"/>
+    </mc:Fallback>
+  </mc:AlternateContent>
 </p:sld>
 </file>
 
@@ -4703,14 +3893,14 @@
       </p:grpSpPr>
       <p:sp>
         <p:nvSpPr>
-          <p:cNvPr id="95" name="TextShape 1"/>
-          <p:cNvSpPr txBox="1"/>
+          <p:cNvPr id="89" name="CustomShape 1"/>
+          <p:cNvSpPr/>
           <p:nvPr/>
         </p:nvSpPr>
         <p:spPr>
           <a:xfrm>
             <a:off x="1115640" y="548640"/>
-            <a:ext cx="10167840" cy="1179360"/>
+            <a:ext cx="10167480" cy="1179000"/>
           </a:xfrm>
           <a:prstGeom prst="rect">
             <a:avLst/>
@@ -4720,8 +3910,16 @@
             <a:noFill/>
           </a:ln>
         </p:spPr>
-        <p:txBody>
-          <a:bodyPr anchor="ctr"/>
+        <p:style>
+          <a:lnRef idx="0"/>
+          <a:fillRef idx="0"/>
+          <a:effectRef idx="0"/>
+          <a:fontRef idx="minor"/>
+        </p:style>
+        <p:txBody>
+          <a:bodyPr lIns="90000" rIns="90000" tIns="45000" bIns="45000" anchor="ctr">
+            <a:noAutofit/>
+          </a:bodyPr>
           <a:p>
             <a:pPr>
               <a:lnSpc>
@@ -4729,7 +3927,7 @@
               </a:lnSpc>
             </a:pPr>
             <a:r>
-              <a:rPr b="0" lang="it-IT" sz="4000" spc="-1" strike="noStrike">
+              <a:rPr b="0" lang="en-US" sz="4000" spc="-1" strike="noStrike">
                 <a:solidFill>
                   <a:srgbClr val="000000"/>
                 </a:solidFill>
@@ -4737,25 +3935,22 @@
               </a:rPr>
               <a:t>JTR in a nutshell</a:t>
             </a:r>
-            <a:endParaRPr b="0" lang="it-IT" sz="4000" spc="-1" strike="noStrike">
-              <a:solidFill>
-                <a:srgbClr val="000000"/>
-              </a:solidFill>
-              <a:latin typeface="Avenir Next LT Pro"/>
-            </a:endParaRPr>
-          </a:p>
-        </p:txBody>
-      </p:sp>
-      <p:sp>
-        <p:nvSpPr>
-          <p:cNvPr id="96" name="TextShape 2"/>
-          <p:cNvSpPr txBox="1"/>
+            <a:endParaRPr b="0" lang="en-US" sz="4000" spc="-1" strike="noStrike">
+              <a:latin typeface="Arial"/>
+            </a:endParaRPr>
+          </a:p>
+        </p:txBody>
+      </p:sp>
+      <p:sp>
+        <p:nvSpPr>
+          <p:cNvPr id="90" name="CustomShape 2"/>
+          <p:cNvSpPr/>
           <p:nvPr/>
         </p:nvSpPr>
         <p:spPr>
           <a:xfrm>
             <a:off x="1115640" y="2477880"/>
-            <a:ext cx="10167840" cy="3693960"/>
+            <a:ext cx="10167480" cy="3693600"/>
           </a:xfrm>
           <a:prstGeom prst="rect">
             <a:avLst/>
@@ -4765,12 +3960,18 @@
             <a:noFill/>
           </a:ln>
         </p:spPr>
-        <p:txBody>
-          <a:bodyPr>
-            <a:normAutofit/>
-          </a:bodyPr>
-          <a:p>
-            <a:pPr marL="228600" indent="-228240">
+        <p:style>
+          <a:lnRef idx="0"/>
+          <a:fillRef idx="0"/>
+          <a:effectRef idx="0"/>
+          <a:fontRef idx="minor"/>
+        </p:style>
+        <p:txBody>
+          <a:bodyPr lIns="90000" rIns="90000" tIns="45000" bIns="45000">
+            <a:normAutofit fontScale="81000"/>
+          </a:bodyPr>
+          <a:p>
+            <a:pPr marL="228600" indent="-227880">
               <a:lnSpc>
                 <a:spcPct val="110000"/>
               </a:lnSpc>
@@ -4784,52 +3985,30 @@
               <a:buChar char="•"/>
             </a:pPr>
             <a:r>
-              <a:rPr b="0" lang="it-IT" sz="2800" spc="-1" strike="noStrike">
+              <a:rPr b="0" lang="en-US" sz="2800" spc="-1" strike="noStrike">
                 <a:solidFill>
                   <a:srgbClr val="000000"/>
                 </a:solidFill>
                 <a:latin typeface="Avenir Next LT Pro"/>
               </a:rPr>
-              <a:t>John the Ripper è un software che viene utilizzato per crackare password. Esso opera provando un’enorme quantità di password,  e controllando, una per una, se una certa password è uguale a quella ricercata. Il vero e proprio controllo avviene sugli hash, dato che l’hash è l’unico indizio che si ha inizialmente sulla password. Quindi ogni volta che JTR deve provare una password, dovrà prima generare il suo hash con lo stesso algoritmo utilizzato per la password ricercata.</a:t>
+              <a:t>John the Ripper è un software che viene utilizzato per crackare password. Esso opera provando un’enorme quantità di password,  e controllando, una per una, se una certa password è uguale a quella ricercata. Il vero è proprio controllo avviene sugli hash, dato che l’hash è l’unico indizio che si ha inizialmente sulla password. Quindi ogni volta che JTR deve provare una password, dovrà prima generare il suo hash con lo stesso algoritmo utilizzato per la password ricercata.</a:t>
             </a:r>
-            <a:endParaRPr b="0" lang="it-IT" sz="2800" spc="-1" strike="noStrike">
-              <a:solidFill>
-                <a:srgbClr val="000000"/>
-              </a:solidFill>
-              <a:latin typeface="Avenir Next LT Pro"/>
+            <a:endParaRPr b="0" lang="en-US" sz="2800" spc="-1" strike="noStrike">
+              <a:latin typeface="Arial"/>
             </a:endParaRPr>
           </a:p>
         </p:txBody>
       </p:sp>
     </p:spTree>
   </p:cSld>
-  <p:timing>
-    <p:tnLst>
-      <p:par>
-        <p:cTn id="3" dur="indefinite" restart="never" nodeType="tmRoot">
-          <p:childTnLst>
-            <p:seq>
-              <p:cTn id="4" dur="indefinite" nodeType="mainSeq"/>
-              <p:prevCondLst>
-                <p:cond delay="0" evt="onPrev">
-                  <p:tgtEl>
-                    <p:sldTgt/>
-                  </p:tgtEl>
-                </p:cond>
-              </p:prevCondLst>
-              <p:nextCondLst>
-                <p:cond delay="0" evt="onNext">
-                  <p:tgtEl>
-                    <p:sldTgt/>
-                  </p:tgtEl>
-                </p:cond>
-              </p:nextCondLst>
-            </p:seq>
-          </p:childTnLst>
-        </p:cTn>
-      </p:par>
-    </p:tnLst>
-  </p:timing>
+  <mc:AlternateContent>
+    <mc:Choice Requires="p14">
+      <p:transition spd="slow" p14:dur="2000"/>
+    </mc:Choice>
+    <mc:Fallback>
+      <p:transition spd="slow"/>
+    </mc:Fallback>
+  </mc:AlternateContent>
 </p:sld>
 </file>
 
@@ -4852,14 +4031,14 @@
       </p:grpSpPr>
       <p:sp>
         <p:nvSpPr>
-          <p:cNvPr id="97" name="TextShape 1"/>
-          <p:cNvSpPr txBox="1"/>
+          <p:cNvPr id="91" name="CustomShape 1"/>
+          <p:cNvSpPr/>
           <p:nvPr/>
         </p:nvSpPr>
         <p:spPr>
           <a:xfrm>
             <a:off x="1115640" y="548640"/>
-            <a:ext cx="10167840" cy="1179360"/>
+            <a:ext cx="10167480" cy="1179000"/>
           </a:xfrm>
           <a:prstGeom prst="rect">
             <a:avLst/>
@@ -4869,8 +4048,16 @@
             <a:noFill/>
           </a:ln>
         </p:spPr>
-        <p:txBody>
-          <a:bodyPr anchor="ctr"/>
+        <p:style>
+          <a:lnRef idx="0"/>
+          <a:fillRef idx="0"/>
+          <a:effectRef idx="0"/>
+          <a:fontRef idx="minor"/>
+        </p:style>
+        <p:txBody>
+          <a:bodyPr lIns="90000" rIns="90000" tIns="45000" bIns="45000" anchor="ctr">
+            <a:noAutofit/>
+          </a:bodyPr>
           <a:p>
             <a:pPr>
               <a:lnSpc>
@@ -4878,7 +4065,7 @@
               </a:lnSpc>
             </a:pPr>
             <a:r>
-              <a:rPr b="0" lang="it-IT" sz="4000" spc="-1" strike="noStrike">
+              <a:rPr b="0" lang="en-US" sz="4000" spc="-1" strike="noStrike">
                 <a:solidFill>
                   <a:srgbClr val="000000"/>
                 </a:solidFill>
@@ -4886,25 +4073,22 @@
               </a:rPr>
               <a:t>Idea di base</a:t>
             </a:r>
-            <a:endParaRPr b="0" lang="it-IT" sz="4000" spc="-1" strike="noStrike">
-              <a:solidFill>
-                <a:srgbClr val="000000"/>
-              </a:solidFill>
-              <a:latin typeface="Avenir Next LT Pro"/>
-            </a:endParaRPr>
-          </a:p>
-        </p:txBody>
-      </p:sp>
-      <p:sp>
-        <p:nvSpPr>
-          <p:cNvPr id="98" name="TextShape 2"/>
-          <p:cNvSpPr txBox="1"/>
+            <a:endParaRPr b="0" lang="en-US" sz="4000" spc="-1" strike="noStrike">
+              <a:latin typeface="Arial"/>
+            </a:endParaRPr>
+          </a:p>
+        </p:txBody>
+      </p:sp>
+      <p:sp>
+        <p:nvSpPr>
+          <p:cNvPr id="92" name="CustomShape 2"/>
+          <p:cNvSpPr/>
           <p:nvPr/>
         </p:nvSpPr>
         <p:spPr>
           <a:xfrm>
             <a:off x="1115640" y="2477880"/>
-            <a:ext cx="10167840" cy="3693960"/>
+            <a:ext cx="10167480" cy="3693600"/>
           </a:xfrm>
           <a:prstGeom prst="rect">
             <a:avLst/>
@@ -4914,12 +4098,18 @@
             <a:noFill/>
           </a:ln>
         </p:spPr>
-        <p:txBody>
-          <a:bodyPr>
-            <a:normAutofit/>
-          </a:bodyPr>
-          <a:p>
-            <a:pPr marL="228600" indent="-228240">
+        <p:style>
+          <a:lnRef idx="0"/>
+          <a:fillRef idx="0"/>
+          <a:effectRef idx="0"/>
+          <a:fontRef idx="minor"/>
+        </p:style>
+        <p:txBody>
+          <a:bodyPr lIns="90000" rIns="90000" tIns="45000" bIns="45000">
+            <a:normAutofit fontScale="55000"/>
+          </a:bodyPr>
+          <a:p>
+            <a:pPr marL="228600" indent="-227880">
               <a:lnSpc>
                 <a:spcPct val="110000"/>
               </a:lnSpc>
@@ -4933,7 +4123,7 @@
               <a:buChar char="•"/>
             </a:pPr>
             <a:r>
-              <a:rPr b="0" lang="it-IT" sz="2800" spc="-1" strike="noStrike">
+              <a:rPr b="0" lang="en-US" sz="2800" spc="-1" strike="noStrike">
                 <a:solidFill>
                   <a:srgbClr val="000000"/>
                 </a:solidFill>
@@ -4941,15 +4131,12 @@
               </a:rPr>
               <a:t>Il lavoro di JTR è naturalmente sequenziale.  Ma sappiamo già all’inizio quali password dovremo provare.</a:t>
             </a:r>
-            <a:endParaRPr b="0" lang="it-IT" sz="2800" spc="-1" strike="noStrike">
-              <a:solidFill>
-                <a:srgbClr val="000000"/>
-              </a:solidFill>
-              <a:latin typeface="Avenir Next LT Pro"/>
-            </a:endParaRPr>
-          </a:p>
-          <a:p>
-            <a:pPr marL="228600" indent="-228240">
+            <a:endParaRPr b="0" lang="en-US" sz="2800" spc="-1" strike="noStrike">
+              <a:latin typeface="Arial"/>
+            </a:endParaRPr>
+          </a:p>
+          <a:p>
+            <a:pPr marL="228600" indent="-227880">
               <a:lnSpc>
                 <a:spcPct val="110000"/>
               </a:lnSpc>
@@ -4963,23 +4150,20 @@
               <a:buChar char="•"/>
             </a:pPr>
             <a:r>
-              <a:rPr b="0" lang="it-IT" sz="2800" spc="-1" strike="noStrike">
+              <a:rPr b="0" lang="en-US" sz="2800" spc="-1" strike="noStrike">
                 <a:solidFill>
                   <a:srgbClr val="000000"/>
                 </a:solidFill>
                 <a:latin typeface="Avenir Next LT Pro"/>
               </a:rPr>
-              <a:t>Allora possiamo suddividere il carico di lavoro su più di un core per ottenere della parallelizzazione è trovare il risultato voluto in una frazione del tempo.</a:t>
+              <a:t>Allora possiamo suddividere il carico di lavoro su più di un core per ottenere della parallelizzazione e trovare il risultato voluto in una frazione del tempo.</a:t>
             </a:r>
-            <a:endParaRPr b="0" lang="it-IT" sz="2800" spc="-1" strike="noStrike">
-              <a:solidFill>
-                <a:srgbClr val="000000"/>
-              </a:solidFill>
-              <a:latin typeface="Avenir Next LT Pro"/>
-            </a:endParaRPr>
-          </a:p>
-          <a:p>
-            <a:pPr marL="228600" indent="-228240">
+            <a:endParaRPr b="0" lang="en-US" sz="2800" spc="-1" strike="noStrike">
+              <a:latin typeface="Arial"/>
+            </a:endParaRPr>
+          </a:p>
+          <a:p>
+            <a:pPr marL="228600" indent="-227880">
               <a:lnSpc>
                 <a:spcPct val="110000"/>
               </a:lnSpc>
@@ -4993,7 +4177,7 @@
               <a:buChar char="•"/>
             </a:pPr>
             <a:r>
-              <a:rPr b="0" lang="it-IT" sz="2800" spc="-1" strike="noStrike">
+              <a:rPr b="0" lang="en-US" sz="2800" spc="-1" strike="noStrike">
                 <a:solidFill>
                   <a:srgbClr val="000000"/>
                 </a:solidFill>
@@ -5001,11 +4185,8 @@
               </a:rPr>
               <a:t>Inoltre, non è necessario che i core si trovino sulla stessa macchina, quindi possiamo ulteriormente dividere il carico su un cluster connesso in LAN (o, dato che la comunicazione tra core avviene di rado, anche via Internet!).</a:t>
             </a:r>
-            <a:endParaRPr b="0" lang="it-IT" sz="2800" spc="-1" strike="noStrike">
-              <a:solidFill>
-                <a:srgbClr val="000000"/>
-              </a:solidFill>
-              <a:latin typeface="Avenir Next LT Pro"/>
+            <a:endParaRPr b="0" lang="en-US" sz="2800" spc="-1" strike="noStrike">
+              <a:latin typeface="Arial"/>
             </a:endParaRPr>
           </a:p>
           <a:p>
@@ -5017,11 +4198,8 @@
                 <a:spcPts val="1001"/>
               </a:spcBef>
             </a:pPr>
-            <a:endParaRPr b="0" lang="it-IT" sz="2800" spc="-1" strike="noStrike">
-              <a:solidFill>
-                <a:srgbClr val="000000"/>
-              </a:solidFill>
-              <a:latin typeface="Avenir Next LT Pro"/>
+            <a:endParaRPr b="0" lang="en-US" sz="2800" spc="-1" strike="noStrike">
+              <a:latin typeface="Arial"/>
             </a:endParaRPr>
           </a:p>
           <a:p>
@@ -5033,44 +4211,22 @@
                 <a:spcPts val="1001"/>
               </a:spcBef>
             </a:pPr>
-            <a:endParaRPr b="0" lang="it-IT" sz="2800" spc="-1" strike="noStrike">
-              <a:solidFill>
-                <a:srgbClr val="000000"/>
-              </a:solidFill>
-              <a:latin typeface="Avenir Next LT Pro"/>
+            <a:endParaRPr b="0" lang="en-US" sz="2800" spc="-1" strike="noStrike">
+              <a:latin typeface="Arial"/>
             </a:endParaRPr>
           </a:p>
         </p:txBody>
       </p:sp>
     </p:spTree>
   </p:cSld>
-  <p:timing>
-    <p:tnLst>
-      <p:par>
-        <p:cTn id="5" dur="indefinite" restart="never" nodeType="tmRoot">
-          <p:childTnLst>
-            <p:seq>
-              <p:cTn id="6" dur="indefinite" nodeType="mainSeq"/>
-              <p:prevCondLst>
-                <p:cond delay="0" evt="onPrev">
-                  <p:tgtEl>
-                    <p:sldTgt/>
-                  </p:tgtEl>
-                </p:cond>
-              </p:prevCondLst>
-              <p:nextCondLst>
-                <p:cond delay="0" evt="onNext">
-                  <p:tgtEl>
-                    <p:sldTgt/>
-                  </p:tgtEl>
-                </p:cond>
-              </p:nextCondLst>
-            </p:seq>
-          </p:childTnLst>
-        </p:cTn>
-      </p:par>
-    </p:tnLst>
-  </p:timing>
+  <mc:AlternateContent>
+    <mc:Choice Requires="p14">
+      <p:transition spd="slow" p14:dur="2000"/>
+    </mc:Choice>
+    <mc:Fallback>
+      <p:transition spd="slow"/>
+    </mc:Fallback>
+  </mc:AlternateContent>
 </p:sld>
 </file>
 
@@ -5093,14 +4249,14 @@
       </p:grpSpPr>
       <p:sp>
         <p:nvSpPr>
-          <p:cNvPr id="99" name="TextShape 1"/>
-          <p:cNvSpPr txBox="1"/>
+          <p:cNvPr id="93" name="CustomShape 1"/>
+          <p:cNvSpPr/>
           <p:nvPr/>
         </p:nvSpPr>
         <p:spPr>
           <a:xfrm>
             <a:off x="1115640" y="548640"/>
-            <a:ext cx="10167840" cy="1179360"/>
+            <a:ext cx="10167480" cy="1179000"/>
           </a:xfrm>
           <a:prstGeom prst="rect">
             <a:avLst/>
@@ -5110,8 +4266,16 @@
             <a:noFill/>
           </a:ln>
         </p:spPr>
-        <p:txBody>
-          <a:bodyPr anchor="ctr"/>
+        <p:style>
+          <a:lnRef idx="0"/>
+          <a:fillRef idx="0"/>
+          <a:effectRef idx="0"/>
+          <a:fontRef idx="minor"/>
+        </p:style>
+        <p:txBody>
+          <a:bodyPr lIns="90000" rIns="90000" tIns="45000" bIns="45000" anchor="ctr">
+            <a:noAutofit/>
+          </a:bodyPr>
           <a:p>
             <a:pPr>
               <a:lnSpc>
@@ -5119,7 +4283,7 @@
               </a:lnSpc>
             </a:pPr>
             <a:r>
-              <a:rPr b="0" lang="it-IT" sz="4000" spc="-1" strike="noStrike">
+              <a:rPr b="0" lang="en-US" sz="4000" spc="-1" strike="noStrike">
                 <a:solidFill>
                   <a:srgbClr val="000000"/>
                 </a:solidFill>
@@ -5127,25 +4291,22 @@
               </a:rPr>
               <a:t>Software utilizzato</a:t>
             </a:r>
-            <a:endParaRPr b="0" lang="it-IT" sz="4000" spc="-1" strike="noStrike">
-              <a:solidFill>
-                <a:srgbClr val="000000"/>
-              </a:solidFill>
-              <a:latin typeface="Avenir Next LT Pro"/>
-            </a:endParaRPr>
-          </a:p>
-        </p:txBody>
-      </p:sp>
-      <p:sp>
-        <p:nvSpPr>
-          <p:cNvPr id="100" name="TextShape 2"/>
-          <p:cNvSpPr txBox="1"/>
+            <a:endParaRPr b="0" lang="en-US" sz="4000" spc="-1" strike="noStrike">
+              <a:latin typeface="Arial"/>
+            </a:endParaRPr>
+          </a:p>
+        </p:txBody>
+      </p:sp>
+      <p:sp>
+        <p:nvSpPr>
+          <p:cNvPr id="94" name="CustomShape 2"/>
+          <p:cNvSpPr/>
           <p:nvPr/>
         </p:nvSpPr>
         <p:spPr>
           <a:xfrm>
             <a:off x="1115640" y="2477880"/>
-            <a:ext cx="10167840" cy="3693960"/>
+            <a:ext cx="10167480" cy="3693600"/>
           </a:xfrm>
           <a:prstGeom prst="rect">
             <a:avLst/>
@@ -5155,10 +4316,18 @@
             <a:noFill/>
           </a:ln>
         </p:spPr>
-        <p:txBody>
-          <a:bodyPr/>
-          <a:p>
-            <a:pPr marL="228600" indent="-228240">
+        <p:style>
+          <a:lnRef idx="0"/>
+          <a:fillRef idx="0"/>
+          <a:effectRef idx="0"/>
+          <a:fontRef idx="minor"/>
+        </p:style>
+        <p:txBody>
+          <a:bodyPr lIns="90000" rIns="90000" tIns="45000" bIns="45000">
+            <a:noAutofit/>
+          </a:bodyPr>
+          <a:p>
+            <a:pPr marL="228600" indent="-227880">
               <a:lnSpc>
                 <a:spcPct val="110000"/>
               </a:lnSpc>
@@ -5172,7 +4341,7 @@
               <a:buChar char="•"/>
             </a:pPr>
             <a:r>
-              <a:rPr b="0" lang="it-IT" sz="2800" spc="-1" strike="noStrike">
+              <a:rPr b="0" lang="en-US" sz="2800" spc="-1" strike="noStrike">
                 <a:solidFill>
                   <a:srgbClr val="000000"/>
                 </a:solidFill>
@@ -5180,15 +4349,12 @@
               </a:rPr>
               <a:t>Per parallelizzare il lavoro viene usato MPI, che permette di avere il controllo dei singoli core della macchina dove si sta eseguendo.</a:t>
             </a:r>
-            <a:endParaRPr b="0" lang="it-IT" sz="2800" spc="-1" strike="noStrike">
-              <a:solidFill>
-                <a:srgbClr val="000000"/>
-              </a:solidFill>
-              <a:latin typeface="Avenir Next LT Pro"/>
-            </a:endParaRPr>
-          </a:p>
-          <a:p>
-            <a:pPr marL="228600" indent="-228240">
+            <a:endParaRPr b="0" lang="en-US" sz="2800" spc="-1" strike="noStrike">
+              <a:latin typeface="Arial"/>
+            </a:endParaRPr>
+          </a:p>
+          <a:p>
+            <a:pPr marL="228600" indent="-227880">
               <a:lnSpc>
                 <a:spcPct val="110000"/>
               </a:lnSpc>
@@ -5202,57 +4368,35 @@
               <a:buChar char="•"/>
             </a:pPr>
             <a:r>
-              <a:rPr b="0" lang="it-IT" sz="2800" spc="-1" strike="noStrike">
+              <a:rPr b="0" lang="en-US" sz="2800" spc="-1" strike="noStrike">
                 <a:solidFill>
                   <a:srgbClr val="000000"/>
                 </a:solidFill>
                 <a:latin typeface="Avenir Next LT Pro"/>
               </a:rPr>
-              <a:t>Nel caso di uso distribuito in rete, verrà utilizzato anche NFS che da modo di condividere la root directory del programma tra più macchine nel cluster.</a:t>
+              <a:t>Nel caso di uso distribuito in rete, verranno utilizzati SSH e NFS.</a:t>
             </a:r>
-            <a:endParaRPr b="0" lang="it-IT" sz="2800" spc="-1" strike="noStrike">
-              <a:solidFill>
-                <a:srgbClr val="000000"/>
-              </a:solidFill>
-              <a:latin typeface="Avenir Next LT Pro"/>
+            <a:endParaRPr b="0" lang="en-US" sz="2800" spc="-1" strike="noStrike">
+              <a:latin typeface="Arial"/>
             </a:endParaRPr>
           </a:p>
         </p:txBody>
       </p:sp>
     </p:spTree>
   </p:cSld>
-  <p:timing>
-    <p:tnLst>
-      <p:par>
-        <p:cTn id="7" dur="indefinite" restart="never" nodeType="tmRoot">
-          <p:childTnLst>
-            <p:seq>
-              <p:cTn id="8" dur="indefinite" nodeType="mainSeq"/>
-              <p:prevCondLst>
-                <p:cond delay="0" evt="onPrev">
-                  <p:tgtEl>
-                    <p:sldTgt/>
-                  </p:tgtEl>
-                </p:cond>
-              </p:prevCondLst>
-              <p:nextCondLst>
-                <p:cond delay="0" evt="onNext">
-                  <p:tgtEl>
-                    <p:sldTgt/>
-                  </p:tgtEl>
-                </p:cond>
-              </p:nextCondLst>
-            </p:seq>
-          </p:childTnLst>
-        </p:cTn>
-      </p:par>
-    </p:tnLst>
-  </p:timing>
+  <mc:AlternateContent>
+    <mc:Choice Requires="p14">
+      <p:transition spd="slow" p14:dur="2000"/>
+    </mc:Choice>
+    <mc:Fallback>
+      <p:transition spd="slow"/>
+    </mc:Fallback>
+  </mc:AlternateContent>
 </p:sld>
 </file>
 
 <file path=ppt/slides/slide5.xml><?xml version="1.0" encoding="utf-8"?>
-<p:sld xmlns:a="http://schemas.openxmlformats.org/drawingml/2006/main" xmlns:p="http://schemas.openxmlformats.org/presentationml/2006/main" xmlns:r="http://schemas.openxmlformats.org/officeDocument/2006/relationships" xmlns:p14="http://schemas.microsoft.com/office/powerpoint/2010/main" xmlns:p15="http://schemas.microsoft.com/office/powerpoint/2012/main" xmlns:mc="http://schemas.openxmlformats.org/markup-compatibility/2006" show="0">
+<p:sld xmlns:a="http://schemas.openxmlformats.org/drawingml/2006/main" xmlns:p="http://schemas.openxmlformats.org/presentationml/2006/main" xmlns:r="http://schemas.openxmlformats.org/officeDocument/2006/relationships" xmlns:p14="http://schemas.microsoft.com/office/powerpoint/2010/main" xmlns:p15="http://schemas.microsoft.com/office/powerpoint/2012/main" xmlns:mc="http://schemas.openxmlformats.org/markup-compatibility/2006">
   <p:cSld>
     <p:spTree>
       <p:nvGrpSpPr>
@@ -5270,14 +4414,14 @@
       </p:grpSpPr>
       <p:sp>
         <p:nvSpPr>
-          <p:cNvPr id="101" name="TextShape 1"/>
-          <p:cNvSpPr txBox="1"/>
+          <p:cNvPr id="95" name="CustomShape 1"/>
+          <p:cNvSpPr/>
           <p:nvPr/>
         </p:nvSpPr>
         <p:spPr>
           <a:xfrm>
             <a:off x="1115640" y="548640"/>
-            <a:ext cx="10167840" cy="1179360"/>
+            <a:ext cx="10167480" cy="1179000"/>
           </a:xfrm>
           <a:prstGeom prst="rect">
             <a:avLst/>
@@ -5287,8 +4431,16 @@
             <a:noFill/>
           </a:ln>
         </p:spPr>
-        <p:txBody>
-          <a:bodyPr anchor="ctr"/>
+        <p:style>
+          <a:lnRef idx="0"/>
+          <a:fillRef idx="0"/>
+          <a:effectRef idx="0"/>
+          <a:fontRef idx="minor"/>
+        </p:style>
+        <p:txBody>
+          <a:bodyPr lIns="90000" rIns="90000" tIns="45000" bIns="45000" anchor="ctr">
+            <a:noAutofit/>
+          </a:bodyPr>
           <a:p>
             <a:pPr>
               <a:lnSpc>
@@ -5296,33 +4448,30 @@
               </a:lnSpc>
             </a:pPr>
             <a:r>
-              <a:rPr b="0" lang="it-IT" sz="4000" spc="-1" strike="noStrike">
+              <a:rPr b="0" lang="en-US" sz="4000" spc="-1" strike="noStrike">
                 <a:solidFill>
                   <a:srgbClr val="000000"/>
                 </a:solidFill>
                 <a:latin typeface="Avenir Next LT Pro"/>
               </a:rPr>
-              <a:t>Architettura</a:t>
+              <a:t>Software utilizzato</a:t>
             </a:r>
-            <a:endParaRPr b="0" lang="it-IT" sz="4000" spc="-1" strike="noStrike">
-              <a:solidFill>
-                <a:srgbClr val="000000"/>
-              </a:solidFill>
-              <a:latin typeface="Avenir Next LT Pro"/>
-            </a:endParaRPr>
-          </a:p>
-        </p:txBody>
-      </p:sp>
-      <p:sp>
-        <p:nvSpPr>
-          <p:cNvPr id="102" name="TextShape 2"/>
-          <p:cNvSpPr txBox="1"/>
+            <a:endParaRPr b="0" lang="en-US" sz="4000" spc="-1" strike="noStrike">
+              <a:latin typeface="Arial"/>
+            </a:endParaRPr>
+          </a:p>
+        </p:txBody>
+      </p:sp>
+      <p:sp>
+        <p:nvSpPr>
+          <p:cNvPr id="96" name="CustomShape 2"/>
+          <p:cNvSpPr/>
           <p:nvPr/>
         </p:nvSpPr>
         <p:spPr>
           <a:xfrm>
             <a:off x="1115640" y="2477880"/>
-            <a:ext cx="10167840" cy="3693960"/>
+            <a:ext cx="10167480" cy="3693600"/>
           </a:xfrm>
           <a:prstGeom prst="rect">
             <a:avLst/>
@@ -5332,10 +4481,18 @@
             <a:noFill/>
           </a:ln>
         </p:spPr>
-        <p:txBody>
-          <a:bodyPr/>
-          <a:p>
-            <a:pPr marL="228600" indent="-228240">
+        <p:style>
+          <a:lnRef idx="0"/>
+          <a:fillRef idx="0"/>
+          <a:effectRef idx="0"/>
+          <a:fontRef idx="minor"/>
+        </p:style>
+        <p:txBody>
+          <a:bodyPr lIns="90000" rIns="90000" tIns="45000" bIns="45000">
+            <a:noAutofit/>
+          </a:bodyPr>
+          <a:p>
+            <a:pPr marL="228600" indent="-227880">
               <a:lnSpc>
                 <a:spcPct val="110000"/>
               </a:lnSpc>
@@ -5349,23 +4506,20 @@
               <a:buChar char="•"/>
             </a:pPr>
             <a:r>
-              <a:rPr b="0" lang="it-IT" sz="2800" spc="-1" strike="noStrike">
+              <a:rPr b="0" lang="en-US" sz="2800" spc="-1" strike="noStrike">
                 <a:solidFill>
                   <a:srgbClr val="000000"/>
                 </a:solidFill>
                 <a:latin typeface="Avenir Next LT Pro"/>
               </a:rPr>
-              <a:t>Il gruppo di password da provare viene suddiviso tra i vari core per range alfanumerici (es. le password che iniziano con lettere dalla »a» alla «c» andranno al primo core, dalla «d» alla «f» al secondo core, ecc... Ovviamente la lunghezza dei range dipende da quanti core si hanno a disposizione.</a:t>
+              <a:t>SSH viene utilizzato per permettere al master node di accedere in remoto agli slave tramite meccanismo di chiave asimmetrica. In particolare viene utilizzato RSA come meccanismo di autenticazione.</a:t>
             </a:r>
-            <a:endParaRPr b="0" lang="it-IT" sz="2800" spc="-1" strike="noStrike">
-              <a:solidFill>
-                <a:srgbClr val="000000"/>
-              </a:solidFill>
-              <a:latin typeface="Avenir Next LT Pro"/>
-            </a:endParaRPr>
-          </a:p>
-          <a:p>
-            <a:pPr marL="228600" indent="-228240">
+            <a:endParaRPr b="0" lang="en-US" sz="2800" spc="-1" strike="noStrike">
+              <a:latin typeface="Arial"/>
+            </a:endParaRPr>
+          </a:p>
+          <a:p>
+            <a:pPr marL="228600" indent="-227880">
               <a:lnSpc>
                 <a:spcPct val="110000"/>
               </a:lnSpc>
@@ -5379,52 +4533,40 @@
               <a:buChar char="•"/>
             </a:pPr>
             <a:r>
-              <a:rPr b="0" lang="it-IT" sz="2800" spc="-1" strike="noStrike">
+              <a:rPr b="0" lang="en-US" sz="2800" spc="-1" strike="noStrike">
+                <a:solidFill>
+                  <a:srgbClr val="000000"/>
+                </a:solidFill>
+                <a:latin typeface="Avenir Next LT Pro"/>
+                <a:ea typeface="Noto Sans CJK SC"/>
+              </a:rPr>
+              <a:t>NFS viene utilizzato per montare in remoto il filesystem del master </a:t>
+            </a:r>
+            <a:r>
+              <a:rPr b="0" lang="en-US" sz="2800" spc="-1" strike="noStrike">
                 <a:solidFill>
                   <a:srgbClr val="000000"/>
                 </a:solidFill>
                 <a:latin typeface="Avenir Next LT Pro"/>
               </a:rPr>
-              <a:t>Ci sono più modalità di utilizzo: ...</a:t>
+              <a:t>sugli slave. Quindi questi ultimi avranno accesso alla directory condivisa.</a:t>
             </a:r>
-            <a:endParaRPr b="0" lang="it-IT" sz="2800" spc="-1" strike="noStrike">
-              <a:solidFill>
-                <a:srgbClr val="000000"/>
-              </a:solidFill>
-              <a:latin typeface="Avenir Next LT Pro"/>
+            <a:endParaRPr b="0" lang="en-US" sz="2800" spc="-1" strike="noStrike">
+              <a:latin typeface="Arial"/>
             </a:endParaRPr>
           </a:p>
         </p:txBody>
       </p:sp>
     </p:spTree>
   </p:cSld>
-  <p:timing>
-    <p:tnLst>
-      <p:par>
-        <p:cTn id="9" dur="indefinite" restart="never" nodeType="tmRoot">
-          <p:childTnLst>
-            <p:seq>
-              <p:cTn id="10" dur="indefinite" nodeType="mainSeq"/>
-              <p:prevCondLst>
-                <p:cond delay="0" evt="onPrev">
-                  <p:tgtEl>
-                    <p:sldTgt/>
-                  </p:tgtEl>
-                </p:cond>
-              </p:prevCondLst>
-              <p:nextCondLst>
-                <p:cond delay="0" evt="onNext">
-                  <p:tgtEl>
-                    <p:sldTgt/>
-                  </p:tgtEl>
-                </p:cond>
-              </p:nextCondLst>
-            </p:seq>
-          </p:childTnLst>
-        </p:cTn>
-      </p:par>
-    </p:tnLst>
-  </p:timing>
+  <mc:AlternateContent>
+    <mc:Choice Requires="p14">
+      <p:transition spd="slow" p14:dur="2000"/>
+    </mc:Choice>
+    <mc:Fallback>
+      <p:transition spd="slow"/>
+    </mc:Fallback>
+  </mc:AlternateContent>
 </p:sld>
 </file>
 
@@ -5447,14 +4589,14 @@
       </p:grpSpPr>
       <p:sp>
         <p:nvSpPr>
-          <p:cNvPr id="103" name="TextShape 1"/>
-          <p:cNvSpPr txBox="1"/>
+          <p:cNvPr id="97" name="CustomShape 1"/>
+          <p:cNvSpPr/>
           <p:nvPr/>
         </p:nvSpPr>
         <p:spPr>
           <a:xfrm>
             <a:off x="1115640" y="548640"/>
-            <a:ext cx="10167840" cy="1179360"/>
+            <a:ext cx="10167480" cy="1179000"/>
           </a:xfrm>
           <a:prstGeom prst="rect">
             <a:avLst/>
@@ -5464,8 +4606,16 @@
             <a:noFill/>
           </a:ln>
         </p:spPr>
-        <p:txBody>
-          <a:bodyPr anchor="ctr"/>
+        <p:style>
+          <a:lnRef idx="0"/>
+          <a:fillRef idx="0"/>
+          <a:effectRef idx="0"/>
+          <a:fontRef idx="minor"/>
+        </p:style>
+        <p:txBody>
+          <a:bodyPr lIns="90000" rIns="90000" tIns="45000" bIns="45000" anchor="ctr">
+            <a:noAutofit/>
+          </a:bodyPr>
           <a:p>
             <a:pPr>
               <a:lnSpc>
@@ -5473,7 +4623,7 @@
               </a:lnSpc>
             </a:pPr>
             <a:r>
-              <a:rPr b="0" lang="it-IT" sz="4000" spc="-1" strike="noStrike">
+              <a:rPr b="0" lang="en-US" sz="4000" spc="-1" strike="noStrike">
                 <a:solidFill>
                   <a:srgbClr val="000000"/>
                 </a:solidFill>
@@ -5481,25 +4631,22 @@
               </a:rPr>
               <a:t>Architettura</a:t>
             </a:r>
-            <a:endParaRPr b="0" lang="it-IT" sz="4000" spc="-1" strike="noStrike">
-              <a:solidFill>
-                <a:srgbClr val="000000"/>
-              </a:solidFill>
-              <a:latin typeface="Avenir Next LT Pro"/>
-            </a:endParaRPr>
-          </a:p>
-        </p:txBody>
-      </p:sp>
-      <p:sp>
-        <p:nvSpPr>
-          <p:cNvPr id="104" name="TextShape 2"/>
-          <p:cNvSpPr txBox="1"/>
+            <a:endParaRPr b="0" lang="en-US" sz="4000" spc="-1" strike="noStrike">
+              <a:latin typeface="Arial"/>
+            </a:endParaRPr>
+          </a:p>
+        </p:txBody>
+      </p:sp>
+      <p:sp>
+        <p:nvSpPr>
+          <p:cNvPr id="98" name="CustomShape 2"/>
+          <p:cNvSpPr/>
           <p:nvPr/>
         </p:nvSpPr>
         <p:spPr>
           <a:xfrm>
-            <a:off x="1110600" y="2477880"/>
-            <a:ext cx="10170360" cy="3693960"/>
+            <a:off x="1115640" y="2477880"/>
+            <a:ext cx="10167480" cy="3693600"/>
           </a:xfrm>
           <a:prstGeom prst="rect">
             <a:avLst/>
@@ -5509,8 +4656,16 @@
             <a:noFill/>
           </a:ln>
         </p:spPr>
-        <p:txBody>
-          <a:bodyPr/>
+        <p:style>
+          <a:lnRef idx="0"/>
+          <a:fillRef idx="0"/>
+          <a:effectRef idx="0"/>
+          <a:fontRef idx="minor"/>
+        </p:style>
+        <p:txBody>
+          <a:bodyPr lIns="90000" rIns="90000" tIns="45000" bIns="45000">
+            <a:noAutofit/>
+          </a:bodyPr>
           <a:p>
             <a:pPr>
               <a:lnSpc>
@@ -5521,40 +4676,17 @@
               </a:spcBef>
             </a:pPr>
             <a:r>
-              <a:rPr b="0" lang="it-IT" sz="2800" spc="-1" strike="noStrike">
+              <a:rPr b="0" lang="en-US" sz="2800" spc="-1" strike="noStrike">
                 <a:solidFill>
                   <a:srgbClr val="000000"/>
                 </a:solidFill>
                 <a:latin typeface="Avenir Next LT Pro"/>
                 <a:ea typeface="Noto Sans CJK SC"/>
               </a:rPr>
-              <a:t>Il gruppo di password da provare viene suddiviso tra i </a:t>
+              <a:t>Il gruppo di password da provare viene suddiviso tra i vari core, assegnando ad ognuno solamente una parte del carico di lavoro. </a:t>
             </a:r>
-            <a:r>
-              <a:rPr b="0" lang="it-IT" sz="2800" spc="-1" strike="noStrike">
-                <a:solidFill>
-                  <a:srgbClr val="000000"/>
-                </a:solidFill>
-                <a:latin typeface="Avenir Next LT Pro"/>
-                <a:ea typeface="Noto Sans CJK SC"/>
-              </a:rPr>
-              <a:t>vari core modularmente nel numero di core a </a:t>
-            </a:r>
-            <a:r>
-              <a:rPr b="0" lang="it-IT" sz="2800" spc="-1" strike="noStrike">
-                <a:solidFill>
-                  <a:srgbClr val="000000"/>
-                </a:solidFill>
-                <a:latin typeface="Avenir Next LT Pro"/>
-                <a:ea typeface="Noto Sans CJK SC"/>
-              </a:rPr>
-              <a:t>disposizione.</a:t>
-            </a:r>
-            <a:endParaRPr b="0" lang="it-IT" sz="2800" spc="-1" strike="noStrike">
-              <a:solidFill>
-                <a:srgbClr val="000000"/>
-              </a:solidFill>
-              <a:latin typeface="Avenir Next LT Pro"/>
+            <a:endParaRPr b="0" lang="en-US" sz="2800" spc="-1" strike="noStrike">
+              <a:latin typeface="Arial"/>
             </a:endParaRPr>
           </a:p>
           <a:p>
@@ -5567,84 +4699,107 @@
               </a:spcBef>
             </a:pPr>
             <a:r>
-              <a:rPr b="0" lang="it-IT" sz="2800" spc="-1" strike="noStrike">
+              <a:rPr b="0" lang="en-US" sz="2800" spc="-1" strike="noStrike">
                 <a:solidFill>
                   <a:srgbClr val="000000"/>
                 </a:solidFill>
                 <a:latin typeface="Avenir Next LT Pro"/>
                 <a:ea typeface="Noto Sans CJK SC"/>
               </a:rPr>
-              <a:t>Esempio:</a:t>
+              <a:t>La logica di suddivisione è la seguente:</a:t>
             </a:r>
+            <a:endParaRPr b="0" lang="en-US" sz="2800" spc="-1" strike="noStrike">
+              <a:latin typeface="Arial"/>
+            </a:endParaRPr>
+          </a:p>
+          <a:p>
+            <a:pPr>
+              <a:lnSpc>
+                <a:spcPct val="110000"/>
+              </a:lnSpc>
+              <a:spcBef>
+                <a:spcPts val="1001"/>
+              </a:spcBef>
+            </a:pPr>
+            <a:br/>
             <a:r>
-              <a:rPr b="0" lang="it-IT" sz="2800" spc="-1" strike="noStrike">
+              <a:rPr b="1" lang="en-US" sz="2800" spc="-1" strike="noStrike">
                 <a:solidFill>
                   <a:srgbClr val="000000"/>
                 </a:solidFill>
                 <a:latin typeface="Avenir Next LT Pro"/>
                 <a:ea typeface="Noto Sans CJK SC"/>
               </a:rPr>
-              <a:t>	</a:t>
+              <a:t>core_0</a:t>
             </a:r>
-            <a:br/>
             <a:r>
-              <a:rPr b="0" lang="it-IT" sz="2800" spc="-1" strike="noStrike">
+              <a:rPr b="0" lang="en-US" sz="2800" spc="-1" strike="noStrike">
                 <a:solidFill>
                   <a:srgbClr val="000000"/>
                 </a:solidFill>
                 <a:latin typeface="Avenir Next LT Pro"/>
                 <a:ea typeface="Noto Sans CJK SC"/>
               </a:rPr>
-              <a:t>core_0 tutte le password di indice==0 mod world_size</a:t>
+              <a:t> analizza le password di indice k*world_size</a:t>
             </a:r>
             <a:br/>
             <a:r>
-              <a:rPr b="0" lang="it-IT" sz="2800" spc="-1" strike="noStrike">
+              <a:rPr b="1" lang="en-US" sz="2800" spc="-1" strike="noStrike">
                 <a:solidFill>
                   <a:srgbClr val="000000"/>
                 </a:solidFill>
                 <a:latin typeface="Avenir Next LT Pro"/>
+                <a:ea typeface="Noto Sans CJK SC"/>
               </a:rPr>
-              <a:t>core_1 tutte le password di indice==1 mod world_size</a:t>
+              <a:t>core_1</a:t>
             </a:r>
-            <a:endParaRPr b="0" lang="it-IT" sz="2800" spc="-1" strike="noStrike">
-              <a:solidFill>
-                <a:srgbClr val="000000"/>
-              </a:solidFill>
-              <a:latin typeface="Avenir Next LT Pro"/>
+            <a:r>
+              <a:rPr b="0" lang="en-US" sz="2800" spc="-1" strike="noStrike">
+                <a:solidFill>
+                  <a:srgbClr val="000000"/>
+                </a:solidFill>
+                <a:latin typeface="Avenir Next LT Pro"/>
+                <a:ea typeface="Noto Sans CJK SC"/>
+              </a:rPr>
+              <a:t> analizza le password di indice k*world_size + 1</a:t>
+            </a:r>
+            <a:br/>
+            <a:r>
+              <a:rPr b="1" lang="en-US" sz="2800" spc="-1" strike="noStrike">
+                <a:solidFill>
+                  <a:srgbClr val="000000"/>
+                </a:solidFill>
+                <a:latin typeface="Avenir Next LT Pro"/>
+                <a:ea typeface="Noto Sans CJK SC"/>
+              </a:rPr>
+              <a:t>core_2</a:t>
+            </a:r>
+            <a:r>
+              <a:rPr b="0" lang="en-US" sz="2800" spc="-1" strike="noStrike">
+                <a:solidFill>
+                  <a:srgbClr val="000000"/>
+                </a:solidFill>
+                <a:latin typeface="Avenir Next LT Pro"/>
+                <a:ea typeface="Noto Sans CJK SC"/>
+              </a:rPr>
+              <a:t> analizza le password di indice k*world_size + 2</a:t>
+            </a:r>
+            <a:endParaRPr b="0" lang="en-US" sz="2800" spc="-1" strike="noStrike">
+              <a:latin typeface="Arial"/>
             </a:endParaRPr>
           </a:p>
         </p:txBody>
       </p:sp>
     </p:spTree>
   </p:cSld>
-  <p:timing>
-    <p:tnLst>
-      <p:par>
-        <p:cTn id="11" dur="indefinite" restart="never" nodeType="tmRoot">
-          <p:childTnLst>
-            <p:seq>
-              <p:cTn id="12" dur="indefinite" nodeType="mainSeq"/>
-              <p:prevCondLst>
-                <p:cond delay="0" evt="onPrev">
-                  <p:tgtEl>
-                    <p:sldTgt/>
-                  </p:tgtEl>
-                </p:cond>
-              </p:prevCondLst>
-              <p:nextCondLst>
-                <p:cond delay="0" evt="onNext">
-                  <p:tgtEl>
-                    <p:sldTgt/>
-                  </p:tgtEl>
-                </p:cond>
-              </p:nextCondLst>
-            </p:seq>
-          </p:childTnLst>
-        </p:cTn>
-      </p:par>
-    </p:tnLst>
-  </p:timing>
+  <mc:AlternateContent>
+    <mc:Choice Requires="p14">
+      <p:transition spd="slow" p14:dur="2000"/>
+    </mc:Choice>
+    <mc:Fallback>
+      <p:transition spd="slow"/>
+    </mc:Fallback>
+  </mc:AlternateContent>
 </p:sld>
 </file>
 
@@ -5667,14 +4822,14 @@
       </p:grpSpPr>
       <p:sp>
         <p:nvSpPr>
-          <p:cNvPr id="105" name="TextShape 1"/>
-          <p:cNvSpPr txBox="1"/>
+          <p:cNvPr id="99" name="CustomShape 1"/>
+          <p:cNvSpPr/>
           <p:nvPr/>
         </p:nvSpPr>
         <p:spPr>
           <a:xfrm>
-            <a:off x="1115640" y="2478240"/>
-            <a:ext cx="10167840" cy="3693960"/>
+            <a:off x="1115640" y="548640"/>
+            <a:ext cx="10167480" cy="1179000"/>
           </a:xfrm>
           <a:prstGeom prst="rect">
             <a:avLst/>
@@ -5684,10 +4839,68 @@
             <a:noFill/>
           </a:ln>
         </p:spPr>
-        <p:txBody>
-          <a:bodyPr/>
-          <a:p>
-            <a:pPr marL="228600" indent="-228240">
+        <p:style>
+          <a:lnRef idx="0"/>
+          <a:fillRef idx="0"/>
+          <a:effectRef idx="0"/>
+          <a:fontRef idx="minor"/>
+        </p:style>
+        <p:txBody>
+          <a:bodyPr lIns="90000" rIns="90000" tIns="45000" bIns="45000" anchor="ctr">
+            <a:noAutofit/>
+          </a:bodyPr>
+          <a:p>
+            <a:pPr>
+              <a:lnSpc>
+                <a:spcPct val="90000"/>
+              </a:lnSpc>
+            </a:pPr>
+            <a:r>
+              <a:rPr b="0" lang="en-US" sz="4000" spc="-1" strike="noStrike">
+                <a:solidFill>
+                  <a:srgbClr val="000000"/>
+                </a:solidFill>
+                <a:latin typeface="Avenir Next LT Pro"/>
+              </a:rPr>
+              <a:t>Scambio di messaggi</a:t>
+            </a:r>
+            <a:endParaRPr b="0" lang="en-US" sz="4000" spc="-1" strike="noStrike">
+              <a:latin typeface="Arial"/>
+            </a:endParaRPr>
+          </a:p>
+        </p:txBody>
+      </p:sp>
+      <p:sp>
+        <p:nvSpPr>
+          <p:cNvPr id="100" name="CustomShape 2"/>
+          <p:cNvSpPr/>
+          <p:nvPr/>
+        </p:nvSpPr>
+        <p:spPr>
+          <a:xfrm>
+            <a:off x="731520" y="2158200"/>
+            <a:ext cx="10167480" cy="3693600"/>
+          </a:xfrm>
+          <a:prstGeom prst="rect">
+            <a:avLst/>
+          </a:prstGeom>
+          <a:noFill/>
+          <a:ln>
+            <a:noFill/>
+          </a:ln>
+        </p:spPr>
+        <p:style>
+          <a:lnRef idx="0"/>
+          <a:fillRef idx="0"/>
+          <a:effectRef idx="0"/>
+          <a:fontRef idx="minor"/>
+        </p:style>
+        <p:txBody>
+          <a:bodyPr lIns="90000" rIns="90000" tIns="45000" bIns="45000">
+            <a:noAutofit/>
+          </a:bodyPr>
+          <a:p>
+            <a:pPr marL="432000" indent="-323640">
               <a:lnSpc>
                 <a:spcPct val="110000"/>
               </a:lnSpc>
@@ -5697,27 +4910,25 @@
               <a:buClr>
                 <a:srgbClr val="000000"/>
               </a:buClr>
-              <a:buFont typeface="Arial"/>
-              <a:buChar char="•"/>
+              <a:buSzPct val="45000"/>
+              <a:buFont typeface="Wingdings" charset="2"/>
+              <a:buChar char=""/>
             </a:pPr>
             <a:r>
-              <a:rPr b="0" lang="it-IT" sz="2800" spc="-1" strike="noStrike">
+              <a:rPr b="0" lang="en-US" sz="2800" spc="-1" strike="noStrike">
                 <a:solidFill>
                   <a:srgbClr val="000000"/>
                 </a:solidFill>
                 <a:latin typeface="Avenir Next LT Pro"/>
               </a:rPr>
-              <a:t>Single Mode: prova a crackare l’hash utilizzando come chiave lo username dell’utente a cui appartiene</a:t>
+              <a:t>La comunicazione tra i core avviene principalmente in due momenti:</a:t>
             </a:r>
-            <a:endParaRPr b="0" lang="it-IT" sz="2800" spc="-1" strike="noStrike">
-              <a:solidFill>
-                <a:srgbClr val="000000"/>
-              </a:solidFill>
-              <a:latin typeface="Avenir Next LT Pro"/>
-            </a:endParaRPr>
-          </a:p>
-          <a:p>
-            <a:pPr marL="228600" indent="-228240">
+            <a:endParaRPr b="0" lang="en-US" sz="2800" spc="-1" strike="noStrike">
+              <a:latin typeface="Arial"/>
+            </a:endParaRPr>
+          </a:p>
+          <a:p>
+            <a:pPr marL="432000" indent="-323640">
               <a:lnSpc>
                 <a:spcPct val="110000"/>
               </a:lnSpc>
@@ -5727,136 +4938,86 @@
               <a:buClr>
                 <a:srgbClr val="000000"/>
               </a:buClr>
-              <a:buFont typeface="Arial"/>
-              <a:buChar char="•"/>
+              <a:buSzPct val="45000"/>
+              <a:buFont typeface="Wingdings" charset="2"/>
+              <a:buChar char=""/>
             </a:pPr>
             <a:r>
-              <a:rPr b="0" lang="it-IT" sz="2800" spc="-1" strike="noStrike">
+              <a:rPr b="0" lang="en-US" sz="2800" spc="-1" strike="noStrike">
                 <a:solidFill>
                   <a:srgbClr val="000000"/>
                 </a:solidFill>
                 <a:latin typeface="Avenir Next LT Pro"/>
               </a:rPr>
-              <a:t>Dictionary: si somministra al programma un file in input contenente delle parole, che verranno usate per crackare le password (possibilità di rules)</a:t>
+              <a:t>Quando un core trova una password, comunica a tutti gli altri che è stata trovata così che nessuno la cercherà più.</a:t>
             </a:r>
-            <a:endParaRPr b="0" lang="it-IT" sz="2800" spc="-1" strike="noStrike">
-              <a:solidFill>
-                <a:srgbClr val="000000"/>
-              </a:solidFill>
-              <a:latin typeface="Avenir Next LT Pro"/>
-            </a:endParaRPr>
-          </a:p>
-          <a:p>
-            <a:pPr marL="228600" indent="-228240">
+            <a:endParaRPr b="0" lang="en-US" sz="2800" spc="-1" strike="noStrike">
+              <a:latin typeface="Arial"/>
+            </a:endParaRPr>
+          </a:p>
+          <a:p>
+            <a:pPr marL="432000" indent="-323640">
               <a:lnSpc>
-                <a:spcPct val="110000"/>
+                <a:spcPct val="100000"/>
               </a:lnSpc>
               <a:spcBef>
-                <a:spcPts val="1001"/>
+                <a:spcPts val="1417"/>
               </a:spcBef>
               <a:buClr>
                 <a:srgbClr val="000000"/>
               </a:buClr>
-              <a:buFont typeface="Arial"/>
-              <a:buChar char="•"/>
+              <a:buSzPct val="45000"/>
+              <a:buFont typeface="Wingdings" charset="2"/>
+              <a:buChar char=""/>
             </a:pPr>
             <a:r>
-              <a:rPr b="0" lang="it-IT" sz="2800" spc="-1" strike="noStrike">
+              <a:rPr b="0" lang="en-US" sz="2800" spc="-1" strike="noStrike">
                 <a:solidFill>
                   <a:srgbClr val="000000"/>
                 </a:solidFill>
                 <a:latin typeface="Avenir Next LT Pro"/>
               </a:rPr>
-              <a:t>Incremental: si forniscono al programma vari parametri per la generazione di un insieme finito di parole da testare, molto lento ma a volte unica strada.</a:t>
+              <a:t>Quando il processo va arrestato (mediante input da tastiera), il core </a:t>
             </a:r>
-            <a:endParaRPr b="0" lang="it-IT" sz="2800" spc="-1" strike="noStrike">
-              <a:solidFill>
-                <a:srgbClr val="000000"/>
-              </a:solidFill>
-              <a:latin typeface="Avenir Next LT Pro"/>
-            </a:endParaRPr>
-          </a:p>
-        </p:txBody>
-      </p:sp>
-      <p:sp>
-        <p:nvSpPr>
-          <p:cNvPr id="106" name="TextShape 2"/>
-          <p:cNvSpPr txBox="1"/>
-          <p:nvPr/>
-        </p:nvSpPr>
-        <p:spPr>
-          <a:xfrm>
-            <a:off x="1115640" y="548640"/>
-            <a:ext cx="10167840" cy="1179360"/>
-          </a:xfrm>
-          <a:prstGeom prst="rect">
-            <a:avLst/>
-          </a:prstGeom>
-          <a:noFill/>
-          <a:ln>
-            <a:noFill/>
-          </a:ln>
-        </p:spPr>
-        <p:txBody>
-          <a:bodyPr anchor="ctr"/>
-          <a:p>
-            <a:pPr>
-              <a:lnSpc>
-                <a:spcPct val="90000"/>
-              </a:lnSpc>
-            </a:pPr>
             <a:r>
-              <a:rPr b="0" lang="it-IT" sz="4000" spc="-1" strike="noStrike">
+              <a:rPr b="1" i="1" lang="en-US" sz="2800" spc="-1" strike="noStrike">
                 <a:solidFill>
                   <a:srgbClr val="000000"/>
                 </a:solidFill>
                 <a:latin typeface="Avenir Next LT Pro"/>
               </a:rPr>
-              <a:t>Modalità</a:t>
+              <a:t>ROOT</a:t>
             </a:r>
-            <a:endParaRPr b="0" lang="it-IT" sz="4000" spc="-1" strike="noStrike">
-              <a:solidFill>
-                <a:srgbClr val="000000"/>
-              </a:solidFill>
-              <a:latin typeface="Avenir Next LT Pro"/>
+            <a:r>
+              <a:rPr b="0" lang="en-US" sz="2800" spc="-1" strike="noStrike">
+                <a:solidFill>
+                  <a:srgbClr val="000000"/>
+                </a:solidFill>
+                <a:latin typeface="Avenir Next LT Pro"/>
+              </a:rPr>
+              <a:t> comunica agli altri core di abortire la computazione.</a:t>
+            </a:r>
+            <a:endParaRPr b="0" lang="en-US" sz="2800" spc="-1" strike="noStrike">
+              <a:latin typeface="Arial"/>
             </a:endParaRPr>
           </a:p>
         </p:txBody>
       </p:sp>
     </p:spTree>
   </p:cSld>
-  <p:timing>
-    <p:tnLst>
-      <p:par>
-        <p:cTn id="13" dur="indefinite" restart="never" nodeType="tmRoot">
-          <p:childTnLst>
-            <p:seq>
-              <p:cTn id="14" dur="indefinite" nodeType="mainSeq"/>
-              <p:prevCondLst>
-                <p:cond delay="0" evt="onPrev">
-                  <p:tgtEl>
-                    <p:sldTgt/>
-                  </p:tgtEl>
-                </p:cond>
-              </p:prevCondLst>
-              <p:nextCondLst>
-                <p:cond delay="0" evt="onNext">
-                  <p:tgtEl>
-                    <p:sldTgt/>
-                  </p:tgtEl>
-                </p:cond>
-              </p:nextCondLst>
-            </p:seq>
-          </p:childTnLst>
-        </p:cTn>
-      </p:par>
-    </p:tnLst>
-  </p:timing>
+  <mc:AlternateContent>
+    <mc:Choice Requires="p14">
+      <p:transition spd="slow" p14:dur="2000"/>
+    </mc:Choice>
+    <mc:Fallback>
+      <p:transition spd="slow"/>
+    </mc:Fallback>
+  </mc:AlternateContent>
 </p:sld>
 </file>
 
 <file path=ppt/slides/slide8.xml><?xml version="1.0" encoding="utf-8"?>
-<p:sld xmlns:a="http://schemas.openxmlformats.org/drawingml/2006/main" xmlns:p="http://schemas.openxmlformats.org/presentationml/2006/main" xmlns:r="http://schemas.openxmlformats.org/officeDocument/2006/relationships" xmlns:p14="http://schemas.microsoft.com/office/powerpoint/2010/main" xmlns:p15="http://schemas.microsoft.com/office/powerpoint/2012/main" xmlns:mc="http://schemas.openxmlformats.org/markup-compatibility/2006" show="0">
+<p:sld xmlns:a="http://schemas.openxmlformats.org/drawingml/2006/main" xmlns:p="http://schemas.openxmlformats.org/presentationml/2006/main" xmlns:r="http://schemas.openxmlformats.org/officeDocument/2006/relationships" xmlns:p14="http://schemas.microsoft.com/office/powerpoint/2010/main" xmlns:p15="http://schemas.microsoft.com/office/powerpoint/2012/main" xmlns:mc="http://schemas.openxmlformats.org/markup-compatibility/2006">
   <p:cSld>
     <p:spTree>
       <p:nvGrpSpPr>
@@ -5874,14 +5035,14 @@
       </p:grpSpPr>
       <p:sp>
         <p:nvSpPr>
-          <p:cNvPr id="107" name="TextShape 1"/>
-          <p:cNvSpPr txBox="1"/>
+          <p:cNvPr id="101" name="CustomShape 1"/>
+          <p:cNvSpPr/>
           <p:nvPr/>
         </p:nvSpPr>
         <p:spPr>
           <a:xfrm>
             <a:off x="1115640" y="548640"/>
-            <a:ext cx="10167840" cy="1179360"/>
+            <a:ext cx="10167480" cy="1179000"/>
           </a:xfrm>
           <a:prstGeom prst="rect">
             <a:avLst/>
@@ -5891,185 +5052,102 @@
             <a:noFill/>
           </a:ln>
         </p:spPr>
-        <p:txBody>
-          <a:bodyPr anchor="ctr"/>
+        <p:style>
+          <a:lnRef idx="0"/>
+          <a:fillRef idx="0"/>
+          <a:effectRef idx="0"/>
+          <a:fontRef idx="minor"/>
+        </p:style>
+        <p:txBody>
+          <a:bodyPr lIns="0" rIns="0" tIns="0" bIns="0" anchor="ctr">
+            <a:noAutofit/>
+          </a:bodyPr>
           <a:p>
             <a:pPr>
               <a:lnSpc>
-                <a:spcPct val="90000"/>
+                <a:spcPct val="100000"/>
               </a:lnSpc>
             </a:pPr>
             <a:r>
-              <a:rPr b="0" lang="it-IT" sz="4000" spc="-1" strike="noStrike">
+              <a:rPr b="0" lang="en-US" sz="4000" spc="-1" strike="noStrike">
                 <a:solidFill>
                   <a:srgbClr val="000000"/>
                 </a:solidFill>
                 <a:latin typeface="Avenir Next LT Pro"/>
               </a:rPr>
-              <a:t>Scambio di messaggi</a:t>
+              <a:t>Flusso di esecuzione</a:t>
             </a:r>
-            <a:endParaRPr b="0" lang="it-IT" sz="4000" spc="-1" strike="noStrike">
-              <a:solidFill>
-                <a:srgbClr val="000000"/>
-              </a:solidFill>
-              <a:latin typeface="Avenir Next LT Pro"/>
-            </a:endParaRPr>
-          </a:p>
-        </p:txBody>
-      </p:sp>
-      <p:sp>
-        <p:nvSpPr>
-          <p:cNvPr id="108" name="TextShape 2"/>
-          <p:cNvSpPr txBox="1"/>
+            <a:endParaRPr b="0" lang="en-US" sz="4000" spc="-1" strike="noStrike">
+              <a:latin typeface="Arial"/>
+            </a:endParaRPr>
+          </a:p>
+        </p:txBody>
+      </p:sp>
+      <p:sp>
+        <p:nvSpPr>
+          <p:cNvPr id="102" name="CustomShape 2"/>
+          <p:cNvSpPr/>
           <p:nvPr/>
         </p:nvSpPr>
         <p:spPr>
           <a:xfrm>
-            <a:off x="1115640" y="2477880"/>
-            <a:ext cx="10167840" cy="3693960"/>
-          </a:xfrm>
-          <a:prstGeom prst="rect">
-            <a:avLst/>
-          </a:prstGeom>
-          <a:noFill/>
+            <a:off x="4206240" y="3657960"/>
+            <a:ext cx="3656880" cy="822240"/>
+          </a:xfrm>
+          <a:prstGeom prst="rect">
+            <a:avLst/>
+          </a:prstGeom>
+          <a:solidFill>
+            <a:srgbClr val="b47804"/>
+          </a:solidFill>
           <a:ln>
-            <a:noFill/>
+            <a:solidFill>
+              <a:srgbClr val="3465a4"/>
+            </a:solidFill>
           </a:ln>
         </p:spPr>
-        <p:txBody>
-          <a:bodyPr/>
-          <a:p>
-            <a:pPr>
+        <p:style>
+          <a:lnRef idx="0"/>
+          <a:fillRef idx="0"/>
+          <a:effectRef idx="0"/>
+          <a:fontRef idx="minor"/>
+        </p:style>
+        <p:txBody>
+          <a:bodyPr wrap="none" lIns="90000" rIns="90000" tIns="45000" bIns="45000" anchor="ctr">
+            <a:noAutofit/>
+          </a:bodyPr>
+          <a:p>
+            <a:pPr algn="ctr">
               <a:lnSpc>
-                <a:spcPct val="110000"/>
+                <a:spcPct val="100000"/>
               </a:lnSpc>
-              <a:spcBef>
-                <a:spcPts val="1001"/>
-              </a:spcBef>
             </a:pPr>
             <a:r>
-              <a:rPr b="0" lang="it-IT" sz="2800" spc="-1" strike="noStrike">
+              <a:rPr b="1" lang="en-US" sz="1800" spc="-1" strike="noStrike">
                 <a:solidFill>
-                  <a:srgbClr val="000000"/>
+                  <a:srgbClr val="ffffff"/>
                 </a:solidFill>
-                <a:latin typeface="Avenir Next LT Pro"/>
+                <a:latin typeface="Arial"/>
+                <a:ea typeface="DejaVu Sans"/>
               </a:rPr>
-              <a:t>La comunicazione tra i core avviene principalmente in due momenti:</a:t>
+              <a:t>Open Diagram</a:t>
             </a:r>
-            <a:endParaRPr b="0" lang="it-IT" sz="2800" spc="-1" strike="noStrike">
-              <a:solidFill>
-                <a:srgbClr val="000000"/>
-              </a:solidFill>
-              <a:latin typeface="Avenir Next LT Pro"/>
-            </a:endParaRPr>
-          </a:p>
-          <a:p>
-            <a:pPr marL="228600" indent="-228240">
-              <a:lnSpc>
-                <a:spcPct val="110000"/>
-              </a:lnSpc>
-              <a:spcBef>
-                <a:spcPts val="1001"/>
-              </a:spcBef>
-              <a:buClr>
-                <a:srgbClr val="000000"/>
-              </a:buClr>
-              <a:buFont typeface="Arial"/>
-              <a:buChar char="•"/>
-            </a:pPr>
-            <a:r>
-              <a:rPr b="0" lang="it-IT" sz="2800" spc="-1" strike="noStrike">
-                <a:solidFill>
-                  <a:srgbClr val="000000"/>
-                </a:solidFill>
-                <a:latin typeface="Avenir Next LT Pro"/>
-              </a:rPr>
-              <a:t>All’ inizio, per dare direttive a tutti i core sulle password da provare e in caso condividere il file che le contiene.</a:t>
-            </a:r>
-            <a:endParaRPr b="0" lang="it-IT" sz="2800" spc="-1" strike="noStrike">
-              <a:solidFill>
-                <a:srgbClr val="000000"/>
-              </a:solidFill>
-              <a:latin typeface="Avenir Next LT Pro"/>
-            </a:endParaRPr>
-          </a:p>
-          <a:p>
-            <a:pPr marL="228600" indent="-228240">
-              <a:lnSpc>
-                <a:spcPct val="110000"/>
-              </a:lnSpc>
-              <a:spcBef>
-                <a:spcPts val="1001"/>
-              </a:spcBef>
-              <a:buClr>
-                <a:srgbClr val="000000"/>
-              </a:buClr>
-              <a:buFont typeface="Arial"/>
-              <a:buChar char="•"/>
-            </a:pPr>
-            <a:r>
-              <a:rPr b="0" lang="it-IT" sz="2800" spc="-1" strike="noStrike">
-                <a:solidFill>
-                  <a:srgbClr val="000000"/>
-                </a:solidFill>
-                <a:latin typeface="Avenir Next LT Pro"/>
-              </a:rPr>
-              <a:t>Appena un core trova la password cercata, per comunicare agli altri che il compito è andato a buon fine e terminare il programma.</a:t>
-            </a:r>
-            <a:endParaRPr b="0" lang="it-IT" sz="2800" spc="-1" strike="noStrike">
-              <a:solidFill>
-                <a:srgbClr val="000000"/>
-              </a:solidFill>
-              <a:latin typeface="Avenir Next LT Pro"/>
-            </a:endParaRPr>
-          </a:p>
-          <a:p>
-            <a:pPr>
-              <a:lnSpc>
-                <a:spcPct val="110000"/>
-              </a:lnSpc>
-              <a:spcBef>
-                <a:spcPts val="1001"/>
-              </a:spcBef>
-            </a:pPr>
-            <a:endParaRPr b="0" lang="it-IT" sz="2800" spc="-1" strike="noStrike">
-              <a:solidFill>
-                <a:srgbClr val="000000"/>
-              </a:solidFill>
-              <a:latin typeface="Avenir Next LT Pro"/>
+            <a:endParaRPr b="0" lang="en-US" sz="1800" spc="-1" strike="noStrike">
+              <a:latin typeface="Arial"/>
             </a:endParaRPr>
           </a:p>
         </p:txBody>
       </p:sp>
     </p:spTree>
   </p:cSld>
-  <p:timing>
-    <p:tnLst>
-      <p:par>
-        <p:cTn id="15" dur="indefinite" restart="never" nodeType="tmRoot">
-          <p:childTnLst>
-            <p:seq>
-              <p:cTn id="16" dur="indefinite" nodeType="mainSeq"/>
-              <p:prevCondLst>
-                <p:cond delay="0" evt="onPrev">
-                  <p:tgtEl>
-                    <p:sldTgt/>
-                  </p:tgtEl>
-                </p:cond>
-              </p:prevCondLst>
-              <p:nextCondLst>
-                <p:cond delay="0" evt="onNext">
-                  <p:tgtEl>
-                    <p:sldTgt/>
-                  </p:tgtEl>
-                </p:cond>
-              </p:nextCondLst>
-            </p:seq>
-          </p:childTnLst>
-        </p:cTn>
-      </p:par>
-    </p:tnLst>
-  </p:timing>
+  <mc:AlternateContent>
+    <mc:Choice Requires="p14">
+      <p:transition spd="slow" p14:dur="2000"/>
+    </mc:Choice>
+    <mc:Fallback>
+      <p:transition spd="slow"/>
+    </mc:Fallback>
+  </mc:AlternateContent>
 </p:sld>
 </file>
 
@@ -6092,14 +5170,14 @@
       </p:grpSpPr>
       <p:sp>
         <p:nvSpPr>
-          <p:cNvPr id="109" name="TextShape 1"/>
-          <p:cNvSpPr txBox="1"/>
+          <p:cNvPr id="103" name="CustomShape 1"/>
+          <p:cNvSpPr/>
           <p:nvPr/>
         </p:nvSpPr>
         <p:spPr>
           <a:xfrm>
             <a:off x="1115640" y="548640"/>
-            <a:ext cx="10167840" cy="1179360"/>
+            <a:ext cx="10167480" cy="1179000"/>
           </a:xfrm>
           <a:prstGeom prst="rect">
             <a:avLst/>
@@ -6109,42 +5187,47 @@
             <a:noFill/>
           </a:ln>
         </p:spPr>
-        <p:txBody>
-          <a:bodyPr anchor="ctr"/>
+        <p:style>
+          <a:lnRef idx="0"/>
+          <a:fillRef idx="0"/>
+          <a:effectRef idx="0"/>
+          <a:fontRef idx="minor"/>
+        </p:style>
+        <p:txBody>
+          <a:bodyPr lIns="0" rIns="0" tIns="0" bIns="0" anchor="ctr">
+            <a:noAutofit/>
+          </a:bodyPr>
           <a:p>
             <a:pPr>
               <a:lnSpc>
-                <a:spcPct val="90000"/>
+                <a:spcPct val="100000"/>
               </a:lnSpc>
             </a:pPr>
             <a:r>
-              <a:rPr b="0" lang="it-IT" sz="4000" spc="-1" strike="noStrike">
+              <a:rPr b="0" lang="en-US" sz="4000" spc="-1" strike="noStrike">
                 <a:solidFill>
                   <a:srgbClr val="000000"/>
                 </a:solidFill>
                 <a:latin typeface="Avenir Next LT Pro"/>
               </a:rPr>
-              <a:t>Scambio di messaggi</a:t>
+              <a:t>Problematiche</a:t>
             </a:r>
-            <a:endParaRPr b="0" lang="it-IT" sz="4000" spc="-1" strike="noStrike">
-              <a:solidFill>
-                <a:srgbClr val="000000"/>
-              </a:solidFill>
-              <a:latin typeface="Avenir Next LT Pro"/>
-            </a:endParaRPr>
-          </a:p>
-        </p:txBody>
-      </p:sp>
-      <p:sp>
-        <p:nvSpPr>
-          <p:cNvPr id="110" name="TextShape 2"/>
-          <p:cNvSpPr txBox="1"/>
+            <a:endParaRPr b="0" lang="en-US" sz="4000" spc="-1" strike="noStrike">
+              <a:latin typeface="Arial"/>
+            </a:endParaRPr>
+          </a:p>
+        </p:txBody>
+      </p:sp>
+      <p:sp>
+        <p:nvSpPr>
+          <p:cNvPr id="104" name="CustomShape 2"/>
+          <p:cNvSpPr/>
           <p:nvPr/>
         </p:nvSpPr>
         <p:spPr>
           <a:xfrm>
-            <a:off x="1115640" y="2477880"/>
-            <a:ext cx="10167840" cy="3693960"/>
+            <a:off x="822960" y="2468880"/>
+            <a:ext cx="8777880" cy="3291480"/>
           </a:xfrm>
           <a:prstGeom prst="rect">
             <a:avLst/>
@@ -6154,140 +5237,142 @@
             <a:noFill/>
           </a:ln>
         </p:spPr>
-        <p:txBody>
-          <a:bodyPr/>
+        <p:style>
+          <a:lnRef idx="0"/>
+          <a:fillRef idx="0"/>
+          <a:effectRef idx="0"/>
+          <a:fontRef idx="minor"/>
+        </p:style>
+        <p:txBody>
+          <a:bodyPr lIns="90000" rIns="90000" tIns="45000" bIns="45000">
+            <a:noAutofit/>
+          </a:bodyPr>
           <a:p>
             <a:pPr>
               <a:lnSpc>
-                <a:spcPct val="110000"/>
+                <a:spcPct val="100000"/>
               </a:lnSpc>
-              <a:spcBef>
-                <a:spcPts val="1001"/>
-              </a:spcBef>
             </a:pPr>
             <a:r>
-              <a:rPr b="0" lang="it-IT" sz="2800" spc="-1" strike="noStrike">
+              <a:rPr b="0" lang="en-US" sz="2800" spc="-1" strike="noStrike">
                 <a:solidFill>
                   <a:srgbClr val="000000"/>
                 </a:solidFill>
                 <a:latin typeface="Avenir Next LT Pro"/>
               </a:rPr>
-              <a:t>La comunicazione tra i core avviene principalmente in due momenti:</a:t>
+              <a:t> </a:t>
             </a:r>
-            <a:endParaRPr b="0" lang="it-IT" sz="2800" spc="-1" strike="noStrike">
-              <a:solidFill>
-                <a:srgbClr val="000000"/>
-              </a:solidFill>
-              <a:latin typeface="Avenir Next LT Pro"/>
-            </a:endParaRPr>
-          </a:p>
-          <a:p>
-            <a:pPr marL="228600" indent="-228240">
+            <a:endParaRPr b="0" lang="en-US" sz="2800" spc="-1" strike="noStrike">
+              <a:latin typeface="Arial"/>
+            </a:endParaRPr>
+          </a:p>
+          <a:p>
+            <a:pPr marL="216000" indent="-215640">
               <a:lnSpc>
-                <a:spcPct val="110000"/>
+                <a:spcPct val="100000"/>
               </a:lnSpc>
-              <a:spcBef>
-                <a:spcPts val="1001"/>
-              </a:spcBef>
               <a:buClr>
                 <a:srgbClr val="000000"/>
               </a:buClr>
-              <a:buFont typeface="Arial"/>
-              <a:buChar char="•"/>
+              <a:buSzPct val="45000"/>
+              <a:buFont typeface="Wingdings" charset="2"/>
+              <a:buChar char=""/>
             </a:pPr>
             <a:r>
-              <a:rPr b="0" lang="it-IT" sz="2800" spc="-1" strike="noStrike">
+              <a:rPr b="0" lang="en-US" sz="2800" spc="-1" strike="noStrike">
                 <a:solidFill>
                   <a:srgbClr val="000000"/>
                 </a:solidFill>
                 <a:latin typeface="Avenir Next LT Pro"/>
               </a:rPr>
-              <a:t>Quando un core trova una password, comunica a tutti gli altri che è stata trovata cosi che nessuno cercherà più quella password.</a:t>
+              <a:t>LAN setup</a:t>
             </a:r>
-            <a:endParaRPr b="0" lang="it-IT" sz="2800" spc="-1" strike="noStrike">
-              <a:solidFill>
-                <a:srgbClr val="000000"/>
-              </a:solidFill>
-              <a:latin typeface="Avenir Next LT Pro"/>
-            </a:endParaRPr>
-          </a:p>
-          <a:p>
-            <a:pPr marL="228600" indent="-228240">
-              <a:lnSpc>
-                <a:spcPct val="110000"/>
-              </a:lnSpc>
-              <a:spcBef>
-                <a:spcPts val="1001"/>
-              </a:spcBef>
-              <a:buClr>
-                <a:srgbClr val="000000"/>
-              </a:buClr>
-              <a:buFont typeface="Arial"/>
-              <a:buChar char="•"/>
-            </a:pPr>
+            <a:br/>
             <a:r>
-              <a:rPr b="0" lang="it-IT" sz="2800" spc="-1" strike="noStrike">
+              <a:rPr b="0" lang="en-US" sz="2800" spc="-1" strike="noStrike">
                 <a:solidFill>
                   <a:srgbClr val="000000"/>
                 </a:solidFill>
                 <a:latin typeface="Avenir Next LT Pro"/>
               </a:rPr>
-              <a:t>Quando il processo va stoppato (tramite input da tastiera) il core ROOT invia un messaggio a tutti me far abortire la computazione.</a:t>
+              <a:t> </a:t>
             </a:r>
-            <a:endParaRPr b="0" lang="it-IT" sz="2800" spc="-1" strike="noStrike">
-              <a:solidFill>
+            <a:endParaRPr b="0" lang="en-US" sz="2800" spc="-1" strike="noStrike">
+              <a:latin typeface="Arial"/>
+            </a:endParaRPr>
+          </a:p>
+          <a:p>
+            <a:pPr marL="216000" indent="-215640">
+              <a:lnSpc>
+                <a:spcPct val="100000"/>
+              </a:lnSpc>
+              <a:buClr>
                 <a:srgbClr val="000000"/>
-              </a:solidFill>
-              <a:latin typeface="Avenir Next LT Pro"/>
-            </a:endParaRPr>
-          </a:p>
-          <a:p>
-            <a:pPr>
+              </a:buClr>
+              <a:buSzPct val="45000"/>
+              <a:buFont typeface="Wingdings" charset="2"/>
+              <a:buChar char=""/>
+            </a:pPr>
+            <a:r>
+              <a:rPr b="0" lang="en-US" sz="2800" spc="-1" strike="noStrike">
+                <a:solidFill>
+                  <a:srgbClr val="000000"/>
+                </a:solidFill>
+                <a:latin typeface="Avenir Next LT Pro"/>
+              </a:rPr>
+              <a:t>Distribuzione del carico</a:t>
+            </a:r>
+            <a:br/>
+            <a:r>
+              <a:rPr b="0" lang="en-US" sz="2800" spc="-1" strike="noStrike">
+                <a:solidFill>
+                  <a:srgbClr val="000000"/>
+                </a:solidFill>
+                <a:latin typeface="Avenir Next LT Pro"/>
+              </a:rPr>
+              <a:t> </a:t>
+            </a:r>
+            <a:endParaRPr b="0" lang="en-US" sz="2800" spc="-1" strike="noStrike">
+              <a:latin typeface="Arial"/>
+            </a:endParaRPr>
+          </a:p>
+          <a:p>
+            <a:pPr marL="216000" indent="-215640">
               <a:lnSpc>
-                <a:spcPct val="110000"/>
+                <a:spcPct val="100000"/>
               </a:lnSpc>
-              <a:spcBef>
-                <a:spcPts val="1001"/>
-              </a:spcBef>
+              <a:buClr>
+                <a:srgbClr val="000000"/>
+              </a:buClr>
+              <a:buSzPct val="45000"/>
+              <a:buFont typeface="Wingdings" charset="2"/>
+              <a:buChar char=""/>
             </a:pPr>
-            <a:endParaRPr b="0" lang="it-IT" sz="2800" spc="-1" strike="noStrike">
-              <a:solidFill>
-                <a:srgbClr val="000000"/>
-              </a:solidFill>
-              <a:latin typeface="Avenir Next LT Pro"/>
+            <a:r>
+              <a:rPr b="0" lang="en-US" sz="2800" spc="-1" strike="noStrike">
+                <a:solidFill>
+                  <a:srgbClr val="000000"/>
+                </a:solidFill>
+                <a:latin typeface="Avenir Next LT Pro"/>
+              </a:rPr>
+              <a:t>Passaggio di messaggi</a:t>
+            </a:r>
+            <a:endParaRPr b="0" lang="en-US" sz="2800" spc="-1" strike="noStrike">
+              <a:latin typeface="Arial"/>
             </a:endParaRPr>
           </a:p>
         </p:txBody>
       </p:sp>
     </p:spTree>
   </p:cSld>
-  <p:timing>
-    <p:tnLst>
-      <p:par>
-        <p:cTn id="17" dur="indefinite" restart="never" nodeType="tmRoot">
-          <p:childTnLst>
-            <p:seq>
-              <p:cTn id="18" dur="indefinite" nodeType="mainSeq"/>
-              <p:prevCondLst>
-                <p:cond delay="0" evt="onPrev">
-                  <p:tgtEl>
-                    <p:sldTgt/>
-                  </p:tgtEl>
-                </p:cond>
-              </p:prevCondLst>
-              <p:nextCondLst>
-                <p:cond delay="0" evt="onNext">
-                  <p:tgtEl>
-                    <p:sldTgt/>
-                  </p:tgtEl>
-                </p:cond>
-              </p:nextCondLst>
-            </p:seq>
-          </p:childTnLst>
-        </p:cTn>
-      </p:par>
-    </p:tnLst>
-  </p:timing>
+  <mc:AlternateContent>
+    <mc:Choice Requires="p14">
+      <p:transition spd="slow" p14:dur="2000"/>
+    </mc:Choice>
+    <mc:Fallback>
+      <p:transition spd="slow"/>
+    </mc:Fallback>
+  </mc:AlternateContent>
 </p:sld>
 </file>
 
@@ -6405,18 +5490,21 @@
             </a:schemeClr>
           </a:solidFill>
           <a:prstDash val="solid"/>
+          <a:miter/>
         </a:ln>
         <a:ln w="25400" cap="flat" cmpd="sng" algn="ctr">
           <a:solidFill>
             <a:schemeClr val="phClr"/>
           </a:solidFill>
           <a:prstDash val="solid"/>
+          <a:miter/>
         </a:ln>
         <a:ln w="38100" cap="flat" cmpd="sng" algn="ctr">
           <a:solidFill>
             <a:schemeClr val="phClr"/>
           </a:solidFill>
           <a:prstDash val="solid"/>
+          <a:miter/>
         </a:ln>
       </a:lnStyleLst>
       <a:effectStyleLst>
@@ -6628,18 +5716,21 @@
             </a:schemeClr>
           </a:solidFill>
           <a:prstDash val="solid"/>
+          <a:miter/>
         </a:ln>
         <a:ln w="25400" cap="flat" cmpd="sng" algn="ctr">
           <a:solidFill>
             <a:schemeClr val="phClr"/>
           </a:solidFill>
           <a:prstDash val="solid"/>
+          <a:miter/>
         </a:ln>
         <a:ln w="38100" cap="flat" cmpd="sng" algn="ctr">
           <a:solidFill>
             <a:schemeClr val="phClr"/>
           </a:solidFill>
           <a:prstDash val="solid"/>
+          <a:miter/>
         </a:ln>
       </a:lnStyleLst>
       <a:effectStyleLst>

--- a/docs/NPJohn.pptx
+++ b/docs/NPJohn.pptx
@@ -2765,8 +2765,8 @@
         </p:nvSpPr>
         <p:spPr>
           <a:xfrm rot="5400000">
-            <a:off x="858240" y="345960"/>
-            <a:ext cx="145440" cy="703440"/>
+            <a:off x="858600" y="345600"/>
+            <a:ext cx="145080" cy="703080"/>
           </a:xfrm>
           <a:prstGeom prst="rect">
             <a:avLst/>
@@ -2801,8 +2801,8 @@
         </p:nvSpPr>
         <p:spPr>
           <a:xfrm flipV="1">
-            <a:off x="578520" y="4499640"/>
-            <a:ext cx="11034000" cy="17640"/>
+            <a:off x="578520" y="4499280"/>
+            <a:ext cx="11033640" cy="17280"/>
           </a:xfrm>
           <a:prstGeom prst="rect">
             <a:avLst/>
@@ -2844,8 +2844,8 @@
         </p:nvSpPr>
         <p:spPr>
           <a:xfrm>
-            <a:off x="1115640" y="548640"/>
-            <a:ext cx="10167480" cy="1179000"/>
+            <a:off x="609480" y="273600"/>
+            <a:ext cx="10972080" cy="1144440"/>
           </a:xfrm>
           <a:prstGeom prst="rect">
             <a:avLst/>
@@ -2881,7 +2881,7 @@
         <p:spPr>
           <a:xfrm>
             <a:off x="609480" y="1604520"/>
-            <a:ext cx="10972440" cy="3977280"/>
+            <a:ext cx="10972080" cy="3976920"/>
           </a:xfrm>
           <a:prstGeom prst="rect">
             <a:avLst/>
@@ -2904,12 +2904,12 @@
               <a:buChar char=""/>
             </a:pPr>
             <a:r>
-              <a:rPr b="0" lang="en-US" sz="3200" spc="-1" strike="noStrike">
+              <a:rPr b="0" lang="en-US" sz="1800" spc="-1" strike="noStrike">
                 <a:latin typeface="Arial"/>
               </a:rPr>
               <a:t>Click to edit the outline text format</a:t>
             </a:r>
-            <a:endParaRPr b="0" lang="en-US" sz="3200" spc="-1" strike="noStrike">
+            <a:endParaRPr b="0" lang="en-US" sz="1800" spc="-1" strike="noStrike">
               <a:latin typeface="Arial"/>
             </a:endParaRPr>
           </a:p>
@@ -2926,12 +2926,12 @@
               <a:buChar char=""/>
             </a:pPr>
             <a:r>
-              <a:rPr b="0" lang="en-US" sz="2800" spc="-1" strike="noStrike">
+              <a:rPr b="0" lang="en-US" sz="1800" spc="-1" strike="noStrike">
                 <a:latin typeface="Arial"/>
               </a:rPr>
               <a:t>Second Outline Level</a:t>
             </a:r>
-            <a:endParaRPr b="0" lang="en-US" sz="2800" spc="-1" strike="noStrike">
+            <a:endParaRPr b="0" lang="en-US" sz="1800" spc="-1" strike="noStrike">
               <a:latin typeface="Arial"/>
             </a:endParaRPr>
           </a:p>
@@ -2948,12 +2948,12 @@
               <a:buChar char=""/>
             </a:pPr>
             <a:r>
-              <a:rPr b="0" lang="en-US" sz="2400" spc="-1" strike="noStrike">
+              <a:rPr b="0" lang="en-US" sz="1800" spc="-1" strike="noStrike">
                 <a:latin typeface="Arial"/>
               </a:rPr>
               <a:t>Third Outline Level</a:t>
             </a:r>
-            <a:endParaRPr b="0" lang="en-US" sz="2400" spc="-1" strike="noStrike">
+            <a:endParaRPr b="0" lang="en-US" sz="1800" spc="-1" strike="noStrike">
               <a:latin typeface="Arial"/>
             </a:endParaRPr>
           </a:p>
@@ -2970,12 +2970,12 @@
               <a:buChar char=""/>
             </a:pPr>
             <a:r>
-              <a:rPr b="0" lang="en-US" sz="2000" spc="-1" strike="noStrike">
+              <a:rPr b="0" lang="en-US" sz="1800" spc="-1" strike="noStrike">
                 <a:latin typeface="Arial"/>
               </a:rPr>
               <a:t>Fourth Outline Level</a:t>
             </a:r>
-            <a:endParaRPr b="0" lang="en-US" sz="2000" spc="-1" strike="noStrike">
+            <a:endParaRPr b="0" lang="en-US" sz="1800" spc="-1" strike="noStrike">
               <a:latin typeface="Arial"/>
             </a:endParaRPr>
           </a:p>
@@ -2992,12 +2992,12 @@
               <a:buChar char=""/>
             </a:pPr>
             <a:r>
-              <a:rPr b="0" lang="en-US" sz="2000" spc="-1" strike="noStrike">
+              <a:rPr b="0" lang="en-US" sz="1800" spc="-1" strike="noStrike">
                 <a:latin typeface="Arial"/>
               </a:rPr>
               <a:t>Fifth Outline Level</a:t>
             </a:r>
-            <a:endParaRPr b="0" lang="en-US" sz="2000" spc="-1" strike="noStrike">
+            <a:endParaRPr b="0" lang="en-US" sz="1800" spc="-1" strike="noStrike">
               <a:latin typeface="Arial"/>
             </a:endParaRPr>
           </a:p>
@@ -3014,12 +3014,12 @@
               <a:buChar char=""/>
             </a:pPr>
             <a:r>
-              <a:rPr b="0" lang="en-US" sz="2000" spc="-1" strike="noStrike">
+              <a:rPr b="0" lang="en-US" sz="1800" spc="-1" strike="noStrike">
                 <a:latin typeface="Arial"/>
               </a:rPr>
               <a:t>Sixth Outline Level</a:t>
             </a:r>
-            <a:endParaRPr b="0" lang="en-US" sz="2000" spc="-1" strike="noStrike">
+            <a:endParaRPr b="0" lang="en-US" sz="1800" spc="-1" strike="noStrike">
               <a:latin typeface="Arial"/>
             </a:endParaRPr>
           </a:p>
@@ -3036,12 +3036,12 @@
               <a:buChar char=""/>
             </a:pPr>
             <a:r>
-              <a:rPr b="0" lang="en-US" sz="2000" spc="-1" strike="noStrike">
+              <a:rPr b="0" lang="en-US" sz="1800" spc="-1" strike="noStrike">
                 <a:latin typeface="Arial"/>
               </a:rPr>
               <a:t>Seventh Outline Level</a:t>
             </a:r>
-            <a:endParaRPr b="0" lang="en-US" sz="2000" spc="-1" strike="noStrike">
+            <a:endParaRPr b="0" lang="en-US" sz="1800" spc="-1" strike="noStrike">
               <a:latin typeface="Arial"/>
             </a:endParaRPr>
           </a:p>
@@ -3100,7 +3100,7 @@
         <p:spPr>
           <a:xfrm>
             <a:off x="558360" y="0"/>
-            <a:ext cx="11166840" cy="2018160"/>
+            <a:ext cx="11166480" cy="2017800"/>
           </a:xfrm>
           <a:prstGeom prst="rect">
             <a:avLst/>
@@ -3149,7 +3149,7 @@
         <p:spPr>
           <a:xfrm>
             <a:off x="567000" y="0"/>
-            <a:ext cx="11154960" cy="2010960"/>
+            <a:ext cx="11154600" cy="2010600"/>
           </a:xfrm>
           <a:prstGeom prst="rect">
             <a:avLst/>
@@ -3185,7 +3185,7 @@
         <p:spPr>
           <a:xfrm>
             <a:off x="498960" y="787320"/>
-            <a:ext cx="127440" cy="703440"/>
+            <a:ext cx="127080" cy="703080"/>
           </a:xfrm>
           <a:prstGeom prst="rect">
             <a:avLst/>
@@ -3481,7 +3481,7 @@
         <p:spPr>
           <a:xfrm>
             <a:off x="0" y="0"/>
-            <a:ext cx="12191400" cy="6857280"/>
+            <a:ext cx="12191040" cy="6856920"/>
           </a:xfrm>
           <a:prstGeom prst="rect">
             <a:avLst/>
@@ -3522,7 +3522,7 @@
         <p:spPr>
           <a:xfrm>
             <a:off x="4110120" y="0"/>
-            <a:ext cx="8081280" cy="6857280"/>
+            <a:ext cx="8080920" cy="6856920"/>
           </a:xfrm>
           <a:prstGeom prst="rect">
             <a:avLst/>
@@ -3541,7 +3541,7 @@
         <p:spPr>
           <a:xfrm>
             <a:off x="0" y="0"/>
-            <a:ext cx="4958280" cy="6857280"/>
+            <a:ext cx="4957920" cy="6856920"/>
           </a:xfrm>
           <a:custGeom>
             <a:avLst/>
@@ -3623,7 +3623,7 @@
         <p:spPr>
           <a:xfrm>
             <a:off x="0" y="0"/>
-            <a:ext cx="4948200" cy="6857280"/>
+            <a:ext cx="4947840" cy="6856920"/>
           </a:xfrm>
           <a:custGeom>
             <a:avLst/>
@@ -3692,7 +3692,7 @@
         <p:spPr>
           <a:xfrm>
             <a:off x="478080" y="1122480"/>
-            <a:ext cx="4022640" cy="3203280"/>
+            <a:ext cx="4022280" cy="3202920"/>
           </a:xfrm>
           <a:prstGeom prst="rect">
             <a:avLst/>
@@ -3724,6 +3724,7 @@
                   <a:srgbClr val="000000"/>
                 </a:solidFill>
                 <a:latin typeface="Avenir Next LT Pro"/>
+                <a:ea typeface="DejaVu Sans"/>
               </a:rPr>
               <a:t>NPJohn</a:t>
             </a:r>
@@ -3742,7 +3743,7 @@
         <p:spPr>
           <a:xfrm>
             <a:off x="478080" y="4872960"/>
-            <a:ext cx="3932640" cy="1207440"/>
+            <a:ext cx="3932280" cy="1207080"/>
           </a:xfrm>
           <a:prstGeom prst="rect">
             <a:avLst/>
@@ -3777,6 +3778,7 @@
                   <a:srgbClr val="000000"/>
                 </a:solidFill>
                 <a:latin typeface="Avenir Next LT Pro"/>
+                <a:ea typeface="DejaVu Sans"/>
               </a:rPr>
               <a:t>Una versione parallela e distribuita di John the Ripper che sfrutta MPI.</a:t>
             </a:r>
@@ -3794,8 +3796,8 @@
         </p:nvSpPr>
         <p:spPr>
           <a:xfrm rot="5400000">
-            <a:off x="760680" y="345960"/>
-            <a:ext cx="145440" cy="703440"/>
+            <a:off x="761040" y="345600"/>
+            <a:ext cx="145080" cy="703080"/>
           </a:xfrm>
           <a:prstGeom prst="rect">
             <a:avLst/>
@@ -3831,7 +3833,7 @@
         <p:spPr>
           <a:xfrm>
             <a:off x="480960" y="4546800"/>
-            <a:ext cx="4022640" cy="17640"/>
+            <a:ext cx="4022280" cy="17280"/>
           </a:xfrm>
           <a:prstGeom prst="rect">
             <a:avLst/>
@@ -3900,7 +3902,7 @@
         <p:spPr>
           <a:xfrm>
             <a:off x="1115640" y="548640"/>
-            <a:ext cx="10167480" cy="1179000"/>
+            <a:ext cx="10167120" cy="1178640"/>
           </a:xfrm>
           <a:prstGeom prst="rect">
             <a:avLst/>
@@ -3932,6 +3934,7 @@
                   <a:srgbClr val="000000"/>
                 </a:solidFill>
                 <a:latin typeface="Avenir Next LT Pro"/>
+                <a:ea typeface="DejaVu Sans"/>
               </a:rPr>
               <a:t>JTR in a nutshell</a:t>
             </a:r>
@@ -3950,7 +3953,7 @@
         <p:spPr>
           <a:xfrm>
             <a:off x="1115640" y="2477880"/>
-            <a:ext cx="10167480" cy="3693600"/>
+            <a:ext cx="10167120" cy="3693240"/>
           </a:xfrm>
           <a:prstGeom prst="rect">
             <a:avLst/>
@@ -3971,7 +3974,7 @@
             <a:normAutofit fontScale="81000"/>
           </a:bodyPr>
           <a:p>
-            <a:pPr marL="228600" indent="-227880">
+            <a:pPr marL="228600" indent="-227520">
               <a:lnSpc>
                 <a:spcPct val="110000"/>
               </a:lnSpc>
@@ -3990,6 +3993,7 @@
                   <a:srgbClr val="000000"/>
                 </a:solidFill>
                 <a:latin typeface="Avenir Next LT Pro"/>
+                <a:ea typeface="DejaVu Sans"/>
               </a:rPr>
               <a:t>John the Ripper è un software che viene utilizzato per crackare password. Esso opera provando un’enorme quantità di password,  e controllando, una per una, se una certa password è uguale a quella ricercata. Il vero è proprio controllo avviene sugli hash, dato che l’hash è l’unico indizio che si ha inizialmente sulla password. Quindi ogni volta che JTR deve provare una password, dovrà prima generare il suo hash con lo stesso algoritmo utilizzato per la password ricercata.</a:t>
             </a:r>
@@ -4038,7 +4042,7 @@
         <p:spPr>
           <a:xfrm>
             <a:off x="1115640" y="548640"/>
-            <a:ext cx="10167480" cy="1179000"/>
+            <a:ext cx="10167120" cy="1178640"/>
           </a:xfrm>
           <a:prstGeom prst="rect">
             <a:avLst/>
@@ -4070,6 +4074,7 @@
                   <a:srgbClr val="000000"/>
                 </a:solidFill>
                 <a:latin typeface="Avenir Next LT Pro"/>
+                <a:ea typeface="DejaVu Sans"/>
               </a:rPr>
               <a:t>Idea di base</a:t>
             </a:r>
@@ -4088,7 +4093,7 @@
         <p:spPr>
           <a:xfrm>
             <a:off x="1115640" y="2477880"/>
-            <a:ext cx="10167480" cy="3693600"/>
+            <a:ext cx="10167120" cy="3693240"/>
           </a:xfrm>
           <a:prstGeom prst="rect">
             <a:avLst/>
@@ -4109,7 +4114,7 @@
             <a:normAutofit fontScale="55000"/>
           </a:bodyPr>
           <a:p>
-            <a:pPr marL="228600" indent="-227880">
+            <a:pPr marL="228600" indent="-227520">
               <a:lnSpc>
                 <a:spcPct val="110000"/>
               </a:lnSpc>
@@ -4128,6 +4133,7 @@
                   <a:srgbClr val="000000"/>
                 </a:solidFill>
                 <a:latin typeface="Avenir Next LT Pro"/>
+                <a:ea typeface="DejaVu Sans"/>
               </a:rPr>
               <a:t>Il lavoro di JTR è naturalmente sequenziale.  Ma sappiamo già all’inizio quali password dovremo provare.</a:t>
             </a:r>
@@ -4136,7 +4142,7 @@
             </a:endParaRPr>
           </a:p>
           <a:p>
-            <a:pPr marL="228600" indent="-227880">
+            <a:pPr marL="228600" indent="-227520">
               <a:lnSpc>
                 <a:spcPct val="110000"/>
               </a:lnSpc>
@@ -4155,6 +4161,7 @@
                   <a:srgbClr val="000000"/>
                 </a:solidFill>
                 <a:latin typeface="Avenir Next LT Pro"/>
+                <a:ea typeface="DejaVu Sans"/>
               </a:rPr>
               <a:t>Allora possiamo suddividere il carico di lavoro su più di un core per ottenere della parallelizzazione e trovare il risultato voluto in una frazione del tempo.</a:t>
             </a:r>
@@ -4163,7 +4170,7 @@
             </a:endParaRPr>
           </a:p>
           <a:p>
-            <a:pPr marL="228600" indent="-227880">
+            <a:pPr marL="228600" indent="-227520">
               <a:lnSpc>
                 <a:spcPct val="110000"/>
               </a:lnSpc>
@@ -4182,6 +4189,7 @@
                   <a:srgbClr val="000000"/>
                 </a:solidFill>
                 <a:latin typeface="Avenir Next LT Pro"/>
+                <a:ea typeface="DejaVu Sans"/>
               </a:rPr>
               <a:t>Inoltre, non è necessario che i core si trovino sulla stessa macchina, quindi possiamo ulteriormente dividere il carico su un cluster connesso in LAN (o, dato che la comunicazione tra core avviene di rado, anche via Internet!).</a:t>
             </a:r>
@@ -4256,7 +4264,7 @@
         <p:spPr>
           <a:xfrm>
             <a:off x="1115640" y="548640"/>
-            <a:ext cx="10167480" cy="1179000"/>
+            <a:ext cx="10167120" cy="1178640"/>
           </a:xfrm>
           <a:prstGeom prst="rect">
             <a:avLst/>
@@ -4288,6 +4296,7 @@
                   <a:srgbClr val="000000"/>
                 </a:solidFill>
                 <a:latin typeface="Avenir Next LT Pro"/>
+                <a:ea typeface="DejaVu Sans"/>
               </a:rPr>
               <a:t>Software utilizzato</a:t>
             </a:r>
@@ -4306,7 +4315,7 @@
         <p:spPr>
           <a:xfrm>
             <a:off x="1115640" y="2477880"/>
-            <a:ext cx="10167480" cy="3693600"/>
+            <a:ext cx="10167120" cy="3693240"/>
           </a:xfrm>
           <a:prstGeom prst="rect">
             <a:avLst/>
@@ -4327,7 +4336,7 @@
             <a:noAutofit/>
           </a:bodyPr>
           <a:p>
-            <a:pPr marL="228600" indent="-227880">
+            <a:pPr marL="228600" indent="-227520">
               <a:lnSpc>
                 <a:spcPct val="110000"/>
               </a:lnSpc>
@@ -4346,6 +4355,7 @@
                   <a:srgbClr val="000000"/>
                 </a:solidFill>
                 <a:latin typeface="Avenir Next LT Pro"/>
+                <a:ea typeface="DejaVu Sans"/>
               </a:rPr>
               <a:t>Per parallelizzare il lavoro viene usato MPI, che permette di avere il controllo dei singoli core della macchina dove si sta eseguendo.</a:t>
             </a:r>
@@ -4354,7 +4364,7 @@
             </a:endParaRPr>
           </a:p>
           <a:p>
-            <a:pPr marL="228600" indent="-227880">
+            <a:pPr marL="228600" indent="-227520">
               <a:lnSpc>
                 <a:spcPct val="110000"/>
               </a:lnSpc>
@@ -4373,6 +4383,7 @@
                   <a:srgbClr val="000000"/>
                 </a:solidFill>
                 <a:latin typeface="Avenir Next LT Pro"/>
+                <a:ea typeface="DejaVu Sans"/>
               </a:rPr>
               <a:t>Nel caso di uso distribuito in rete, verranno utilizzati SSH e NFS.</a:t>
             </a:r>
@@ -4421,7 +4432,7 @@
         <p:spPr>
           <a:xfrm>
             <a:off x="1115640" y="548640"/>
-            <a:ext cx="10167480" cy="1179000"/>
+            <a:ext cx="10167120" cy="1178640"/>
           </a:xfrm>
           <a:prstGeom prst="rect">
             <a:avLst/>
@@ -4453,6 +4464,7 @@
                   <a:srgbClr val="000000"/>
                 </a:solidFill>
                 <a:latin typeface="Avenir Next LT Pro"/>
+                <a:ea typeface="DejaVu Sans"/>
               </a:rPr>
               <a:t>Software utilizzato</a:t>
             </a:r>
@@ -4471,7 +4483,7 @@
         <p:spPr>
           <a:xfrm>
             <a:off x="1115640" y="2477880"/>
-            <a:ext cx="10167480" cy="3693600"/>
+            <a:ext cx="10167120" cy="3693240"/>
           </a:xfrm>
           <a:prstGeom prst="rect">
             <a:avLst/>
@@ -4492,7 +4504,7 @@
             <a:noAutofit/>
           </a:bodyPr>
           <a:p>
-            <a:pPr marL="228600" indent="-227880">
+            <a:pPr marL="228600" indent="-227520">
               <a:lnSpc>
                 <a:spcPct val="110000"/>
               </a:lnSpc>
@@ -4511,6 +4523,7 @@
                   <a:srgbClr val="000000"/>
                 </a:solidFill>
                 <a:latin typeface="Avenir Next LT Pro"/>
+                <a:ea typeface="DejaVu Sans"/>
               </a:rPr>
               <a:t>SSH viene utilizzato per permettere al master node di accedere in remoto agli slave tramite meccanismo di chiave asimmetrica. In particolare viene utilizzato RSA come meccanismo di autenticazione.</a:t>
             </a:r>
@@ -4519,7 +4532,7 @@
             </a:endParaRPr>
           </a:p>
           <a:p>
-            <a:pPr marL="228600" indent="-227880">
+            <a:pPr marL="228600" indent="-227520">
               <a:lnSpc>
                 <a:spcPct val="110000"/>
               </a:lnSpc>
@@ -4548,6 +4561,7 @@
                   <a:srgbClr val="000000"/>
                 </a:solidFill>
                 <a:latin typeface="Avenir Next LT Pro"/>
+                <a:ea typeface="DejaVu Sans"/>
               </a:rPr>
               <a:t>sugli slave. Quindi questi ultimi avranno accesso alla directory condivisa.</a:t>
             </a:r>
@@ -4596,7 +4610,7 @@
         <p:spPr>
           <a:xfrm>
             <a:off x="1115640" y="548640"/>
-            <a:ext cx="10167480" cy="1179000"/>
+            <a:ext cx="10167120" cy="1178640"/>
           </a:xfrm>
           <a:prstGeom prst="rect">
             <a:avLst/>
@@ -4628,6 +4642,7 @@
                   <a:srgbClr val="000000"/>
                 </a:solidFill>
                 <a:latin typeface="Avenir Next LT Pro"/>
+                <a:ea typeface="DejaVu Sans"/>
               </a:rPr>
               <a:t>Architettura</a:t>
             </a:r>
@@ -4646,7 +4661,7 @@
         <p:spPr>
           <a:xfrm>
             <a:off x="1115640" y="2477880"/>
-            <a:ext cx="10167480" cy="3693600"/>
+            <a:ext cx="10167120" cy="3693240"/>
           </a:xfrm>
           <a:prstGeom prst="rect">
             <a:avLst/>
@@ -4829,7 +4844,7 @@
         <p:spPr>
           <a:xfrm>
             <a:off x="1115640" y="548640"/>
-            <a:ext cx="10167480" cy="1179000"/>
+            <a:ext cx="10167120" cy="1178640"/>
           </a:xfrm>
           <a:prstGeom prst="rect">
             <a:avLst/>
@@ -4861,6 +4876,7 @@
                   <a:srgbClr val="000000"/>
                 </a:solidFill>
                 <a:latin typeface="Avenir Next LT Pro"/>
+                <a:ea typeface="DejaVu Sans"/>
               </a:rPr>
               <a:t>Scambio di messaggi</a:t>
             </a:r>
@@ -4879,7 +4895,7 @@
         <p:spPr>
           <a:xfrm>
             <a:off x="731520" y="2158200"/>
-            <a:ext cx="10167480" cy="3693600"/>
+            <a:ext cx="10167120" cy="3693240"/>
           </a:xfrm>
           <a:prstGeom prst="rect">
             <a:avLst/>
@@ -4900,7 +4916,7 @@
             <a:noAutofit/>
           </a:bodyPr>
           <a:p>
-            <a:pPr marL="432000" indent="-323640">
+            <a:pPr marL="432000" indent="-323280">
               <a:lnSpc>
                 <a:spcPct val="110000"/>
               </a:lnSpc>
@@ -4920,6 +4936,7 @@
                   <a:srgbClr val="000000"/>
                 </a:solidFill>
                 <a:latin typeface="Avenir Next LT Pro"/>
+                <a:ea typeface="DejaVu Sans"/>
               </a:rPr>
               <a:t>La comunicazione tra i core avviene principalmente in due momenti:</a:t>
             </a:r>
@@ -4928,7 +4945,7 @@
             </a:endParaRPr>
           </a:p>
           <a:p>
-            <a:pPr marL="432000" indent="-323640">
+            <a:pPr marL="432000" indent="-323280">
               <a:lnSpc>
                 <a:spcPct val="110000"/>
               </a:lnSpc>
@@ -4948,6 +4965,7 @@
                   <a:srgbClr val="000000"/>
                 </a:solidFill>
                 <a:latin typeface="Avenir Next LT Pro"/>
+                <a:ea typeface="DejaVu Sans"/>
               </a:rPr>
               <a:t>Quando un core trova una password, comunica a tutti gli altri che è stata trovata così che nessuno la cercherà più.</a:t>
             </a:r>
@@ -4956,7 +4974,7 @@
             </a:endParaRPr>
           </a:p>
           <a:p>
-            <a:pPr marL="432000" indent="-323640">
+            <a:pPr marL="432000" indent="-323280">
               <a:lnSpc>
                 <a:spcPct val="100000"/>
               </a:lnSpc>
@@ -4976,6 +4994,7 @@
                   <a:srgbClr val="000000"/>
                 </a:solidFill>
                 <a:latin typeface="Avenir Next LT Pro"/>
+                <a:ea typeface="DejaVu Sans"/>
               </a:rPr>
               <a:t>Quando il processo va arrestato (mediante input da tastiera), il core </a:t>
             </a:r>
@@ -4985,6 +5004,7 @@
                   <a:srgbClr val="000000"/>
                 </a:solidFill>
                 <a:latin typeface="Avenir Next LT Pro"/>
+                <a:ea typeface="DejaVu Sans"/>
               </a:rPr>
               <a:t>ROOT</a:t>
             </a:r>
@@ -4994,6 +5014,7 @@
                   <a:srgbClr val="000000"/>
                 </a:solidFill>
                 <a:latin typeface="Avenir Next LT Pro"/>
+                <a:ea typeface="DejaVu Sans"/>
               </a:rPr>
               <a:t> comunica agli altri core di abortire la computazione.</a:t>
             </a:r>
@@ -5042,7 +5063,7 @@
         <p:spPr>
           <a:xfrm>
             <a:off x="1115640" y="548640"/>
-            <a:ext cx="10167480" cy="1179000"/>
+            <a:ext cx="10167120" cy="1178640"/>
           </a:xfrm>
           <a:prstGeom prst="rect">
             <a:avLst/>
@@ -5074,6 +5095,7 @@
                   <a:srgbClr val="000000"/>
                 </a:solidFill>
                 <a:latin typeface="Avenir Next LT Pro"/>
+                <a:ea typeface="DejaVu Sans"/>
               </a:rPr>
               <a:t>Flusso di esecuzione</a:t>
             </a:r>
@@ -5092,7 +5114,7 @@
         <p:spPr>
           <a:xfrm>
             <a:off x="4206240" y="3657960"/>
-            <a:ext cx="3656880" cy="822240"/>
+            <a:ext cx="3656520" cy="821880"/>
           </a:xfrm>
           <a:prstGeom prst="rect">
             <a:avLst/>
@@ -5177,7 +5199,7 @@
         <p:spPr>
           <a:xfrm>
             <a:off x="1115640" y="548640"/>
-            <a:ext cx="10167480" cy="1179000"/>
+            <a:ext cx="10167120" cy="1178640"/>
           </a:xfrm>
           <a:prstGeom prst="rect">
             <a:avLst/>
@@ -5209,6 +5231,7 @@
                   <a:srgbClr val="000000"/>
                 </a:solidFill>
                 <a:latin typeface="Avenir Next LT Pro"/>
+                <a:ea typeface="DejaVu Sans"/>
               </a:rPr>
               <a:t>Problematiche</a:t>
             </a:r>
@@ -5227,7 +5250,7 @@
         <p:spPr>
           <a:xfrm>
             <a:off x="822960" y="2468880"/>
-            <a:ext cx="8777880" cy="3291480"/>
+            <a:ext cx="8777520" cy="3291120"/>
           </a:xfrm>
           <a:prstGeom prst="rect">
             <a:avLst/>
@@ -5259,6 +5282,7 @@
                   <a:srgbClr val="000000"/>
                 </a:solidFill>
                 <a:latin typeface="Avenir Next LT Pro"/>
+                <a:ea typeface="DejaVu Sans"/>
               </a:rPr>
               <a:t> </a:t>
             </a:r>
@@ -5267,7 +5291,7 @@
             </a:endParaRPr>
           </a:p>
           <a:p>
-            <a:pPr marL="216000" indent="-215640">
+            <a:pPr marL="216000" indent="-215280">
               <a:lnSpc>
                 <a:spcPct val="100000"/>
               </a:lnSpc>
@@ -5284,6 +5308,7 @@
                   <a:srgbClr val="000000"/>
                 </a:solidFill>
                 <a:latin typeface="Avenir Next LT Pro"/>
+                <a:ea typeface="DejaVu Sans"/>
               </a:rPr>
               <a:t>LAN setup</a:t>
             </a:r>
@@ -5294,6 +5319,7 @@
                   <a:srgbClr val="000000"/>
                 </a:solidFill>
                 <a:latin typeface="Avenir Next LT Pro"/>
+                <a:ea typeface="DejaVu Sans"/>
               </a:rPr>
               <a:t> </a:t>
             </a:r>
@@ -5302,7 +5328,7 @@
             </a:endParaRPr>
           </a:p>
           <a:p>
-            <a:pPr marL="216000" indent="-215640">
+            <a:pPr marL="216000" indent="-215280">
               <a:lnSpc>
                 <a:spcPct val="100000"/>
               </a:lnSpc>
@@ -5319,6 +5345,7 @@
                   <a:srgbClr val="000000"/>
                 </a:solidFill>
                 <a:latin typeface="Avenir Next LT Pro"/>
+                <a:ea typeface="DejaVu Sans"/>
               </a:rPr>
               <a:t>Distribuzione del carico</a:t>
             </a:r>
@@ -5329,6 +5356,7 @@
                   <a:srgbClr val="000000"/>
                 </a:solidFill>
                 <a:latin typeface="Avenir Next LT Pro"/>
+                <a:ea typeface="DejaVu Sans"/>
               </a:rPr>
               <a:t> </a:t>
             </a:r>
@@ -5337,7 +5365,7 @@
             </a:endParaRPr>
           </a:p>
           <a:p>
-            <a:pPr marL="216000" indent="-215640">
+            <a:pPr marL="216000" indent="-215280">
               <a:lnSpc>
                 <a:spcPct val="100000"/>
               </a:lnSpc>
@@ -5354,6 +5382,7 @@
                   <a:srgbClr val="000000"/>
                 </a:solidFill>
                 <a:latin typeface="Avenir Next LT Pro"/>
+                <a:ea typeface="DejaVu Sans"/>
               </a:rPr>
               <a:t>Passaggio di messaggi</a:t>
             </a:r>
